--- a/Complimentary Course Content/Module3/Lessons/Module3_Lesson12 Mobile Apps with Microsoft Azure App Service.pptx
+++ b/Complimentary Course Content/Module3/Lessons/Module3_Lesson12 Mobile Apps with Microsoft Azure App Service.pptx
@@ -131,7 +131,7 @@
   </p:defaultTextStyle>
   <p:extLst>
     <p:ext uri="{EFAFB233-063F-42B5-8137-9DF3F51BA10A}">
-      <p15:sldGuideLst xmlns:p15="http://schemas.microsoft.com/office/powerpoint/2012/main" xmlns="">
+      <p15:sldGuideLst xmlns="" xmlns:p15="http://schemas.microsoft.com/office/powerpoint/2012/main">
         <p15:guide id="1" orient="horz" pos="2160">
           <p15:clr>
             <a:srgbClr val="A4A3A4"/>
@@ -157,51 +157,6 @@
 </p:cmAuthorLst>
 </file>
 
-<file path=ppt/comments/comment1.xml><?xml version="1.0" encoding="utf-8"?>
-<p:cmLst xmlns:a="http://schemas.openxmlformats.org/drawingml/2006/main" xmlns:r="http://schemas.openxmlformats.org/officeDocument/2006/relationships" xmlns:p="http://schemas.openxmlformats.org/presentationml/2006/main">
-  <p:cm authorId="1" dt="2016-06-27T21:28:46.433" idx="2">
-    <p:pos x="-33" y="-32"/>
-    <p:text>Mary Kate, please see my Concepts slide at the end of the lesson - it's a summary</p:text>
-    <p:extLst mod="1">
-      <p:ext uri="{C676402C-5697-4E1C-873F-D02D1690AC5C}">
-        <p15:threadingInfo xmlns:p15="http://schemas.microsoft.com/office/powerpoint/2012/main" timeZoneBias="240"/>
-      </p:ext>
-    </p:extLst>
-  </p:cm>
-  <p:cm authorId="2" dt="2016-06-28T14:00:53.701" idx="2">
-    <p:pos x="-11" y="-10"/>
-    <p:text>I put them in here</p:text>
-  </p:cm>
-</p:cmLst>
-</file>
-
-<file path=ppt/comments/comment2.xml><?xml version="1.0" encoding="utf-8"?>
-<p:cmLst xmlns:a="http://schemas.openxmlformats.org/drawingml/2006/main" xmlns:r="http://schemas.openxmlformats.org/officeDocument/2006/relationships" xmlns:p="http://schemas.openxmlformats.org/presentationml/2006/main">
-  <p:cm authorId="2" dt="2016-06-28T13:38:50.248" idx="1">
-    <p:pos x="11" y="10"/>
-    <p:text>Vague image but it demonstrates the idea.  I recommend: remove numbers and abbreviate text (1. Register for Push, 2. Send ID, 3. Request push, 4. Push!)  Client should look like a mobile device)no gears). PNS shoul have google and apple and Windows logos in it</p:text>
-  </p:cm>
-</p:cmLst>
-</file>
-
-<file path=ppt/comments/comment3.xml><?xml version="1.0" encoding="utf-8"?>
-<p:cmLst xmlns:a="http://schemas.openxmlformats.org/drawingml/2006/main" xmlns:r="http://schemas.openxmlformats.org/officeDocument/2006/relationships" xmlns:p="http://schemas.openxmlformats.org/presentationml/2006/main">
-  <p:cm authorId="1" dt="2016-06-27T21:29:21.366" idx="3">
-    <p:pos x="-42" y="-30"/>
-    <p:text>Need screenshot</p:text>
-    <p:extLst mod="1">
-      <p:ext uri="{C676402C-5697-4E1C-873F-D02D1690AC5C}">
-        <p15:threadingInfo xmlns:p15="http://schemas.microsoft.com/office/powerpoint/2012/main" timeZoneBias="240"/>
-      </p:ext>
-    </p:extLst>
-  </p:cm>
-  <p:cm authorId="2" dt="2016-06-28T14:01:15.805" idx="3">
-    <p:pos x="10" y="10"/>
-    <p:text>this one work?</p:text>
-  </p:cm>
-</p:cmLst>
-</file>
-
 <file path=ppt/notesMasters/notesMaster1.xml><?xml version="1.0" encoding="utf-8"?>
 <p:notesMaster xmlns:a="http://schemas.openxmlformats.org/drawingml/2006/main" xmlns:r="http://schemas.openxmlformats.org/officeDocument/2006/relationships" xmlns:p="http://schemas.openxmlformats.org/presentationml/2006/main">
   <p:cSld>
@@ -284,7 +239,7 @@
           <a:p>
             <a:fld id="{49B60EF2-7028-489F-85D8-FE86CD7CF2A0}" type="datetimeFigureOut">
               <a:rPr lang="en-US" smtClean="0"/>
-              <a:t>6/28/16</a:t>
+              <a:t>6/30/16</a:t>
             </a:fld>
             <a:endParaRPr lang="en-US"/>
           </a:p>
@@ -4541,7 +4496,7 @@
           <a:p>
             <a:fld id="{0459C166-16D3-4A25-A2F8-C51E0E346B22}" type="datetimeFigureOut">
               <a:rPr lang="en-US" smtClean="0"/>
-              <a:t>6/28/16</a:t>
+              <a:t>6/30/16</a:t>
             </a:fld>
             <a:endParaRPr lang="en-US"/>
           </a:p>
@@ -4905,7 +4860,7 @@
           <a:p>
             <a:fld id="{0459C166-16D3-4A25-A2F8-C51E0E346B22}" type="datetimeFigureOut">
               <a:rPr lang="en-US" smtClean="0"/>
-              <a:t>6/28/16</a:t>
+              <a:t>6/30/16</a:t>
             </a:fld>
             <a:endParaRPr lang="en-US"/>
           </a:p>
@@ -5022,7 +4977,7 @@
           <a:p>
             <a:fld id="{0459C166-16D3-4A25-A2F8-C51E0E346B22}" type="datetimeFigureOut">
               <a:rPr lang="en-US" smtClean="0"/>
-              <a:t>6/28/16</a:t>
+              <a:t>6/30/16</a:t>
             </a:fld>
             <a:endParaRPr lang="en-US"/>
           </a:p>
@@ -5321,7 +5276,7 @@
           <a:p>
             <a:fld id="{0459C166-16D3-4A25-A2F8-C51E0E346B22}" type="datetimeFigureOut">
               <a:rPr lang="en-US" smtClean="0"/>
-              <a:t>6/28/16</a:t>
+              <a:t>6/30/16</a:t>
             </a:fld>
             <a:endParaRPr lang="en-US"/>
           </a:p>
@@ -5713,7 +5668,7 @@
           <a:p>
             <a:fld id="{0459C166-16D3-4A25-A2F8-C51E0E346B22}" type="datetimeFigureOut">
               <a:rPr lang="en-US" smtClean="0"/>
-              <a:t>6/28/16</a:t>
+              <a:t>6/30/16</a:t>
             </a:fld>
             <a:endParaRPr lang="en-US"/>
           </a:p>
@@ -7001,7 +6956,7 @@
           <a:p>
             <a:fld id="{0459C166-16D3-4A25-A2F8-C51E0E346B22}" type="datetimeFigureOut">
               <a:rPr lang="en-US" smtClean="0"/>
-              <a:t>6/28/16</a:t>
+              <a:t>6/30/16</a:t>
             </a:fld>
             <a:endParaRPr lang="en-US"/>
           </a:p>
@@ -7265,7 +7220,7 @@
             <a:fld id="{0459C166-16D3-4A25-A2F8-C51E0E346B22}" type="datetimeFigureOut">
               <a:rPr lang="en-US" smtClean="0"/>
               <a:pPr/>
-              <a:t>6/28/16</a:t>
+              <a:t>6/30/16</a:t>
             </a:fld>
             <a:endParaRPr lang="en-US"/>
           </a:p>
@@ -7581,7 +7536,7 @@
           <a:p>
             <a:fld id="{0459C166-16D3-4A25-A2F8-C51E0E346B22}" type="datetimeFigureOut">
               <a:rPr lang="en-US" smtClean="0"/>
-              <a:t>6/28/16</a:t>
+              <a:t>6/30/16</a:t>
             </a:fld>
             <a:endParaRPr lang="en-US"/>
           </a:p>
@@ -8155,7 +8110,7 @@
           <a:p>
             <a:fld id="{0459C166-16D3-4A25-A2F8-C51E0E346B22}" type="datetimeFigureOut">
               <a:rPr lang="en-US" smtClean="0"/>
-              <a:t>6/28/16</a:t>
+              <a:t>6/30/16</a:t>
             </a:fld>
             <a:endParaRPr lang="en-US"/>
           </a:p>
@@ -9295,7 +9250,7 @@
           <a:p>
             <a:fld id="{0459C166-16D3-4A25-A2F8-C51E0E346B22}" type="datetimeFigureOut">
               <a:rPr lang="en-US" smtClean="0"/>
-              <a:t>6/28/16</a:t>
+              <a:t>6/30/16</a:t>
             </a:fld>
             <a:endParaRPr lang="en-US"/>
           </a:p>
@@ -9506,7 +9461,7 @@
           <a:p>
             <a:fld id="{0459C166-16D3-4A25-A2F8-C51E0E346B22}" type="datetimeFigureOut">
               <a:rPr lang="en-US" smtClean="0"/>
-              <a:t>6/28/16</a:t>
+              <a:t>6/30/16</a:t>
             </a:fld>
             <a:endParaRPr lang="en-US"/>
           </a:p>
@@ -17907,11 +17862,6 @@
                 </a:rPr>
                 <a:t>Provides a ready made back-end so the developer can focus on the app</a:t>
               </a:r>
-              <a:endParaRPr lang="en-US" sz="2800" dirty="0">
-                <a:solidFill>
-                  <a:schemeClr val="bg1"/>
-                </a:solidFill>
-              </a:endParaRPr>
             </a:p>
           </p:txBody>
         </p:sp>
@@ -19795,11 +19745,6 @@
                 </a:rPr>
                 <a:t>Data management in:</a:t>
               </a:r>
-              <a:endParaRPr lang="en-US" sz="2800" dirty="0">
-                <a:solidFill>
-                  <a:srgbClr val="FFFFFF"/>
-                </a:solidFill>
-              </a:endParaRPr>
             </a:p>
           </p:txBody>
         </p:sp>
@@ -20194,7 +20139,7 @@
   <a:extraClrSchemeLst/>
   <a:extLst>
     <a:ext uri="{05A4C25C-085E-4340-85A3-A5531E510DB2}">
-      <thm15:themeFamily xmlns:thm15="http://schemas.microsoft.com/office/thememl/2012/main" xmlns="" name="Office Theme" id="{62F939B6-93AF-4DB8-9C6B-D6C7DFDC589F}" vid="{4A3C46E8-61CC-4603-A589-7422A47A8E4A}"/>
+      <thm15:themeFamily xmlns="" xmlns:thm15="http://schemas.microsoft.com/office/thememl/2012/main" name="Office Theme" id="{62F939B6-93AF-4DB8-9C6B-D6C7DFDC589F}" vid="{4A3C46E8-61CC-4603-A589-7422A47A8E4A}"/>
     </a:ext>
   </a:extLst>
 </a:theme>
@@ -20489,7 +20434,7 @@
   <a:extraClrSchemeLst/>
   <a:extLst>
     <a:ext uri="{05A4C25C-085E-4340-85A3-A5531E510DB2}">
-      <thm15:themeFamily xmlns:thm15="http://schemas.microsoft.com/office/thememl/2012/main" xmlns="" name="Office Theme" id="{62F939B6-93AF-4DB8-9C6B-D6C7DFDC589F}" vid="{4A3C46E8-61CC-4603-A589-7422A47A8E4A}"/>
+      <thm15:themeFamily xmlns="" xmlns:thm15="http://schemas.microsoft.com/office/thememl/2012/main" name="Office Theme" id="{62F939B6-93AF-4DB8-9C6B-D6C7DFDC589F}" vid="{4A3C46E8-61CC-4603-A589-7422A47A8E4A}"/>
     </a:ext>
   </a:extLst>
 </a:theme>

--- a/Complimentary Course Content/Module3/Lessons/Module3_Lesson12 Mobile Apps with Microsoft Azure App Service.pptx
+++ b/Complimentary Course Content/Module3/Lessons/Module3_Lesson12 Mobile Apps with Microsoft Azure App Service.pptx
@@ -131,7 +131,7 @@
   </p:defaultTextStyle>
   <p:extLst>
     <p:ext uri="{EFAFB233-063F-42B5-8137-9DF3F51BA10A}">
-      <p15:sldGuideLst xmlns="" xmlns:p15="http://schemas.microsoft.com/office/powerpoint/2012/main">
+      <p15:sldGuideLst xmlns:p15="http://schemas.microsoft.com/office/powerpoint/2012/main" xmlns="">
         <p15:guide id="1" orient="horz" pos="2160">
           <p15:clr>
             <a:srgbClr val="A4A3A4"/>
@@ -2034,8 +2034,21 @@
             </a:pPr>
             <a:r>
               <a:rPr lang="en-US" baseline="0" dirty="0"/>
-              <a:t>2 Create a table API (C#)</a:t>
-            </a:r>
+              <a:t>2 Create a table API </a:t>
+            </a:r>
+            <a:r>
+              <a:rPr lang="en-US" baseline="0" dirty="0" smtClean="0"/>
+              <a:t>(C# or </a:t>
+            </a:r>
+            <a:r>
+              <a:rPr lang="en-US" baseline="0" dirty="0" err="1" smtClean="0"/>
+              <a:t>Node.js</a:t>
+            </a:r>
+            <a:r>
+              <a:rPr lang="en-US" baseline="0" dirty="0" smtClean="0"/>
+              <a:t>)</a:t>
+            </a:r>
+            <a:endParaRPr lang="en-US" baseline="0" dirty="0"/>
           </a:p>
           <a:p>
             <a:pPr marL="171450" marR="0" lvl="0" indent="-171450" algn="l" defTabSz="914400" rtl="0" eaLnBrk="1" fontAlgn="auto" latinLnBrk="0" hangingPunct="1">
@@ -12021,7 +12034,7 @@
       </p:sp>
       <p:grpSp>
         <p:nvGrpSpPr>
-          <p:cNvPr id="57" name="Group 56"/>
+          <p:cNvPr id="7" name="Group 6"/>
           <p:cNvGrpSpPr/>
           <p:nvPr/>
         </p:nvGrpSpPr>
@@ -13006,7 +13019,7 @@
         </p:grpSp>
         <p:grpSp>
           <p:nvGrpSpPr>
-            <p:cNvPr id="56" name="Group 55"/>
+            <p:cNvPr id="4" name="Group 3"/>
             <p:cNvGrpSpPr/>
             <p:nvPr/>
           </p:nvGrpSpPr>
@@ -15421,8 +15434,13 @@
           <a:p>
             <a:r>
               <a:rPr lang="en-US" sz="2800" dirty="0"/>
-              <a:t>Separate from Mobile Services</a:t>
-            </a:r>
+              <a:t>Separate from Mobile </a:t>
+            </a:r>
+            <a:r>
+              <a:rPr lang="en-US" sz="2800" dirty="0" smtClean="0"/>
+              <a:t>Apps</a:t>
+            </a:r>
+            <a:endParaRPr lang="en-US" sz="2800" dirty="0"/>
           </a:p>
           <a:p>
             <a:pPr lvl="1"/>
@@ -18091,7 +18109,7 @@
       </p:sp>
       <p:grpSp>
         <p:nvGrpSpPr>
-          <p:cNvPr id="45" name="Group 44"/>
+          <p:cNvPr id="22" name="Group 21"/>
           <p:cNvGrpSpPr/>
           <p:nvPr/>
         </p:nvGrpSpPr>
@@ -18419,7 +18437,7 @@
         </p:grpSp>
         <p:grpSp>
           <p:nvGrpSpPr>
-            <p:cNvPr id="21" name="Group 20"/>
+            <p:cNvPr id="18" name="Group 17"/>
             <p:cNvGrpSpPr/>
             <p:nvPr/>
           </p:nvGrpSpPr>
@@ -18577,7 +18595,7 @@
           </p:grpSp>
           <p:grpSp>
             <p:nvGrpSpPr>
-              <p:cNvPr id="20" name="Group 19"/>
+              <p:cNvPr id="15" name="Group 14"/>
               <p:cNvGrpSpPr/>
               <p:nvPr/>
             </p:nvGrpSpPr>
@@ -18591,789 +18609,3055 @@
             </p:grpSpPr>
             <p:grpSp>
               <p:nvGrpSpPr>
-                <p:cNvPr id="26" name="Group 25"/>
-                <p:cNvGrpSpPr>
-                  <a:grpSpLocks noChangeAspect="1"/>
-                </p:cNvGrpSpPr>
+                <p:cNvPr id="10" name="Group 9"/>
+                <p:cNvGrpSpPr/>
+                <p:nvPr/>
+              </p:nvGrpSpPr>
+              <p:grpSpPr>
+                <a:xfrm>
+                  <a:off x="1584442" y="3583025"/>
+                  <a:ext cx="450067" cy="786384"/>
+                  <a:chOff x="1584442" y="3583025"/>
+                  <a:chExt cx="450067" cy="786384"/>
+                </a:xfrm>
+              </p:grpSpPr>
+              <p:grpSp>
+                <p:nvGrpSpPr>
+                  <p:cNvPr id="33" name="Group 32"/>
+                  <p:cNvGrpSpPr>
+                    <a:grpSpLocks noChangeAspect="1"/>
+                  </p:cNvGrpSpPr>
+                  <p:nvPr/>
+                </p:nvGrpSpPr>
+                <p:grpSpPr>
+                  <a:xfrm>
+                    <a:off x="1584442" y="3583025"/>
+                    <a:ext cx="450067" cy="786384"/>
+                    <a:chOff x="692152" y="3629546"/>
+                    <a:chExt cx="768348" cy="1342504"/>
+                  </a:xfrm>
+                </p:grpSpPr>
+                <p:sp>
+                  <p:nvSpPr>
+                    <p:cNvPr id="34" name="Rectangle 33"/>
+                    <p:cNvSpPr/>
+                    <p:nvPr/>
+                  </p:nvSpPr>
+                  <p:spPr>
+                    <a:xfrm>
+                      <a:off x="692152" y="3629546"/>
+                      <a:ext cx="768348" cy="1342504"/>
+                    </a:xfrm>
+                    <a:prstGeom prst="rect">
+                      <a:avLst/>
+                    </a:prstGeom>
+                    <a:solidFill>
+                      <a:schemeClr val="bg1">
+                        <a:lumMod val="50000"/>
+                      </a:schemeClr>
+                    </a:solidFill>
+                    <a:ln>
+                      <a:noFill/>
+                    </a:ln>
+                  </p:spPr>
+                  <p:style>
+                    <a:lnRef idx="2">
+                      <a:schemeClr val="accent1">
+                        <a:shade val="50000"/>
+                      </a:schemeClr>
+                    </a:lnRef>
+                    <a:fillRef idx="1">
+                      <a:schemeClr val="accent1"/>
+                    </a:fillRef>
+                    <a:effectRef idx="0">
+                      <a:schemeClr val="accent1"/>
+                    </a:effectRef>
+                    <a:fontRef idx="minor">
+                      <a:schemeClr val="lt1"/>
+                    </a:fontRef>
+                  </p:style>
+                  <p:txBody>
+                    <a:bodyPr rtlCol="0" anchor="ctr"/>
+                    <a:lstStyle/>
+                    <a:p>
+                      <a:pPr algn="ctr"/>
+                      <a:endParaRPr lang="en-US" dirty="0">
+                        <a:solidFill>
+                          <a:schemeClr val="bg1"/>
+                        </a:solidFill>
+                      </a:endParaRPr>
+                    </a:p>
+                  </p:txBody>
+                </p:sp>
+                <p:sp>
+                  <p:nvSpPr>
+                    <p:cNvPr id="35" name="Rectangle 34"/>
+                    <p:cNvSpPr/>
+                    <p:nvPr/>
+                  </p:nvSpPr>
+                  <p:spPr>
+                    <a:xfrm>
+                      <a:off x="746127" y="3727971"/>
+                      <a:ext cx="660398" cy="1078979"/>
+                    </a:xfrm>
+                    <a:prstGeom prst="rect">
+                      <a:avLst/>
+                    </a:prstGeom>
+                    <a:solidFill>
+                      <a:schemeClr val="bg1">
+                        <a:lumMod val="65000"/>
+                      </a:schemeClr>
+                    </a:solidFill>
+                    <a:ln>
+                      <a:noFill/>
+                    </a:ln>
+                  </p:spPr>
+                  <p:style>
+                    <a:lnRef idx="2">
+                      <a:schemeClr val="accent1">
+                        <a:shade val="50000"/>
+                      </a:schemeClr>
+                    </a:lnRef>
+                    <a:fillRef idx="1">
+                      <a:schemeClr val="accent1"/>
+                    </a:fillRef>
+                    <a:effectRef idx="0">
+                      <a:schemeClr val="accent1"/>
+                    </a:effectRef>
+                    <a:fontRef idx="minor">
+                      <a:schemeClr val="lt1"/>
+                    </a:fontRef>
+                  </p:style>
+                  <p:txBody>
+                    <a:bodyPr rtlCol="0" anchor="ctr"/>
+                    <a:lstStyle/>
+                    <a:p>
+                      <a:pPr algn="ctr"/>
+                      <a:endParaRPr lang="en-US" dirty="0">
+                        <a:solidFill>
+                          <a:schemeClr val="bg1"/>
+                        </a:solidFill>
+                      </a:endParaRPr>
+                    </a:p>
+                  </p:txBody>
+                </p:sp>
+                <p:sp>
+                  <p:nvSpPr>
+                    <p:cNvPr id="36" name="Oval 35"/>
+                    <p:cNvSpPr/>
+                    <p:nvPr/>
+                  </p:nvSpPr>
+                  <p:spPr>
+                    <a:xfrm>
+                      <a:off x="1025526" y="4841875"/>
+                      <a:ext cx="101600" cy="101600"/>
+                    </a:xfrm>
+                    <a:prstGeom prst="ellipse">
+                      <a:avLst/>
+                    </a:prstGeom>
+                    <a:solidFill>
+                      <a:schemeClr val="bg1">
+                        <a:lumMod val="65000"/>
+                      </a:schemeClr>
+                    </a:solidFill>
+                    <a:ln>
+                      <a:noFill/>
+                    </a:ln>
+                  </p:spPr>
+                  <p:style>
+                    <a:lnRef idx="2">
+                      <a:schemeClr val="accent1">
+                        <a:shade val="50000"/>
+                      </a:schemeClr>
+                    </a:lnRef>
+                    <a:fillRef idx="1">
+                      <a:schemeClr val="accent1"/>
+                    </a:fillRef>
+                    <a:effectRef idx="0">
+                      <a:schemeClr val="accent1"/>
+                    </a:effectRef>
+                    <a:fontRef idx="minor">
+                      <a:schemeClr val="lt1"/>
+                    </a:fontRef>
+                  </p:style>
+                  <p:txBody>
+                    <a:bodyPr rtlCol="0" anchor="ctr"/>
+                    <a:lstStyle/>
+                    <a:p>
+                      <a:pPr algn="ctr"/>
+                      <a:endParaRPr lang="en-US" dirty="0">
+                        <a:solidFill>
+                          <a:schemeClr val="bg1"/>
+                        </a:solidFill>
+                      </a:endParaRPr>
+                    </a:p>
+                  </p:txBody>
+                </p:sp>
+                <p:sp>
+                  <p:nvSpPr>
+                    <p:cNvPr id="37" name="Oval 36"/>
+                    <p:cNvSpPr/>
+                    <p:nvPr/>
+                  </p:nvSpPr>
+                  <p:spPr>
+                    <a:xfrm>
+                      <a:off x="1185467" y="3655899"/>
+                      <a:ext cx="45719" cy="45719"/>
+                    </a:xfrm>
+                    <a:prstGeom prst="ellipse">
+                      <a:avLst/>
+                    </a:prstGeom>
+                    <a:solidFill>
+                      <a:schemeClr val="bg1">
+                        <a:lumMod val="65000"/>
+                      </a:schemeClr>
+                    </a:solidFill>
+                    <a:ln>
+                      <a:noFill/>
+                    </a:ln>
+                  </p:spPr>
+                  <p:style>
+                    <a:lnRef idx="2">
+                      <a:schemeClr val="accent1">
+                        <a:shade val="50000"/>
+                      </a:schemeClr>
+                    </a:lnRef>
+                    <a:fillRef idx="1">
+                      <a:schemeClr val="accent1"/>
+                    </a:fillRef>
+                    <a:effectRef idx="0">
+                      <a:schemeClr val="accent1"/>
+                    </a:effectRef>
+                    <a:fontRef idx="minor">
+                      <a:schemeClr val="lt1"/>
+                    </a:fontRef>
+                  </p:style>
+                  <p:txBody>
+                    <a:bodyPr rtlCol="0" anchor="ctr"/>
+                    <a:lstStyle/>
+                    <a:p>
+                      <a:pPr algn="ctr"/>
+                      <a:endParaRPr lang="en-US" dirty="0">
+                        <a:solidFill>
+                          <a:schemeClr val="bg1"/>
+                        </a:solidFill>
+                      </a:endParaRPr>
+                    </a:p>
+                  </p:txBody>
+                </p:sp>
+                <p:cxnSp>
+                  <p:nvCxnSpPr>
+                    <p:cNvPr id="38" name="Straight Connector 37"/>
+                    <p:cNvCxnSpPr/>
+                    <p:nvPr/>
+                  </p:nvCxnSpPr>
+                  <p:spPr>
+                    <a:xfrm>
+                      <a:off x="1016795" y="3676650"/>
+                      <a:ext cx="89296" cy="0"/>
+                    </a:xfrm>
+                    <a:prstGeom prst="line">
+                      <a:avLst/>
+                    </a:prstGeom>
+                    <a:ln w="19050">
+                      <a:solidFill>
+                        <a:schemeClr val="bg1">
+                          <a:lumMod val="65000"/>
+                        </a:schemeClr>
+                      </a:solidFill>
+                    </a:ln>
+                  </p:spPr>
+                  <p:style>
+                    <a:lnRef idx="1">
+                      <a:schemeClr val="accent1"/>
+                    </a:lnRef>
+                    <a:fillRef idx="0">
+                      <a:schemeClr val="accent1"/>
+                    </a:fillRef>
+                    <a:effectRef idx="0">
+                      <a:schemeClr val="accent1"/>
+                    </a:effectRef>
+                    <a:fontRef idx="minor">
+                      <a:schemeClr val="tx1"/>
+                    </a:fontRef>
+                  </p:style>
+                </p:cxnSp>
+              </p:grpSp>
+              <p:grpSp>
+                <p:nvGrpSpPr>
+                  <p:cNvPr id="61" name="Group 60"/>
+                  <p:cNvGrpSpPr>
+                    <a:grpSpLocks noChangeAspect="1"/>
+                  </p:cNvGrpSpPr>
+                  <p:nvPr/>
+                </p:nvGrpSpPr>
+                <p:grpSpPr>
+                  <a:xfrm>
+                    <a:off x="1662499" y="3804467"/>
+                    <a:ext cx="293952" cy="343501"/>
+                    <a:chOff x="5734733" y="5619670"/>
+                    <a:chExt cx="345394" cy="403618"/>
+                  </a:xfrm>
+                </p:grpSpPr>
+                <p:sp>
+                  <p:nvSpPr>
+                    <p:cNvPr id="62" name="Freeform 5"/>
+                    <p:cNvSpPr>
+                      <a:spLocks noEditPoints="1"/>
+                    </p:cNvSpPr>
+                    <p:nvPr/>
+                  </p:nvSpPr>
+                  <p:spPr bwMode="auto">
+                    <a:xfrm>
+                      <a:off x="5734733" y="5746972"/>
+                      <a:ext cx="345394" cy="147039"/>
+                    </a:xfrm>
+                    <a:custGeom>
+                      <a:avLst/>
+                      <a:gdLst>
+                        <a:gd name="T0" fmla="*/ 395 w 425"/>
+                        <a:gd name="T1" fmla="*/ 0 h 181"/>
+                        <a:gd name="T2" fmla="*/ 365 w 425"/>
+                        <a:gd name="T3" fmla="*/ 30 h 181"/>
+                        <a:gd name="T4" fmla="*/ 365 w 425"/>
+                        <a:gd name="T5" fmla="*/ 150 h 181"/>
+                        <a:gd name="T6" fmla="*/ 395 w 425"/>
+                        <a:gd name="T7" fmla="*/ 181 h 181"/>
+                        <a:gd name="T8" fmla="*/ 425 w 425"/>
+                        <a:gd name="T9" fmla="*/ 150 h 181"/>
+                        <a:gd name="T10" fmla="*/ 425 w 425"/>
+                        <a:gd name="T11" fmla="*/ 30 h 181"/>
+                        <a:gd name="T12" fmla="*/ 395 w 425"/>
+                        <a:gd name="T13" fmla="*/ 0 h 181"/>
+                        <a:gd name="T14" fmla="*/ 30 w 425"/>
+                        <a:gd name="T15" fmla="*/ 0 h 181"/>
+                        <a:gd name="T16" fmla="*/ 0 w 425"/>
+                        <a:gd name="T17" fmla="*/ 30 h 181"/>
+                        <a:gd name="T18" fmla="*/ 0 w 425"/>
+                        <a:gd name="T19" fmla="*/ 150 h 181"/>
+                        <a:gd name="T20" fmla="*/ 30 w 425"/>
+                        <a:gd name="T21" fmla="*/ 181 h 181"/>
+                        <a:gd name="T22" fmla="*/ 61 w 425"/>
+                        <a:gd name="T23" fmla="*/ 150 h 181"/>
+                        <a:gd name="T24" fmla="*/ 61 w 425"/>
+                        <a:gd name="T25" fmla="*/ 30 h 181"/>
+                        <a:gd name="T26" fmla="*/ 30 w 425"/>
+                        <a:gd name="T27" fmla="*/ 0 h 181"/>
+                      </a:gdLst>
+                      <a:ahLst/>
+                      <a:cxnLst>
+                        <a:cxn ang="0">
+                          <a:pos x="T0" y="T1"/>
+                        </a:cxn>
+                        <a:cxn ang="0">
+                          <a:pos x="T2" y="T3"/>
+                        </a:cxn>
+                        <a:cxn ang="0">
+                          <a:pos x="T4" y="T5"/>
+                        </a:cxn>
+                        <a:cxn ang="0">
+                          <a:pos x="T6" y="T7"/>
+                        </a:cxn>
+                        <a:cxn ang="0">
+                          <a:pos x="T8" y="T9"/>
+                        </a:cxn>
+                        <a:cxn ang="0">
+                          <a:pos x="T10" y="T11"/>
+                        </a:cxn>
+                        <a:cxn ang="0">
+                          <a:pos x="T12" y="T13"/>
+                        </a:cxn>
+                        <a:cxn ang="0">
+                          <a:pos x="T14" y="T15"/>
+                        </a:cxn>
+                        <a:cxn ang="0">
+                          <a:pos x="T16" y="T17"/>
+                        </a:cxn>
+                        <a:cxn ang="0">
+                          <a:pos x="T18" y="T19"/>
+                        </a:cxn>
+                        <a:cxn ang="0">
+                          <a:pos x="T20" y="T21"/>
+                        </a:cxn>
+                        <a:cxn ang="0">
+                          <a:pos x="T22" y="T23"/>
+                        </a:cxn>
+                        <a:cxn ang="0">
+                          <a:pos x="T24" y="T25"/>
+                        </a:cxn>
+                        <a:cxn ang="0">
+                          <a:pos x="T26" y="T27"/>
+                        </a:cxn>
+                      </a:cxnLst>
+                      <a:rect l="0" t="0" r="r" b="b"/>
+                      <a:pathLst>
+                        <a:path w="425" h="181">
+                          <a:moveTo>
+                            <a:pt x="395" y="0"/>
+                          </a:moveTo>
+                          <a:cubicBezTo>
+                            <a:pt x="378" y="0"/>
+                            <a:pt x="365" y="13"/>
+                            <a:pt x="365" y="30"/>
+                          </a:cubicBezTo>
+                          <a:cubicBezTo>
+                            <a:pt x="365" y="150"/>
+                            <a:pt x="365" y="150"/>
+                            <a:pt x="365" y="150"/>
+                          </a:cubicBezTo>
+                          <a:cubicBezTo>
+                            <a:pt x="365" y="167"/>
+                            <a:pt x="378" y="181"/>
+                            <a:pt x="395" y="181"/>
+                          </a:cubicBezTo>
+                          <a:cubicBezTo>
+                            <a:pt x="411" y="181"/>
+                            <a:pt x="425" y="167"/>
+                            <a:pt x="425" y="150"/>
+                          </a:cubicBezTo>
+                          <a:cubicBezTo>
+                            <a:pt x="425" y="30"/>
+                            <a:pt x="425" y="30"/>
+                            <a:pt x="425" y="30"/>
+                          </a:cubicBezTo>
+                          <a:cubicBezTo>
+                            <a:pt x="425" y="13"/>
+                            <a:pt x="411" y="0"/>
+                            <a:pt x="395" y="0"/>
+                          </a:cubicBezTo>
+                          <a:close/>
+                          <a:moveTo>
+                            <a:pt x="30" y="0"/>
+                          </a:moveTo>
+                          <a:cubicBezTo>
+                            <a:pt x="14" y="0"/>
+                            <a:pt x="0" y="13"/>
+                            <a:pt x="0" y="30"/>
+                          </a:cubicBezTo>
+                          <a:cubicBezTo>
+                            <a:pt x="0" y="150"/>
+                            <a:pt x="0" y="150"/>
+                            <a:pt x="0" y="150"/>
+                          </a:cubicBezTo>
+                          <a:cubicBezTo>
+                            <a:pt x="0" y="167"/>
+                            <a:pt x="14" y="181"/>
+                            <a:pt x="30" y="181"/>
+                          </a:cubicBezTo>
+                          <a:cubicBezTo>
+                            <a:pt x="47" y="181"/>
+                            <a:pt x="61" y="167"/>
+                            <a:pt x="61" y="150"/>
+                          </a:cubicBezTo>
+                          <a:cubicBezTo>
+                            <a:pt x="61" y="30"/>
+                            <a:pt x="61" y="30"/>
+                            <a:pt x="61" y="30"/>
+                          </a:cubicBezTo>
+                          <a:cubicBezTo>
+                            <a:pt x="61" y="13"/>
+                            <a:pt x="47" y="0"/>
+                            <a:pt x="30" y="0"/>
+                          </a:cubicBezTo>
+                          <a:close/>
+                        </a:path>
+                      </a:pathLst>
+                    </a:custGeom>
+                    <a:solidFill>
+                      <a:schemeClr val="bg1"/>
+                    </a:solidFill>
+                    <a:ln>
+                      <a:noFill/>
+                    </a:ln>
+                    <a:extLst>
+                      <a:ext uri="{91240B29-F687-4f45-9708-019B960494DF}">
+                        <a14:hiddenLine xmlns:a14="http://schemas.microsoft.com/office/drawing/2010/main" w="9525">
+                          <a:solidFill>
+                            <a:srgbClr val="000000"/>
+                          </a:solidFill>
+                          <a:round/>
+                          <a:headEnd/>
+                          <a:tailEnd/>
+                        </a14:hiddenLine>
+                      </a:ext>
+                    </a:extLst>
+                  </p:spPr>
+                  <p:txBody>
+                    <a:bodyPr vert="horz" wrap="square" lIns="91440" tIns="45720" rIns="91440" bIns="45720" numCol="1" anchor="t" anchorCtr="0" compatLnSpc="1">
+                      <a:prstTxWarp prst="textNoShape">
+                        <a:avLst/>
+                      </a:prstTxWarp>
+                    </a:bodyPr>
+                    <a:lstStyle/>
+                    <a:p>
+                      <a:endParaRPr lang="en-US"/>
+                    </a:p>
+                  </p:txBody>
+                </p:sp>
+                <p:sp>
+                  <p:nvSpPr>
+                    <p:cNvPr id="63" name="Freeform 6"/>
+                    <p:cNvSpPr>
+                      <a:spLocks/>
+                    </p:cNvSpPr>
+                    <p:nvPr/>
+                  </p:nvSpPr>
+                  <p:spPr bwMode="auto">
+                    <a:xfrm>
+                      <a:off x="5798878" y="5747959"/>
+                      <a:ext cx="219078" cy="275329"/>
+                    </a:xfrm>
+                    <a:custGeom>
+                      <a:avLst/>
+                      <a:gdLst>
+                        <a:gd name="T0" fmla="*/ 0 w 269"/>
+                        <a:gd name="T1" fmla="*/ 0 h 340"/>
+                        <a:gd name="T2" fmla="*/ 0 w 269"/>
+                        <a:gd name="T3" fmla="*/ 219 h 340"/>
+                        <a:gd name="T4" fmla="*/ 23 w 269"/>
+                        <a:gd name="T5" fmla="*/ 242 h 340"/>
+                        <a:gd name="T6" fmla="*/ 50 w 269"/>
+                        <a:gd name="T7" fmla="*/ 242 h 340"/>
+                        <a:gd name="T8" fmla="*/ 50 w 269"/>
+                        <a:gd name="T9" fmla="*/ 309 h 340"/>
+                        <a:gd name="T10" fmla="*/ 80 w 269"/>
+                        <a:gd name="T11" fmla="*/ 340 h 340"/>
+                        <a:gd name="T12" fmla="*/ 111 w 269"/>
+                        <a:gd name="T13" fmla="*/ 309 h 340"/>
+                        <a:gd name="T14" fmla="*/ 111 w 269"/>
+                        <a:gd name="T15" fmla="*/ 242 h 340"/>
+                        <a:gd name="T16" fmla="*/ 158 w 269"/>
+                        <a:gd name="T17" fmla="*/ 242 h 340"/>
+                        <a:gd name="T18" fmla="*/ 158 w 269"/>
+                        <a:gd name="T19" fmla="*/ 309 h 340"/>
+                        <a:gd name="T20" fmla="*/ 188 w 269"/>
+                        <a:gd name="T21" fmla="*/ 340 h 340"/>
+                        <a:gd name="T22" fmla="*/ 218 w 269"/>
+                        <a:gd name="T23" fmla="*/ 309 h 340"/>
+                        <a:gd name="T24" fmla="*/ 218 w 269"/>
+                        <a:gd name="T25" fmla="*/ 242 h 340"/>
+                        <a:gd name="T26" fmla="*/ 245 w 269"/>
+                        <a:gd name="T27" fmla="*/ 242 h 340"/>
+                        <a:gd name="T28" fmla="*/ 269 w 269"/>
+                        <a:gd name="T29" fmla="*/ 219 h 340"/>
+                        <a:gd name="T30" fmla="*/ 269 w 269"/>
+                        <a:gd name="T31" fmla="*/ 0 h 340"/>
+                        <a:gd name="T32" fmla="*/ 0 w 269"/>
+                        <a:gd name="T33" fmla="*/ 0 h 340"/>
+                      </a:gdLst>
+                      <a:ahLst/>
+                      <a:cxnLst>
+                        <a:cxn ang="0">
+                          <a:pos x="T0" y="T1"/>
+                        </a:cxn>
+                        <a:cxn ang="0">
+                          <a:pos x="T2" y="T3"/>
+                        </a:cxn>
+                        <a:cxn ang="0">
+                          <a:pos x="T4" y="T5"/>
+                        </a:cxn>
+                        <a:cxn ang="0">
+                          <a:pos x="T6" y="T7"/>
+                        </a:cxn>
+                        <a:cxn ang="0">
+                          <a:pos x="T8" y="T9"/>
+                        </a:cxn>
+                        <a:cxn ang="0">
+                          <a:pos x="T10" y="T11"/>
+                        </a:cxn>
+                        <a:cxn ang="0">
+                          <a:pos x="T12" y="T13"/>
+                        </a:cxn>
+                        <a:cxn ang="0">
+                          <a:pos x="T14" y="T15"/>
+                        </a:cxn>
+                        <a:cxn ang="0">
+                          <a:pos x="T16" y="T17"/>
+                        </a:cxn>
+                        <a:cxn ang="0">
+                          <a:pos x="T18" y="T19"/>
+                        </a:cxn>
+                        <a:cxn ang="0">
+                          <a:pos x="T20" y="T21"/>
+                        </a:cxn>
+                        <a:cxn ang="0">
+                          <a:pos x="T22" y="T23"/>
+                        </a:cxn>
+                        <a:cxn ang="0">
+                          <a:pos x="T24" y="T25"/>
+                        </a:cxn>
+                        <a:cxn ang="0">
+                          <a:pos x="T26" y="T27"/>
+                        </a:cxn>
+                        <a:cxn ang="0">
+                          <a:pos x="T28" y="T29"/>
+                        </a:cxn>
+                        <a:cxn ang="0">
+                          <a:pos x="T30" y="T31"/>
+                        </a:cxn>
+                        <a:cxn ang="0">
+                          <a:pos x="T32" y="T33"/>
+                        </a:cxn>
+                      </a:cxnLst>
+                      <a:rect l="0" t="0" r="r" b="b"/>
+                      <a:pathLst>
+                        <a:path w="269" h="340">
+                          <a:moveTo>
+                            <a:pt x="0" y="0"/>
+                          </a:moveTo>
+                          <a:cubicBezTo>
+                            <a:pt x="0" y="219"/>
+                            <a:pt x="0" y="219"/>
+                            <a:pt x="0" y="219"/>
+                          </a:cubicBezTo>
+                          <a:cubicBezTo>
+                            <a:pt x="0" y="232"/>
+                            <a:pt x="10" y="242"/>
+                            <a:pt x="23" y="242"/>
+                          </a:cubicBezTo>
+                          <a:cubicBezTo>
+                            <a:pt x="50" y="242"/>
+                            <a:pt x="50" y="242"/>
+                            <a:pt x="50" y="242"/>
+                          </a:cubicBezTo>
+                          <a:cubicBezTo>
+                            <a:pt x="50" y="309"/>
+                            <a:pt x="50" y="309"/>
+                            <a:pt x="50" y="309"/>
+                          </a:cubicBezTo>
+                          <a:cubicBezTo>
+                            <a:pt x="50" y="326"/>
+                            <a:pt x="64" y="340"/>
+                            <a:pt x="80" y="340"/>
+                          </a:cubicBezTo>
+                          <a:cubicBezTo>
+                            <a:pt x="97" y="340"/>
+                            <a:pt x="111" y="326"/>
+                            <a:pt x="111" y="309"/>
+                          </a:cubicBezTo>
+                          <a:cubicBezTo>
+                            <a:pt x="111" y="242"/>
+                            <a:pt x="111" y="242"/>
+                            <a:pt x="111" y="242"/>
+                          </a:cubicBezTo>
+                          <a:cubicBezTo>
+                            <a:pt x="158" y="242"/>
+                            <a:pt x="158" y="242"/>
+                            <a:pt x="158" y="242"/>
+                          </a:cubicBezTo>
+                          <a:cubicBezTo>
+                            <a:pt x="158" y="309"/>
+                            <a:pt x="158" y="309"/>
+                            <a:pt x="158" y="309"/>
+                          </a:cubicBezTo>
+                          <a:cubicBezTo>
+                            <a:pt x="158" y="326"/>
+                            <a:pt x="171" y="340"/>
+                            <a:pt x="188" y="340"/>
+                          </a:cubicBezTo>
+                          <a:cubicBezTo>
+                            <a:pt x="205" y="340"/>
+                            <a:pt x="218" y="326"/>
+                            <a:pt x="218" y="309"/>
+                          </a:cubicBezTo>
+                          <a:cubicBezTo>
+                            <a:pt x="218" y="242"/>
+                            <a:pt x="218" y="242"/>
+                            <a:pt x="218" y="242"/>
+                          </a:cubicBezTo>
+                          <a:cubicBezTo>
+                            <a:pt x="245" y="242"/>
+                            <a:pt x="245" y="242"/>
+                            <a:pt x="245" y="242"/>
+                          </a:cubicBezTo>
+                          <a:cubicBezTo>
+                            <a:pt x="258" y="242"/>
+                            <a:pt x="269" y="232"/>
+                            <a:pt x="269" y="219"/>
+                          </a:cubicBezTo>
+                          <a:cubicBezTo>
+                            <a:pt x="269" y="0"/>
+                            <a:pt x="269" y="0"/>
+                            <a:pt x="269" y="0"/>
+                          </a:cubicBezTo>
+                          <a:lnTo>
+                            <a:pt x="0" y="0"/>
+                          </a:lnTo>
+                          <a:close/>
+                        </a:path>
+                      </a:pathLst>
+                    </a:custGeom>
+                    <a:solidFill>
+                      <a:schemeClr val="bg1"/>
+                    </a:solidFill>
+                    <a:ln>
+                      <a:noFill/>
+                    </a:ln>
+                    <a:extLst>
+                      <a:ext uri="{91240B29-F687-4f45-9708-019B960494DF}">
+                        <a14:hiddenLine xmlns:a14="http://schemas.microsoft.com/office/drawing/2010/main" w="9525">
+                          <a:solidFill>
+                            <a:srgbClr val="000000"/>
+                          </a:solidFill>
+                          <a:round/>
+                          <a:headEnd/>
+                          <a:tailEnd/>
+                        </a14:hiddenLine>
+                      </a:ext>
+                    </a:extLst>
+                  </p:spPr>
+                  <p:txBody>
+                    <a:bodyPr vert="horz" wrap="square" lIns="91440" tIns="45720" rIns="91440" bIns="45720" numCol="1" anchor="t" anchorCtr="0" compatLnSpc="1">
+                      <a:prstTxWarp prst="textNoShape">
+                        <a:avLst/>
+                      </a:prstTxWarp>
+                    </a:bodyPr>
+                    <a:lstStyle/>
+                    <a:p>
+                      <a:endParaRPr lang="en-US"/>
+                    </a:p>
+                  </p:txBody>
+                </p:sp>
+                <p:sp>
+                  <p:nvSpPr>
+                    <p:cNvPr id="64" name="Freeform 7"/>
+                    <p:cNvSpPr>
+                      <a:spLocks noEditPoints="1"/>
+                    </p:cNvSpPr>
+                    <p:nvPr/>
+                  </p:nvSpPr>
+                  <p:spPr bwMode="auto">
+                    <a:xfrm>
+                      <a:off x="5797891" y="5619670"/>
+                      <a:ext cx="219078" cy="112500"/>
+                    </a:xfrm>
+                    <a:custGeom>
+                      <a:avLst/>
+                      <a:gdLst>
+                        <a:gd name="T0" fmla="*/ 198 w 269"/>
+                        <a:gd name="T1" fmla="*/ 44 h 138"/>
+                        <a:gd name="T2" fmla="*/ 223 w 269"/>
+                        <a:gd name="T3" fmla="*/ 8 h 138"/>
+                        <a:gd name="T4" fmla="*/ 222 w 269"/>
+                        <a:gd name="T5" fmla="*/ 2 h 138"/>
+                        <a:gd name="T6" fmla="*/ 216 w 269"/>
+                        <a:gd name="T7" fmla="*/ 3 h 138"/>
+                        <a:gd name="T8" fmla="*/ 190 w 269"/>
+                        <a:gd name="T9" fmla="*/ 41 h 138"/>
+                        <a:gd name="T10" fmla="*/ 135 w 269"/>
+                        <a:gd name="T11" fmla="*/ 30 h 138"/>
+                        <a:gd name="T12" fmla="*/ 79 w 269"/>
+                        <a:gd name="T13" fmla="*/ 41 h 138"/>
+                        <a:gd name="T14" fmla="*/ 53 w 269"/>
+                        <a:gd name="T15" fmla="*/ 3 h 138"/>
+                        <a:gd name="T16" fmla="*/ 47 w 269"/>
+                        <a:gd name="T17" fmla="*/ 2 h 138"/>
+                        <a:gd name="T18" fmla="*/ 46 w 269"/>
+                        <a:gd name="T19" fmla="*/ 8 h 138"/>
+                        <a:gd name="T20" fmla="*/ 71 w 269"/>
+                        <a:gd name="T21" fmla="*/ 44 h 138"/>
+                        <a:gd name="T22" fmla="*/ 0 w 269"/>
+                        <a:gd name="T23" fmla="*/ 138 h 138"/>
+                        <a:gd name="T24" fmla="*/ 269 w 269"/>
+                        <a:gd name="T25" fmla="*/ 138 h 138"/>
+                        <a:gd name="T26" fmla="*/ 198 w 269"/>
+                        <a:gd name="T27" fmla="*/ 44 h 138"/>
+                        <a:gd name="T28" fmla="*/ 78 w 269"/>
+                        <a:gd name="T29" fmla="*/ 101 h 138"/>
+                        <a:gd name="T30" fmla="*/ 63 w 269"/>
+                        <a:gd name="T31" fmla="*/ 86 h 138"/>
+                        <a:gd name="T32" fmla="*/ 78 w 269"/>
+                        <a:gd name="T33" fmla="*/ 71 h 138"/>
+                        <a:gd name="T34" fmla="*/ 93 w 269"/>
+                        <a:gd name="T35" fmla="*/ 86 h 138"/>
+                        <a:gd name="T36" fmla="*/ 78 w 269"/>
+                        <a:gd name="T37" fmla="*/ 101 h 138"/>
+                        <a:gd name="T38" fmla="*/ 193 w 269"/>
+                        <a:gd name="T39" fmla="*/ 101 h 138"/>
+                        <a:gd name="T40" fmla="*/ 178 w 269"/>
+                        <a:gd name="T41" fmla="*/ 86 h 138"/>
+                        <a:gd name="T42" fmla="*/ 193 w 269"/>
+                        <a:gd name="T43" fmla="*/ 71 h 138"/>
+                        <a:gd name="T44" fmla="*/ 208 w 269"/>
+                        <a:gd name="T45" fmla="*/ 86 h 138"/>
+                        <a:gd name="T46" fmla="*/ 193 w 269"/>
+                        <a:gd name="T47" fmla="*/ 101 h 138"/>
+                      </a:gdLst>
+                      <a:ahLst/>
+                      <a:cxnLst>
+                        <a:cxn ang="0">
+                          <a:pos x="T0" y="T1"/>
+                        </a:cxn>
+                        <a:cxn ang="0">
+                          <a:pos x="T2" y="T3"/>
+                        </a:cxn>
+                        <a:cxn ang="0">
+                          <a:pos x="T4" y="T5"/>
+                        </a:cxn>
+                        <a:cxn ang="0">
+                          <a:pos x="T6" y="T7"/>
+                        </a:cxn>
+                        <a:cxn ang="0">
+                          <a:pos x="T8" y="T9"/>
+                        </a:cxn>
+                        <a:cxn ang="0">
+                          <a:pos x="T10" y="T11"/>
+                        </a:cxn>
+                        <a:cxn ang="0">
+                          <a:pos x="T12" y="T13"/>
+                        </a:cxn>
+                        <a:cxn ang="0">
+                          <a:pos x="T14" y="T15"/>
+                        </a:cxn>
+                        <a:cxn ang="0">
+                          <a:pos x="T16" y="T17"/>
+                        </a:cxn>
+                        <a:cxn ang="0">
+                          <a:pos x="T18" y="T19"/>
+                        </a:cxn>
+                        <a:cxn ang="0">
+                          <a:pos x="T20" y="T21"/>
+                        </a:cxn>
+                        <a:cxn ang="0">
+                          <a:pos x="T22" y="T23"/>
+                        </a:cxn>
+                        <a:cxn ang="0">
+                          <a:pos x="T24" y="T25"/>
+                        </a:cxn>
+                        <a:cxn ang="0">
+                          <a:pos x="T26" y="T27"/>
+                        </a:cxn>
+                        <a:cxn ang="0">
+                          <a:pos x="T28" y="T29"/>
+                        </a:cxn>
+                        <a:cxn ang="0">
+                          <a:pos x="T30" y="T31"/>
+                        </a:cxn>
+                        <a:cxn ang="0">
+                          <a:pos x="T32" y="T33"/>
+                        </a:cxn>
+                        <a:cxn ang="0">
+                          <a:pos x="T34" y="T35"/>
+                        </a:cxn>
+                        <a:cxn ang="0">
+                          <a:pos x="T36" y="T37"/>
+                        </a:cxn>
+                        <a:cxn ang="0">
+                          <a:pos x="T38" y="T39"/>
+                        </a:cxn>
+                        <a:cxn ang="0">
+                          <a:pos x="T40" y="T41"/>
+                        </a:cxn>
+                        <a:cxn ang="0">
+                          <a:pos x="T42" y="T43"/>
+                        </a:cxn>
+                        <a:cxn ang="0">
+                          <a:pos x="T44" y="T45"/>
+                        </a:cxn>
+                        <a:cxn ang="0">
+                          <a:pos x="T46" y="T47"/>
+                        </a:cxn>
+                      </a:cxnLst>
+                      <a:rect l="0" t="0" r="r" b="b"/>
+                      <a:pathLst>
+                        <a:path w="269" h="138">
+                          <a:moveTo>
+                            <a:pt x="198" y="44"/>
+                          </a:moveTo>
+                          <a:cubicBezTo>
+                            <a:pt x="223" y="8"/>
+                            <a:pt x="223" y="8"/>
+                            <a:pt x="223" y="8"/>
+                          </a:cubicBezTo>
+                          <a:cubicBezTo>
+                            <a:pt x="225" y="6"/>
+                            <a:pt x="224" y="3"/>
+                            <a:pt x="222" y="2"/>
+                          </a:cubicBezTo>
+                          <a:cubicBezTo>
+                            <a:pt x="220" y="0"/>
+                            <a:pt x="218" y="1"/>
+                            <a:pt x="216" y="3"/>
+                          </a:cubicBezTo>
+                          <a:cubicBezTo>
+                            <a:pt x="190" y="41"/>
+                            <a:pt x="190" y="41"/>
+                            <a:pt x="190" y="41"/>
+                          </a:cubicBezTo>
+                          <a:cubicBezTo>
+                            <a:pt x="173" y="34"/>
+                            <a:pt x="154" y="30"/>
+                            <a:pt x="135" y="30"/>
+                          </a:cubicBezTo>
+                          <a:cubicBezTo>
+                            <a:pt x="115" y="30"/>
+                            <a:pt x="96" y="34"/>
+                            <a:pt x="79" y="41"/>
+                          </a:cubicBezTo>
+                          <a:cubicBezTo>
+                            <a:pt x="53" y="3"/>
+                            <a:pt x="53" y="3"/>
+                            <a:pt x="53" y="3"/>
+                          </a:cubicBezTo>
+                          <a:cubicBezTo>
+                            <a:pt x="52" y="1"/>
+                            <a:pt x="49" y="0"/>
+                            <a:pt x="47" y="2"/>
+                          </a:cubicBezTo>
+                          <a:cubicBezTo>
+                            <a:pt x="45" y="3"/>
+                            <a:pt x="45" y="6"/>
+                            <a:pt x="46" y="8"/>
+                          </a:cubicBezTo>
+                          <a:cubicBezTo>
+                            <a:pt x="71" y="44"/>
+                            <a:pt x="71" y="44"/>
+                            <a:pt x="71" y="44"/>
+                          </a:cubicBezTo>
+                          <a:cubicBezTo>
+                            <a:pt x="31" y="62"/>
+                            <a:pt x="4" y="97"/>
+                            <a:pt x="0" y="138"/>
+                          </a:cubicBezTo>
+                          <a:cubicBezTo>
+                            <a:pt x="269" y="138"/>
+                            <a:pt x="269" y="138"/>
+                            <a:pt x="269" y="138"/>
+                          </a:cubicBezTo>
+                          <a:cubicBezTo>
+                            <a:pt x="265" y="97"/>
+                            <a:pt x="238" y="62"/>
+                            <a:pt x="198" y="44"/>
+                          </a:cubicBezTo>
+                          <a:close/>
+                          <a:moveTo>
+                            <a:pt x="78" y="101"/>
+                          </a:moveTo>
+                          <a:cubicBezTo>
+                            <a:pt x="70" y="101"/>
+                            <a:pt x="63" y="94"/>
+                            <a:pt x="63" y="86"/>
+                          </a:cubicBezTo>
+                          <a:cubicBezTo>
+                            <a:pt x="63" y="78"/>
+                            <a:pt x="70" y="71"/>
+                            <a:pt x="78" y="71"/>
+                          </a:cubicBezTo>
+                          <a:cubicBezTo>
+                            <a:pt x="86" y="71"/>
+                            <a:pt x="93" y="78"/>
+                            <a:pt x="93" y="86"/>
+                          </a:cubicBezTo>
+                          <a:cubicBezTo>
+                            <a:pt x="93" y="94"/>
+                            <a:pt x="86" y="101"/>
+                            <a:pt x="78" y="101"/>
+                          </a:cubicBezTo>
+                          <a:close/>
+                          <a:moveTo>
+                            <a:pt x="193" y="101"/>
+                          </a:moveTo>
+                          <a:cubicBezTo>
+                            <a:pt x="185" y="101"/>
+                            <a:pt x="178" y="94"/>
+                            <a:pt x="178" y="86"/>
+                          </a:cubicBezTo>
+                          <a:cubicBezTo>
+                            <a:pt x="178" y="78"/>
+                            <a:pt x="185" y="71"/>
+                            <a:pt x="193" y="71"/>
+                          </a:cubicBezTo>
+                          <a:cubicBezTo>
+                            <a:pt x="201" y="71"/>
+                            <a:pt x="208" y="78"/>
+                            <a:pt x="208" y="86"/>
+                          </a:cubicBezTo>
+                          <a:cubicBezTo>
+                            <a:pt x="208" y="94"/>
+                            <a:pt x="201" y="101"/>
+                            <a:pt x="193" y="101"/>
+                          </a:cubicBezTo>
+                          <a:close/>
+                        </a:path>
+                      </a:pathLst>
+                    </a:custGeom>
+                    <a:solidFill>
+                      <a:schemeClr val="bg1"/>
+                    </a:solidFill>
+                    <a:ln>
+                      <a:noFill/>
+                    </a:ln>
+                    <a:extLst>
+                      <a:ext uri="{91240B29-F687-4f45-9708-019B960494DF}">
+                        <a14:hiddenLine xmlns:a14="http://schemas.microsoft.com/office/drawing/2010/main" w="9525">
+                          <a:solidFill>
+                            <a:srgbClr val="000000"/>
+                          </a:solidFill>
+                          <a:round/>
+                          <a:headEnd/>
+                          <a:tailEnd/>
+                        </a14:hiddenLine>
+                      </a:ext>
+                    </a:extLst>
+                  </p:spPr>
+                  <p:txBody>
+                    <a:bodyPr vert="horz" wrap="square" lIns="91440" tIns="45720" rIns="91440" bIns="45720" numCol="1" anchor="t" anchorCtr="0" compatLnSpc="1">
+                      <a:prstTxWarp prst="textNoShape">
+                        <a:avLst/>
+                      </a:prstTxWarp>
+                    </a:bodyPr>
+                    <a:lstStyle/>
+                    <a:p>
+                      <a:endParaRPr lang="en-US"/>
+                    </a:p>
+                  </p:txBody>
+                </p:sp>
+                <p:sp>
+                  <p:nvSpPr>
+                    <p:cNvPr id="65" name="Freeform 8"/>
+                    <p:cNvSpPr>
+                      <a:spLocks noEditPoints="1"/>
+                    </p:cNvSpPr>
+                    <p:nvPr/>
+                  </p:nvSpPr>
+                  <p:spPr bwMode="auto">
+                    <a:xfrm>
+                      <a:off x="5734733" y="5746972"/>
+                      <a:ext cx="345394" cy="147039"/>
+                    </a:xfrm>
+                    <a:custGeom>
+                      <a:avLst/>
+                      <a:gdLst>
+                        <a:gd name="T0" fmla="*/ 395 w 425"/>
+                        <a:gd name="T1" fmla="*/ 0 h 181"/>
+                        <a:gd name="T2" fmla="*/ 365 w 425"/>
+                        <a:gd name="T3" fmla="*/ 30 h 181"/>
+                        <a:gd name="T4" fmla="*/ 365 w 425"/>
+                        <a:gd name="T5" fmla="*/ 150 h 181"/>
+                        <a:gd name="T6" fmla="*/ 395 w 425"/>
+                        <a:gd name="T7" fmla="*/ 181 h 181"/>
+                        <a:gd name="T8" fmla="*/ 425 w 425"/>
+                        <a:gd name="T9" fmla="*/ 150 h 181"/>
+                        <a:gd name="T10" fmla="*/ 425 w 425"/>
+                        <a:gd name="T11" fmla="*/ 30 h 181"/>
+                        <a:gd name="T12" fmla="*/ 395 w 425"/>
+                        <a:gd name="T13" fmla="*/ 0 h 181"/>
+                        <a:gd name="T14" fmla="*/ 30 w 425"/>
+                        <a:gd name="T15" fmla="*/ 0 h 181"/>
+                        <a:gd name="T16" fmla="*/ 0 w 425"/>
+                        <a:gd name="T17" fmla="*/ 30 h 181"/>
+                        <a:gd name="T18" fmla="*/ 0 w 425"/>
+                        <a:gd name="T19" fmla="*/ 150 h 181"/>
+                        <a:gd name="T20" fmla="*/ 30 w 425"/>
+                        <a:gd name="T21" fmla="*/ 181 h 181"/>
+                        <a:gd name="T22" fmla="*/ 61 w 425"/>
+                        <a:gd name="T23" fmla="*/ 150 h 181"/>
+                        <a:gd name="T24" fmla="*/ 61 w 425"/>
+                        <a:gd name="T25" fmla="*/ 30 h 181"/>
+                        <a:gd name="T26" fmla="*/ 30 w 425"/>
+                        <a:gd name="T27" fmla="*/ 0 h 181"/>
+                      </a:gdLst>
+                      <a:ahLst/>
+                      <a:cxnLst>
+                        <a:cxn ang="0">
+                          <a:pos x="T0" y="T1"/>
+                        </a:cxn>
+                        <a:cxn ang="0">
+                          <a:pos x="T2" y="T3"/>
+                        </a:cxn>
+                        <a:cxn ang="0">
+                          <a:pos x="T4" y="T5"/>
+                        </a:cxn>
+                        <a:cxn ang="0">
+                          <a:pos x="T6" y="T7"/>
+                        </a:cxn>
+                        <a:cxn ang="0">
+                          <a:pos x="T8" y="T9"/>
+                        </a:cxn>
+                        <a:cxn ang="0">
+                          <a:pos x="T10" y="T11"/>
+                        </a:cxn>
+                        <a:cxn ang="0">
+                          <a:pos x="T12" y="T13"/>
+                        </a:cxn>
+                        <a:cxn ang="0">
+                          <a:pos x="T14" y="T15"/>
+                        </a:cxn>
+                        <a:cxn ang="0">
+                          <a:pos x="T16" y="T17"/>
+                        </a:cxn>
+                        <a:cxn ang="0">
+                          <a:pos x="T18" y="T19"/>
+                        </a:cxn>
+                        <a:cxn ang="0">
+                          <a:pos x="T20" y="T21"/>
+                        </a:cxn>
+                        <a:cxn ang="0">
+                          <a:pos x="T22" y="T23"/>
+                        </a:cxn>
+                        <a:cxn ang="0">
+                          <a:pos x="T24" y="T25"/>
+                        </a:cxn>
+                        <a:cxn ang="0">
+                          <a:pos x="T26" y="T27"/>
+                        </a:cxn>
+                      </a:cxnLst>
+                      <a:rect l="0" t="0" r="r" b="b"/>
+                      <a:pathLst>
+                        <a:path w="425" h="181">
+                          <a:moveTo>
+                            <a:pt x="395" y="0"/>
+                          </a:moveTo>
+                          <a:cubicBezTo>
+                            <a:pt x="378" y="0"/>
+                            <a:pt x="365" y="13"/>
+                            <a:pt x="365" y="30"/>
+                          </a:cubicBezTo>
+                          <a:cubicBezTo>
+                            <a:pt x="365" y="150"/>
+                            <a:pt x="365" y="150"/>
+                            <a:pt x="365" y="150"/>
+                          </a:cubicBezTo>
+                          <a:cubicBezTo>
+                            <a:pt x="365" y="167"/>
+                            <a:pt x="378" y="181"/>
+                            <a:pt x="395" y="181"/>
+                          </a:cubicBezTo>
+                          <a:cubicBezTo>
+                            <a:pt x="411" y="181"/>
+                            <a:pt x="425" y="167"/>
+                            <a:pt x="425" y="150"/>
+                          </a:cubicBezTo>
+                          <a:cubicBezTo>
+                            <a:pt x="425" y="30"/>
+                            <a:pt x="425" y="30"/>
+                            <a:pt x="425" y="30"/>
+                          </a:cubicBezTo>
+                          <a:cubicBezTo>
+                            <a:pt x="425" y="13"/>
+                            <a:pt x="411" y="0"/>
+                            <a:pt x="395" y="0"/>
+                          </a:cubicBezTo>
+                          <a:close/>
+                          <a:moveTo>
+                            <a:pt x="30" y="0"/>
+                          </a:moveTo>
+                          <a:cubicBezTo>
+                            <a:pt x="14" y="0"/>
+                            <a:pt x="0" y="13"/>
+                            <a:pt x="0" y="30"/>
+                          </a:cubicBezTo>
+                          <a:cubicBezTo>
+                            <a:pt x="0" y="150"/>
+                            <a:pt x="0" y="150"/>
+                            <a:pt x="0" y="150"/>
+                          </a:cubicBezTo>
+                          <a:cubicBezTo>
+                            <a:pt x="0" y="167"/>
+                            <a:pt x="14" y="181"/>
+                            <a:pt x="30" y="181"/>
+                          </a:cubicBezTo>
+                          <a:cubicBezTo>
+                            <a:pt x="47" y="181"/>
+                            <a:pt x="61" y="167"/>
+                            <a:pt x="61" y="150"/>
+                          </a:cubicBezTo>
+                          <a:cubicBezTo>
+                            <a:pt x="61" y="30"/>
+                            <a:pt x="61" y="30"/>
+                            <a:pt x="61" y="30"/>
+                          </a:cubicBezTo>
+                          <a:cubicBezTo>
+                            <a:pt x="61" y="13"/>
+                            <a:pt x="47" y="0"/>
+                            <a:pt x="30" y="0"/>
+                          </a:cubicBezTo>
+                          <a:close/>
+                        </a:path>
+                      </a:pathLst>
+                    </a:custGeom>
+                    <a:solidFill>
+                      <a:schemeClr val="bg1"/>
+                    </a:solidFill>
+                    <a:ln>
+                      <a:noFill/>
+                    </a:ln>
+                    <a:extLst>
+                      <a:ext uri="{91240B29-F687-4f45-9708-019B960494DF}">
+                        <a14:hiddenLine xmlns:a14="http://schemas.microsoft.com/office/drawing/2010/main" w="9525">
+                          <a:solidFill>
+                            <a:srgbClr val="000000"/>
+                          </a:solidFill>
+                          <a:round/>
+                          <a:headEnd/>
+                          <a:tailEnd/>
+                        </a14:hiddenLine>
+                      </a:ext>
+                    </a:extLst>
+                  </p:spPr>
+                  <p:txBody>
+                    <a:bodyPr vert="horz" wrap="square" lIns="91440" tIns="45720" rIns="91440" bIns="45720" numCol="1" anchor="t" anchorCtr="0" compatLnSpc="1">
+                      <a:prstTxWarp prst="textNoShape">
+                        <a:avLst/>
+                      </a:prstTxWarp>
+                    </a:bodyPr>
+                    <a:lstStyle/>
+                    <a:p>
+                      <a:endParaRPr lang="en-US"/>
+                    </a:p>
+                  </p:txBody>
+                </p:sp>
+                <p:sp>
+                  <p:nvSpPr>
+                    <p:cNvPr id="66" name="Freeform 9"/>
+                    <p:cNvSpPr>
+                      <a:spLocks/>
+                    </p:cNvSpPr>
+                    <p:nvPr/>
+                  </p:nvSpPr>
+                  <p:spPr bwMode="auto">
+                    <a:xfrm>
+                      <a:off x="5798878" y="5747959"/>
+                      <a:ext cx="219078" cy="275329"/>
+                    </a:xfrm>
+                    <a:custGeom>
+                      <a:avLst/>
+                      <a:gdLst>
+                        <a:gd name="T0" fmla="*/ 0 w 269"/>
+                        <a:gd name="T1" fmla="*/ 0 h 340"/>
+                        <a:gd name="T2" fmla="*/ 0 w 269"/>
+                        <a:gd name="T3" fmla="*/ 219 h 340"/>
+                        <a:gd name="T4" fmla="*/ 23 w 269"/>
+                        <a:gd name="T5" fmla="*/ 242 h 340"/>
+                        <a:gd name="T6" fmla="*/ 50 w 269"/>
+                        <a:gd name="T7" fmla="*/ 242 h 340"/>
+                        <a:gd name="T8" fmla="*/ 50 w 269"/>
+                        <a:gd name="T9" fmla="*/ 309 h 340"/>
+                        <a:gd name="T10" fmla="*/ 80 w 269"/>
+                        <a:gd name="T11" fmla="*/ 340 h 340"/>
+                        <a:gd name="T12" fmla="*/ 111 w 269"/>
+                        <a:gd name="T13" fmla="*/ 309 h 340"/>
+                        <a:gd name="T14" fmla="*/ 111 w 269"/>
+                        <a:gd name="T15" fmla="*/ 242 h 340"/>
+                        <a:gd name="T16" fmla="*/ 158 w 269"/>
+                        <a:gd name="T17" fmla="*/ 242 h 340"/>
+                        <a:gd name="T18" fmla="*/ 158 w 269"/>
+                        <a:gd name="T19" fmla="*/ 309 h 340"/>
+                        <a:gd name="T20" fmla="*/ 188 w 269"/>
+                        <a:gd name="T21" fmla="*/ 340 h 340"/>
+                        <a:gd name="T22" fmla="*/ 218 w 269"/>
+                        <a:gd name="T23" fmla="*/ 309 h 340"/>
+                        <a:gd name="T24" fmla="*/ 218 w 269"/>
+                        <a:gd name="T25" fmla="*/ 242 h 340"/>
+                        <a:gd name="T26" fmla="*/ 245 w 269"/>
+                        <a:gd name="T27" fmla="*/ 242 h 340"/>
+                        <a:gd name="T28" fmla="*/ 269 w 269"/>
+                        <a:gd name="T29" fmla="*/ 219 h 340"/>
+                        <a:gd name="T30" fmla="*/ 269 w 269"/>
+                        <a:gd name="T31" fmla="*/ 0 h 340"/>
+                        <a:gd name="T32" fmla="*/ 0 w 269"/>
+                        <a:gd name="T33" fmla="*/ 0 h 340"/>
+                      </a:gdLst>
+                      <a:ahLst/>
+                      <a:cxnLst>
+                        <a:cxn ang="0">
+                          <a:pos x="T0" y="T1"/>
+                        </a:cxn>
+                        <a:cxn ang="0">
+                          <a:pos x="T2" y="T3"/>
+                        </a:cxn>
+                        <a:cxn ang="0">
+                          <a:pos x="T4" y="T5"/>
+                        </a:cxn>
+                        <a:cxn ang="0">
+                          <a:pos x="T6" y="T7"/>
+                        </a:cxn>
+                        <a:cxn ang="0">
+                          <a:pos x="T8" y="T9"/>
+                        </a:cxn>
+                        <a:cxn ang="0">
+                          <a:pos x="T10" y="T11"/>
+                        </a:cxn>
+                        <a:cxn ang="0">
+                          <a:pos x="T12" y="T13"/>
+                        </a:cxn>
+                        <a:cxn ang="0">
+                          <a:pos x="T14" y="T15"/>
+                        </a:cxn>
+                        <a:cxn ang="0">
+                          <a:pos x="T16" y="T17"/>
+                        </a:cxn>
+                        <a:cxn ang="0">
+                          <a:pos x="T18" y="T19"/>
+                        </a:cxn>
+                        <a:cxn ang="0">
+                          <a:pos x="T20" y="T21"/>
+                        </a:cxn>
+                        <a:cxn ang="0">
+                          <a:pos x="T22" y="T23"/>
+                        </a:cxn>
+                        <a:cxn ang="0">
+                          <a:pos x="T24" y="T25"/>
+                        </a:cxn>
+                        <a:cxn ang="0">
+                          <a:pos x="T26" y="T27"/>
+                        </a:cxn>
+                        <a:cxn ang="0">
+                          <a:pos x="T28" y="T29"/>
+                        </a:cxn>
+                        <a:cxn ang="0">
+                          <a:pos x="T30" y="T31"/>
+                        </a:cxn>
+                        <a:cxn ang="0">
+                          <a:pos x="T32" y="T33"/>
+                        </a:cxn>
+                      </a:cxnLst>
+                      <a:rect l="0" t="0" r="r" b="b"/>
+                      <a:pathLst>
+                        <a:path w="269" h="340">
+                          <a:moveTo>
+                            <a:pt x="0" y="0"/>
+                          </a:moveTo>
+                          <a:cubicBezTo>
+                            <a:pt x="0" y="219"/>
+                            <a:pt x="0" y="219"/>
+                            <a:pt x="0" y="219"/>
+                          </a:cubicBezTo>
+                          <a:cubicBezTo>
+                            <a:pt x="0" y="232"/>
+                            <a:pt x="10" y="242"/>
+                            <a:pt x="23" y="242"/>
+                          </a:cubicBezTo>
+                          <a:cubicBezTo>
+                            <a:pt x="50" y="242"/>
+                            <a:pt x="50" y="242"/>
+                            <a:pt x="50" y="242"/>
+                          </a:cubicBezTo>
+                          <a:cubicBezTo>
+                            <a:pt x="50" y="309"/>
+                            <a:pt x="50" y="309"/>
+                            <a:pt x="50" y="309"/>
+                          </a:cubicBezTo>
+                          <a:cubicBezTo>
+                            <a:pt x="50" y="326"/>
+                            <a:pt x="64" y="340"/>
+                            <a:pt x="80" y="340"/>
+                          </a:cubicBezTo>
+                          <a:cubicBezTo>
+                            <a:pt x="97" y="340"/>
+                            <a:pt x="111" y="326"/>
+                            <a:pt x="111" y="309"/>
+                          </a:cubicBezTo>
+                          <a:cubicBezTo>
+                            <a:pt x="111" y="242"/>
+                            <a:pt x="111" y="242"/>
+                            <a:pt x="111" y="242"/>
+                          </a:cubicBezTo>
+                          <a:cubicBezTo>
+                            <a:pt x="158" y="242"/>
+                            <a:pt x="158" y="242"/>
+                            <a:pt x="158" y="242"/>
+                          </a:cubicBezTo>
+                          <a:cubicBezTo>
+                            <a:pt x="158" y="309"/>
+                            <a:pt x="158" y="309"/>
+                            <a:pt x="158" y="309"/>
+                          </a:cubicBezTo>
+                          <a:cubicBezTo>
+                            <a:pt x="158" y="326"/>
+                            <a:pt x="171" y="340"/>
+                            <a:pt x="188" y="340"/>
+                          </a:cubicBezTo>
+                          <a:cubicBezTo>
+                            <a:pt x="205" y="340"/>
+                            <a:pt x="218" y="326"/>
+                            <a:pt x="218" y="309"/>
+                          </a:cubicBezTo>
+                          <a:cubicBezTo>
+                            <a:pt x="218" y="242"/>
+                            <a:pt x="218" y="242"/>
+                            <a:pt x="218" y="242"/>
+                          </a:cubicBezTo>
+                          <a:cubicBezTo>
+                            <a:pt x="245" y="242"/>
+                            <a:pt x="245" y="242"/>
+                            <a:pt x="245" y="242"/>
+                          </a:cubicBezTo>
+                          <a:cubicBezTo>
+                            <a:pt x="258" y="242"/>
+                            <a:pt x="269" y="232"/>
+                            <a:pt x="269" y="219"/>
+                          </a:cubicBezTo>
+                          <a:cubicBezTo>
+                            <a:pt x="269" y="0"/>
+                            <a:pt x="269" y="0"/>
+                            <a:pt x="269" y="0"/>
+                          </a:cubicBezTo>
+                          <a:lnTo>
+                            <a:pt x="0" y="0"/>
+                          </a:lnTo>
+                          <a:close/>
+                        </a:path>
+                      </a:pathLst>
+                    </a:custGeom>
+                    <a:solidFill>
+                      <a:schemeClr val="bg1"/>
+                    </a:solidFill>
+                    <a:ln>
+                      <a:noFill/>
+                    </a:ln>
+                    <a:extLst>
+                      <a:ext uri="{91240B29-F687-4f45-9708-019B960494DF}">
+                        <a14:hiddenLine xmlns:a14="http://schemas.microsoft.com/office/drawing/2010/main" w="9525">
+                          <a:solidFill>
+                            <a:srgbClr val="000000"/>
+                          </a:solidFill>
+                          <a:round/>
+                          <a:headEnd/>
+                          <a:tailEnd/>
+                        </a14:hiddenLine>
+                      </a:ext>
+                    </a:extLst>
+                  </p:spPr>
+                  <p:txBody>
+                    <a:bodyPr vert="horz" wrap="square" lIns="91440" tIns="45720" rIns="91440" bIns="45720" numCol="1" anchor="t" anchorCtr="0" compatLnSpc="1">
+                      <a:prstTxWarp prst="textNoShape">
+                        <a:avLst/>
+                      </a:prstTxWarp>
+                    </a:bodyPr>
+                    <a:lstStyle/>
+                    <a:p>
+                      <a:endParaRPr lang="en-US"/>
+                    </a:p>
+                  </p:txBody>
+                </p:sp>
+                <p:sp>
+                  <p:nvSpPr>
+                    <p:cNvPr id="67" name="Freeform 10"/>
+                    <p:cNvSpPr>
+                      <a:spLocks noEditPoints="1"/>
+                    </p:cNvSpPr>
+                    <p:nvPr/>
+                  </p:nvSpPr>
+                  <p:spPr bwMode="auto">
+                    <a:xfrm>
+                      <a:off x="5797891" y="5619670"/>
+                      <a:ext cx="219078" cy="112500"/>
+                    </a:xfrm>
+                    <a:custGeom>
+                      <a:avLst/>
+                      <a:gdLst>
+                        <a:gd name="T0" fmla="*/ 198 w 269"/>
+                        <a:gd name="T1" fmla="*/ 44 h 138"/>
+                        <a:gd name="T2" fmla="*/ 223 w 269"/>
+                        <a:gd name="T3" fmla="*/ 8 h 138"/>
+                        <a:gd name="T4" fmla="*/ 222 w 269"/>
+                        <a:gd name="T5" fmla="*/ 2 h 138"/>
+                        <a:gd name="T6" fmla="*/ 216 w 269"/>
+                        <a:gd name="T7" fmla="*/ 3 h 138"/>
+                        <a:gd name="T8" fmla="*/ 190 w 269"/>
+                        <a:gd name="T9" fmla="*/ 41 h 138"/>
+                        <a:gd name="T10" fmla="*/ 135 w 269"/>
+                        <a:gd name="T11" fmla="*/ 30 h 138"/>
+                        <a:gd name="T12" fmla="*/ 79 w 269"/>
+                        <a:gd name="T13" fmla="*/ 41 h 138"/>
+                        <a:gd name="T14" fmla="*/ 53 w 269"/>
+                        <a:gd name="T15" fmla="*/ 3 h 138"/>
+                        <a:gd name="T16" fmla="*/ 47 w 269"/>
+                        <a:gd name="T17" fmla="*/ 2 h 138"/>
+                        <a:gd name="T18" fmla="*/ 46 w 269"/>
+                        <a:gd name="T19" fmla="*/ 8 h 138"/>
+                        <a:gd name="T20" fmla="*/ 71 w 269"/>
+                        <a:gd name="T21" fmla="*/ 44 h 138"/>
+                        <a:gd name="T22" fmla="*/ 0 w 269"/>
+                        <a:gd name="T23" fmla="*/ 138 h 138"/>
+                        <a:gd name="T24" fmla="*/ 269 w 269"/>
+                        <a:gd name="T25" fmla="*/ 138 h 138"/>
+                        <a:gd name="T26" fmla="*/ 198 w 269"/>
+                        <a:gd name="T27" fmla="*/ 44 h 138"/>
+                        <a:gd name="T28" fmla="*/ 78 w 269"/>
+                        <a:gd name="T29" fmla="*/ 101 h 138"/>
+                        <a:gd name="T30" fmla="*/ 63 w 269"/>
+                        <a:gd name="T31" fmla="*/ 86 h 138"/>
+                        <a:gd name="T32" fmla="*/ 78 w 269"/>
+                        <a:gd name="T33" fmla="*/ 71 h 138"/>
+                        <a:gd name="T34" fmla="*/ 93 w 269"/>
+                        <a:gd name="T35" fmla="*/ 86 h 138"/>
+                        <a:gd name="T36" fmla="*/ 78 w 269"/>
+                        <a:gd name="T37" fmla="*/ 101 h 138"/>
+                        <a:gd name="T38" fmla="*/ 193 w 269"/>
+                        <a:gd name="T39" fmla="*/ 101 h 138"/>
+                        <a:gd name="T40" fmla="*/ 178 w 269"/>
+                        <a:gd name="T41" fmla="*/ 86 h 138"/>
+                        <a:gd name="T42" fmla="*/ 193 w 269"/>
+                        <a:gd name="T43" fmla="*/ 71 h 138"/>
+                        <a:gd name="T44" fmla="*/ 208 w 269"/>
+                        <a:gd name="T45" fmla="*/ 86 h 138"/>
+                        <a:gd name="T46" fmla="*/ 193 w 269"/>
+                        <a:gd name="T47" fmla="*/ 101 h 138"/>
+                      </a:gdLst>
+                      <a:ahLst/>
+                      <a:cxnLst>
+                        <a:cxn ang="0">
+                          <a:pos x="T0" y="T1"/>
+                        </a:cxn>
+                        <a:cxn ang="0">
+                          <a:pos x="T2" y="T3"/>
+                        </a:cxn>
+                        <a:cxn ang="0">
+                          <a:pos x="T4" y="T5"/>
+                        </a:cxn>
+                        <a:cxn ang="0">
+                          <a:pos x="T6" y="T7"/>
+                        </a:cxn>
+                        <a:cxn ang="0">
+                          <a:pos x="T8" y="T9"/>
+                        </a:cxn>
+                        <a:cxn ang="0">
+                          <a:pos x="T10" y="T11"/>
+                        </a:cxn>
+                        <a:cxn ang="0">
+                          <a:pos x="T12" y="T13"/>
+                        </a:cxn>
+                        <a:cxn ang="0">
+                          <a:pos x="T14" y="T15"/>
+                        </a:cxn>
+                        <a:cxn ang="0">
+                          <a:pos x="T16" y="T17"/>
+                        </a:cxn>
+                        <a:cxn ang="0">
+                          <a:pos x="T18" y="T19"/>
+                        </a:cxn>
+                        <a:cxn ang="0">
+                          <a:pos x="T20" y="T21"/>
+                        </a:cxn>
+                        <a:cxn ang="0">
+                          <a:pos x="T22" y="T23"/>
+                        </a:cxn>
+                        <a:cxn ang="0">
+                          <a:pos x="T24" y="T25"/>
+                        </a:cxn>
+                        <a:cxn ang="0">
+                          <a:pos x="T26" y="T27"/>
+                        </a:cxn>
+                        <a:cxn ang="0">
+                          <a:pos x="T28" y="T29"/>
+                        </a:cxn>
+                        <a:cxn ang="0">
+                          <a:pos x="T30" y="T31"/>
+                        </a:cxn>
+                        <a:cxn ang="0">
+                          <a:pos x="T32" y="T33"/>
+                        </a:cxn>
+                        <a:cxn ang="0">
+                          <a:pos x="T34" y="T35"/>
+                        </a:cxn>
+                        <a:cxn ang="0">
+                          <a:pos x="T36" y="T37"/>
+                        </a:cxn>
+                        <a:cxn ang="0">
+                          <a:pos x="T38" y="T39"/>
+                        </a:cxn>
+                        <a:cxn ang="0">
+                          <a:pos x="T40" y="T41"/>
+                        </a:cxn>
+                        <a:cxn ang="0">
+                          <a:pos x="T42" y="T43"/>
+                        </a:cxn>
+                        <a:cxn ang="0">
+                          <a:pos x="T44" y="T45"/>
+                        </a:cxn>
+                        <a:cxn ang="0">
+                          <a:pos x="T46" y="T47"/>
+                        </a:cxn>
+                      </a:cxnLst>
+                      <a:rect l="0" t="0" r="r" b="b"/>
+                      <a:pathLst>
+                        <a:path w="269" h="138">
+                          <a:moveTo>
+                            <a:pt x="198" y="44"/>
+                          </a:moveTo>
+                          <a:cubicBezTo>
+                            <a:pt x="223" y="8"/>
+                            <a:pt x="223" y="8"/>
+                            <a:pt x="223" y="8"/>
+                          </a:cubicBezTo>
+                          <a:cubicBezTo>
+                            <a:pt x="225" y="6"/>
+                            <a:pt x="224" y="3"/>
+                            <a:pt x="222" y="2"/>
+                          </a:cubicBezTo>
+                          <a:cubicBezTo>
+                            <a:pt x="220" y="0"/>
+                            <a:pt x="218" y="1"/>
+                            <a:pt x="216" y="3"/>
+                          </a:cubicBezTo>
+                          <a:cubicBezTo>
+                            <a:pt x="190" y="41"/>
+                            <a:pt x="190" y="41"/>
+                            <a:pt x="190" y="41"/>
+                          </a:cubicBezTo>
+                          <a:cubicBezTo>
+                            <a:pt x="173" y="34"/>
+                            <a:pt x="154" y="30"/>
+                            <a:pt x="135" y="30"/>
+                          </a:cubicBezTo>
+                          <a:cubicBezTo>
+                            <a:pt x="115" y="30"/>
+                            <a:pt x="96" y="34"/>
+                            <a:pt x="79" y="41"/>
+                          </a:cubicBezTo>
+                          <a:cubicBezTo>
+                            <a:pt x="53" y="3"/>
+                            <a:pt x="53" y="3"/>
+                            <a:pt x="53" y="3"/>
+                          </a:cubicBezTo>
+                          <a:cubicBezTo>
+                            <a:pt x="52" y="1"/>
+                            <a:pt x="49" y="0"/>
+                            <a:pt x="47" y="2"/>
+                          </a:cubicBezTo>
+                          <a:cubicBezTo>
+                            <a:pt x="45" y="3"/>
+                            <a:pt x="45" y="6"/>
+                            <a:pt x="46" y="8"/>
+                          </a:cubicBezTo>
+                          <a:cubicBezTo>
+                            <a:pt x="71" y="44"/>
+                            <a:pt x="71" y="44"/>
+                            <a:pt x="71" y="44"/>
+                          </a:cubicBezTo>
+                          <a:cubicBezTo>
+                            <a:pt x="31" y="62"/>
+                            <a:pt x="4" y="97"/>
+                            <a:pt x="0" y="138"/>
+                          </a:cubicBezTo>
+                          <a:cubicBezTo>
+                            <a:pt x="269" y="138"/>
+                            <a:pt x="269" y="138"/>
+                            <a:pt x="269" y="138"/>
+                          </a:cubicBezTo>
+                          <a:cubicBezTo>
+                            <a:pt x="265" y="97"/>
+                            <a:pt x="238" y="62"/>
+                            <a:pt x="198" y="44"/>
+                          </a:cubicBezTo>
+                          <a:close/>
+                          <a:moveTo>
+                            <a:pt x="78" y="101"/>
+                          </a:moveTo>
+                          <a:cubicBezTo>
+                            <a:pt x="70" y="101"/>
+                            <a:pt x="63" y="94"/>
+                            <a:pt x="63" y="86"/>
+                          </a:cubicBezTo>
+                          <a:cubicBezTo>
+                            <a:pt x="63" y="78"/>
+                            <a:pt x="70" y="71"/>
+                            <a:pt x="78" y="71"/>
+                          </a:cubicBezTo>
+                          <a:cubicBezTo>
+                            <a:pt x="86" y="71"/>
+                            <a:pt x="93" y="78"/>
+                            <a:pt x="93" y="86"/>
+                          </a:cubicBezTo>
+                          <a:cubicBezTo>
+                            <a:pt x="93" y="94"/>
+                            <a:pt x="86" y="101"/>
+                            <a:pt x="78" y="101"/>
+                          </a:cubicBezTo>
+                          <a:close/>
+                          <a:moveTo>
+                            <a:pt x="193" y="101"/>
+                          </a:moveTo>
+                          <a:cubicBezTo>
+                            <a:pt x="185" y="101"/>
+                            <a:pt x="178" y="94"/>
+                            <a:pt x="178" y="86"/>
+                          </a:cubicBezTo>
+                          <a:cubicBezTo>
+                            <a:pt x="178" y="78"/>
+                            <a:pt x="185" y="71"/>
+                            <a:pt x="193" y="71"/>
+                          </a:cubicBezTo>
+                          <a:cubicBezTo>
+                            <a:pt x="201" y="71"/>
+                            <a:pt x="208" y="78"/>
+                            <a:pt x="208" y="86"/>
+                          </a:cubicBezTo>
+                          <a:cubicBezTo>
+                            <a:pt x="208" y="94"/>
+                            <a:pt x="201" y="101"/>
+                            <a:pt x="193" y="101"/>
+                          </a:cubicBezTo>
+                          <a:close/>
+                        </a:path>
+                      </a:pathLst>
+                    </a:custGeom>
+                    <a:solidFill>
+                      <a:schemeClr val="bg1"/>
+                    </a:solidFill>
+                    <a:ln>
+                      <a:noFill/>
+                    </a:ln>
+                    <a:extLst>
+                      <a:ext uri="{91240B29-F687-4f45-9708-019B960494DF}">
+                        <a14:hiddenLine xmlns:a14="http://schemas.microsoft.com/office/drawing/2010/main" w="9525">
+                          <a:solidFill>
+                            <a:srgbClr val="000000"/>
+                          </a:solidFill>
+                          <a:round/>
+                          <a:headEnd/>
+                          <a:tailEnd/>
+                        </a14:hiddenLine>
+                      </a:ext>
+                    </a:extLst>
+                  </p:spPr>
+                  <p:txBody>
+                    <a:bodyPr vert="horz" wrap="square" lIns="91440" tIns="45720" rIns="91440" bIns="45720" numCol="1" anchor="t" anchorCtr="0" compatLnSpc="1">
+                      <a:prstTxWarp prst="textNoShape">
+                        <a:avLst/>
+                      </a:prstTxWarp>
+                    </a:bodyPr>
+                    <a:lstStyle/>
+                    <a:p>
+                      <a:endParaRPr lang="en-US"/>
+                    </a:p>
+                  </p:txBody>
+                </p:sp>
+              </p:grpSp>
+            </p:grpSp>
+            <p:grpSp>
+              <p:nvGrpSpPr>
+                <p:cNvPr id="11" name="Group 10"/>
+                <p:cNvGrpSpPr/>
+                <p:nvPr/>
+              </p:nvGrpSpPr>
+              <p:grpSpPr>
+                <a:xfrm>
+                  <a:off x="1584442" y="4625597"/>
+                  <a:ext cx="450067" cy="786384"/>
+                  <a:chOff x="1584442" y="4625597"/>
+                  <a:chExt cx="450067" cy="786384"/>
+                </a:xfrm>
+              </p:grpSpPr>
+              <p:grpSp>
+                <p:nvGrpSpPr>
+                  <p:cNvPr id="39" name="Group 38"/>
+                  <p:cNvGrpSpPr>
+                    <a:grpSpLocks noChangeAspect="1"/>
+                  </p:cNvGrpSpPr>
+                  <p:nvPr/>
+                </p:nvGrpSpPr>
+                <p:grpSpPr>
+                  <a:xfrm>
+                    <a:off x="1584442" y="4625597"/>
+                    <a:ext cx="450067" cy="786384"/>
+                    <a:chOff x="692152" y="3629546"/>
+                    <a:chExt cx="768348" cy="1342504"/>
+                  </a:xfrm>
+                </p:grpSpPr>
+                <p:sp>
+                  <p:nvSpPr>
+                    <p:cNvPr id="40" name="Rectangle 39"/>
+                    <p:cNvSpPr/>
+                    <p:nvPr/>
+                  </p:nvSpPr>
+                  <p:spPr>
+                    <a:xfrm>
+                      <a:off x="692152" y="3629546"/>
+                      <a:ext cx="768348" cy="1342504"/>
+                    </a:xfrm>
+                    <a:prstGeom prst="rect">
+                      <a:avLst/>
+                    </a:prstGeom>
+                    <a:solidFill>
+                      <a:schemeClr val="bg1">
+                        <a:lumMod val="50000"/>
+                      </a:schemeClr>
+                    </a:solidFill>
+                    <a:ln>
+                      <a:noFill/>
+                    </a:ln>
+                  </p:spPr>
+                  <p:style>
+                    <a:lnRef idx="2">
+                      <a:schemeClr val="accent1">
+                        <a:shade val="50000"/>
+                      </a:schemeClr>
+                    </a:lnRef>
+                    <a:fillRef idx="1">
+                      <a:schemeClr val="accent1"/>
+                    </a:fillRef>
+                    <a:effectRef idx="0">
+                      <a:schemeClr val="accent1"/>
+                    </a:effectRef>
+                    <a:fontRef idx="minor">
+                      <a:schemeClr val="lt1"/>
+                    </a:fontRef>
+                  </p:style>
+                  <p:txBody>
+                    <a:bodyPr rtlCol="0" anchor="ctr"/>
+                    <a:lstStyle/>
+                    <a:p>
+                      <a:pPr algn="ctr"/>
+                      <a:endParaRPr lang="en-US" dirty="0">
+                        <a:solidFill>
+                          <a:schemeClr val="bg1"/>
+                        </a:solidFill>
+                      </a:endParaRPr>
+                    </a:p>
+                  </p:txBody>
+                </p:sp>
+                <p:sp>
+                  <p:nvSpPr>
+                    <p:cNvPr id="41" name="Rectangle 40"/>
+                    <p:cNvSpPr/>
+                    <p:nvPr/>
+                  </p:nvSpPr>
+                  <p:spPr>
+                    <a:xfrm>
+                      <a:off x="746127" y="3727971"/>
+                      <a:ext cx="660398" cy="1078979"/>
+                    </a:xfrm>
+                    <a:prstGeom prst="rect">
+                      <a:avLst/>
+                    </a:prstGeom>
+                    <a:solidFill>
+                      <a:schemeClr val="bg1">
+                        <a:lumMod val="65000"/>
+                      </a:schemeClr>
+                    </a:solidFill>
+                    <a:ln>
+                      <a:noFill/>
+                    </a:ln>
+                  </p:spPr>
+                  <p:style>
+                    <a:lnRef idx="2">
+                      <a:schemeClr val="accent1">
+                        <a:shade val="50000"/>
+                      </a:schemeClr>
+                    </a:lnRef>
+                    <a:fillRef idx="1">
+                      <a:schemeClr val="accent1"/>
+                    </a:fillRef>
+                    <a:effectRef idx="0">
+                      <a:schemeClr val="accent1"/>
+                    </a:effectRef>
+                    <a:fontRef idx="minor">
+                      <a:schemeClr val="lt1"/>
+                    </a:fontRef>
+                  </p:style>
+                  <p:txBody>
+                    <a:bodyPr rtlCol="0" anchor="ctr"/>
+                    <a:lstStyle/>
+                    <a:p>
+                      <a:pPr algn="ctr"/>
+                      <a:endParaRPr lang="en-US" dirty="0">
+                        <a:solidFill>
+                          <a:schemeClr val="bg1"/>
+                        </a:solidFill>
+                      </a:endParaRPr>
+                    </a:p>
+                  </p:txBody>
+                </p:sp>
+                <p:sp>
+                  <p:nvSpPr>
+                    <p:cNvPr id="42" name="Oval 41"/>
+                    <p:cNvSpPr/>
+                    <p:nvPr/>
+                  </p:nvSpPr>
+                  <p:spPr>
+                    <a:xfrm>
+                      <a:off x="1025526" y="4841875"/>
+                      <a:ext cx="101600" cy="101600"/>
+                    </a:xfrm>
+                    <a:prstGeom prst="ellipse">
+                      <a:avLst/>
+                    </a:prstGeom>
+                    <a:solidFill>
+                      <a:schemeClr val="bg1">
+                        <a:lumMod val="65000"/>
+                      </a:schemeClr>
+                    </a:solidFill>
+                    <a:ln>
+                      <a:noFill/>
+                    </a:ln>
+                  </p:spPr>
+                  <p:style>
+                    <a:lnRef idx="2">
+                      <a:schemeClr val="accent1">
+                        <a:shade val="50000"/>
+                      </a:schemeClr>
+                    </a:lnRef>
+                    <a:fillRef idx="1">
+                      <a:schemeClr val="accent1"/>
+                    </a:fillRef>
+                    <a:effectRef idx="0">
+                      <a:schemeClr val="accent1"/>
+                    </a:effectRef>
+                    <a:fontRef idx="minor">
+                      <a:schemeClr val="lt1"/>
+                    </a:fontRef>
+                  </p:style>
+                  <p:txBody>
+                    <a:bodyPr rtlCol="0" anchor="ctr"/>
+                    <a:lstStyle/>
+                    <a:p>
+                      <a:pPr algn="ctr"/>
+                      <a:endParaRPr lang="en-US" dirty="0">
+                        <a:solidFill>
+                          <a:schemeClr val="bg1"/>
+                        </a:solidFill>
+                      </a:endParaRPr>
+                    </a:p>
+                  </p:txBody>
+                </p:sp>
+                <p:sp>
+                  <p:nvSpPr>
+                    <p:cNvPr id="43" name="Oval 42"/>
+                    <p:cNvSpPr/>
+                    <p:nvPr/>
+                  </p:nvSpPr>
+                  <p:spPr>
+                    <a:xfrm>
+                      <a:off x="1185467" y="3655899"/>
+                      <a:ext cx="45719" cy="45719"/>
+                    </a:xfrm>
+                    <a:prstGeom prst="ellipse">
+                      <a:avLst/>
+                    </a:prstGeom>
+                    <a:solidFill>
+                      <a:schemeClr val="bg1">
+                        <a:lumMod val="65000"/>
+                      </a:schemeClr>
+                    </a:solidFill>
+                    <a:ln>
+                      <a:noFill/>
+                    </a:ln>
+                  </p:spPr>
+                  <p:style>
+                    <a:lnRef idx="2">
+                      <a:schemeClr val="accent1">
+                        <a:shade val="50000"/>
+                      </a:schemeClr>
+                    </a:lnRef>
+                    <a:fillRef idx="1">
+                      <a:schemeClr val="accent1"/>
+                    </a:fillRef>
+                    <a:effectRef idx="0">
+                      <a:schemeClr val="accent1"/>
+                    </a:effectRef>
+                    <a:fontRef idx="minor">
+                      <a:schemeClr val="lt1"/>
+                    </a:fontRef>
+                  </p:style>
+                  <p:txBody>
+                    <a:bodyPr rtlCol="0" anchor="ctr"/>
+                    <a:lstStyle/>
+                    <a:p>
+                      <a:pPr algn="ctr"/>
+                      <a:endParaRPr lang="en-US" dirty="0">
+                        <a:solidFill>
+                          <a:schemeClr val="bg1"/>
+                        </a:solidFill>
+                      </a:endParaRPr>
+                    </a:p>
+                  </p:txBody>
+                </p:sp>
+                <p:cxnSp>
+                  <p:nvCxnSpPr>
+                    <p:cNvPr id="44" name="Straight Connector 43"/>
+                    <p:cNvCxnSpPr/>
+                    <p:nvPr/>
+                  </p:nvCxnSpPr>
+                  <p:spPr>
+                    <a:xfrm>
+                      <a:off x="1016795" y="3676650"/>
+                      <a:ext cx="89296" cy="0"/>
+                    </a:xfrm>
+                    <a:prstGeom prst="line">
+                      <a:avLst/>
+                    </a:prstGeom>
+                    <a:ln w="19050">
+                      <a:solidFill>
+                        <a:schemeClr val="bg1">
+                          <a:lumMod val="65000"/>
+                        </a:schemeClr>
+                      </a:solidFill>
+                    </a:ln>
+                  </p:spPr>
+                  <p:style>
+                    <a:lnRef idx="1">
+                      <a:schemeClr val="accent1"/>
+                    </a:lnRef>
+                    <a:fillRef idx="0">
+                      <a:schemeClr val="accent1"/>
+                    </a:fillRef>
+                    <a:effectRef idx="0">
+                      <a:schemeClr val="accent1"/>
+                    </a:effectRef>
+                    <a:fontRef idx="minor">
+                      <a:schemeClr val="tx1"/>
+                    </a:fontRef>
+                  </p:style>
+                </p:cxnSp>
+              </p:grpSp>
+              <p:grpSp>
+                <p:nvGrpSpPr>
+                  <p:cNvPr id="68" name="Group 67"/>
+                  <p:cNvGrpSpPr>
+                    <a:grpSpLocks noChangeAspect="1"/>
+                  </p:cNvGrpSpPr>
+                  <p:nvPr/>
+                </p:nvGrpSpPr>
+                <p:grpSpPr>
+                  <a:xfrm>
+                    <a:off x="1670192" y="4862652"/>
+                    <a:ext cx="278567" cy="312274"/>
+                    <a:chOff x="5238397" y="5877894"/>
+                    <a:chExt cx="318343" cy="356852"/>
+                  </a:xfrm>
+                </p:grpSpPr>
+                <p:sp>
+                  <p:nvSpPr>
+                    <p:cNvPr id="69" name="Freeform 14"/>
+                    <p:cNvSpPr>
+                      <a:spLocks/>
+                    </p:cNvSpPr>
+                    <p:nvPr/>
+                  </p:nvSpPr>
+                  <p:spPr bwMode="auto">
+                    <a:xfrm>
+                      <a:off x="5238397" y="5961331"/>
+                      <a:ext cx="318343" cy="273415"/>
+                    </a:xfrm>
+                    <a:custGeom>
+                      <a:avLst/>
+                      <a:gdLst>
+                        <a:gd name="T0" fmla="*/ 603 w 603"/>
+                        <a:gd name="T1" fmla="*/ 340 h 521"/>
+                        <a:gd name="T2" fmla="*/ 559 w 603"/>
+                        <a:gd name="T3" fmla="*/ 422 h 521"/>
+                        <a:gd name="T4" fmla="*/ 439 w 603"/>
+                        <a:gd name="T5" fmla="*/ 521 h 521"/>
+                        <a:gd name="T6" fmla="*/ 323 w 603"/>
+                        <a:gd name="T7" fmla="*/ 492 h 521"/>
+                        <a:gd name="T8" fmla="*/ 206 w 603"/>
+                        <a:gd name="T9" fmla="*/ 521 h 521"/>
+                        <a:gd name="T10" fmla="*/ 88 w 603"/>
+                        <a:gd name="T11" fmla="*/ 428 h 521"/>
+                        <a:gd name="T12" fmla="*/ 49 w 603"/>
+                        <a:gd name="T13" fmla="*/ 86 h 521"/>
+                        <a:gd name="T14" fmla="*/ 192 w 603"/>
+                        <a:gd name="T15" fmla="*/ 0 h 521"/>
+                        <a:gd name="T16" fmla="*/ 322 w 603"/>
+                        <a:gd name="T17" fmla="*/ 29 h 521"/>
+                        <a:gd name="T18" fmla="*/ 452 w 603"/>
+                        <a:gd name="T19" fmla="*/ 0 h 521"/>
+                        <a:gd name="T20" fmla="*/ 583 w 603"/>
+                        <a:gd name="T21" fmla="*/ 69 h 521"/>
+                        <a:gd name="T22" fmla="*/ 603 w 603"/>
+                        <a:gd name="T23" fmla="*/ 340 h 521"/>
+                      </a:gdLst>
+                      <a:ahLst/>
+                      <a:cxnLst>
+                        <a:cxn ang="0">
+                          <a:pos x="T0" y="T1"/>
+                        </a:cxn>
+                        <a:cxn ang="0">
+                          <a:pos x="T2" y="T3"/>
+                        </a:cxn>
+                        <a:cxn ang="0">
+                          <a:pos x="T4" y="T5"/>
+                        </a:cxn>
+                        <a:cxn ang="0">
+                          <a:pos x="T6" y="T7"/>
+                        </a:cxn>
+                        <a:cxn ang="0">
+                          <a:pos x="T8" y="T9"/>
+                        </a:cxn>
+                        <a:cxn ang="0">
+                          <a:pos x="T10" y="T11"/>
+                        </a:cxn>
+                        <a:cxn ang="0">
+                          <a:pos x="T12" y="T13"/>
+                        </a:cxn>
+                        <a:cxn ang="0">
+                          <a:pos x="T14" y="T15"/>
+                        </a:cxn>
+                        <a:cxn ang="0">
+                          <a:pos x="T16" y="T17"/>
+                        </a:cxn>
+                        <a:cxn ang="0">
+                          <a:pos x="T18" y="T19"/>
+                        </a:cxn>
+                        <a:cxn ang="0">
+                          <a:pos x="T20" y="T21"/>
+                        </a:cxn>
+                        <a:cxn ang="0">
+                          <a:pos x="T22" y="T23"/>
+                        </a:cxn>
+                      </a:cxnLst>
+                      <a:rect l="0" t="0" r="r" b="b"/>
+                      <a:pathLst>
+                        <a:path w="603" h="521">
+                          <a:moveTo>
+                            <a:pt x="603" y="340"/>
+                          </a:moveTo>
+                          <a:cubicBezTo>
+                            <a:pt x="587" y="375"/>
+                            <a:pt x="579" y="391"/>
+                            <a:pt x="559" y="422"/>
+                          </a:cubicBezTo>
+                          <a:cubicBezTo>
+                            <a:pt x="530" y="466"/>
+                            <a:pt x="490" y="520"/>
+                            <a:pt x="439" y="521"/>
+                          </a:cubicBezTo>
+                          <a:cubicBezTo>
+                            <a:pt x="395" y="521"/>
+                            <a:pt x="384" y="492"/>
+                            <a:pt x="323" y="492"/>
+                          </a:cubicBezTo>
+                          <a:cubicBezTo>
+                            <a:pt x="263" y="493"/>
+                            <a:pt x="250" y="521"/>
+                            <a:pt x="206" y="521"/>
+                          </a:cubicBezTo>
+                          <a:cubicBezTo>
+                            <a:pt x="155" y="520"/>
+                            <a:pt x="117" y="471"/>
+                            <a:pt x="88" y="428"/>
+                          </a:cubicBezTo>
+                          <a:cubicBezTo>
+                            <a:pt x="8" y="306"/>
+                            <a:pt x="0" y="162"/>
+                            <a:pt x="49" y="86"/>
+                          </a:cubicBezTo>
+                          <a:cubicBezTo>
+                            <a:pt x="85" y="32"/>
+                            <a:pt x="140" y="0"/>
+                            <a:pt x="192" y="0"/>
+                          </a:cubicBezTo>
+                          <a:cubicBezTo>
+                            <a:pt x="245" y="0"/>
+                            <a:pt x="279" y="29"/>
+                            <a:pt x="322" y="29"/>
+                          </a:cubicBezTo>
+                          <a:cubicBezTo>
+                            <a:pt x="365" y="29"/>
+                            <a:pt x="391" y="0"/>
+                            <a:pt x="452" y="0"/>
+                          </a:cubicBezTo>
+                          <a:cubicBezTo>
+                            <a:pt x="499" y="0"/>
+                            <a:pt x="548" y="26"/>
+                            <a:pt x="583" y="69"/>
+                          </a:cubicBezTo>
+                          <a:cubicBezTo>
+                            <a:pt x="468" y="132"/>
+                            <a:pt x="487" y="296"/>
+                            <a:pt x="603" y="340"/>
+                          </a:cubicBezTo>
+                          <a:close/>
+                        </a:path>
+                      </a:pathLst>
+                    </a:custGeom>
+                    <a:solidFill>
+                      <a:schemeClr val="bg1"/>
+                    </a:solidFill>
+                    <a:ln>
+                      <a:noFill/>
+                    </a:ln>
+                    <a:extLst>
+                      <a:ext uri="{91240B29-F687-4f45-9708-019B960494DF}">
+                        <a14:hiddenLine xmlns:a14="http://schemas.microsoft.com/office/drawing/2010/main" w="9525">
+                          <a:solidFill>
+                            <a:srgbClr val="000000"/>
+                          </a:solidFill>
+                          <a:round/>
+                          <a:headEnd/>
+                          <a:tailEnd/>
+                        </a14:hiddenLine>
+                      </a:ext>
+                    </a:extLst>
+                  </p:spPr>
+                  <p:txBody>
+                    <a:bodyPr vert="horz" wrap="square" lIns="91440" tIns="45720" rIns="91440" bIns="45720" numCol="1" anchor="t" anchorCtr="0" compatLnSpc="1">
+                      <a:prstTxWarp prst="textNoShape">
+                        <a:avLst/>
+                      </a:prstTxWarp>
+                    </a:bodyPr>
+                    <a:lstStyle/>
+                    <a:p>
+                      <a:endParaRPr lang="en-US"/>
+                    </a:p>
+                  </p:txBody>
+                </p:sp>
+                <p:sp>
+                  <p:nvSpPr>
+                    <p:cNvPr id="70" name="Freeform 15"/>
+                    <p:cNvSpPr>
+                      <a:spLocks/>
+                    </p:cNvSpPr>
+                    <p:nvPr/>
+                  </p:nvSpPr>
+                  <p:spPr bwMode="auto">
+                    <a:xfrm>
+                      <a:off x="5393718" y="5877894"/>
+                      <a:ext cx="79586" cy="86646"/>
+                    </a:xfrm>
+                    <a:custGeom>
+                      <a:avLst/>
+                      <a:gdLst>
+                        <a:gd name="T0" fmla="*/ 112 w 151"/>
+                        <a:gd name="T1" fmla="*/ 110 h 165"/>
+                        <a:gd name="T2" fmla="*/ 145 w 151"/>
+                        <a:gd name="T3" fmla="*/ 0 h 165"/>
+                        <a:gd name="T4" fmla="*/ 41 w 151"/>
+                        <a:gd name="T5" fmla="*/ 56 h 165"/>
+                        <a:gd name="T6" fmla="*/ 7 w 151"/>
+                        <a:gd name="T7" fmla="*/ 164 h 165"/>
+                        <a:gd name="T8" fmla="*/ 112 w 151"/>
+                        <a:gd name="T9" fmla="*/ 110 h 165"/>
+                      </a:gdLst>
+                      <a:ahLst/>
+                      <a:cxnLst>
+                        <a:cxn ang="0">
+                          <a:pos x="T0" y="T1"/>
+                        </a:cxn>
+                        <a:cxn ang="0">
+                          <a:pos x="T2" y="T3"/>
+                        </a:cxn>
+                        <a:cxn ang="0">
+                          <a:pos x="T4" y="T5"/>
+                        </a:cxn>
+                        <a:cxn ang="0">
+                          <a:pos x="T6" y="T7"/>
+                        </a:cxn>
+                        <a:cxn ang="0">
+                          <a:pos x="T8" y="T9"/>
+                        </a:cxn>
+                      </a:cxnLst>
+                      <a:rect l="0" t="0" r="r" b="b"/>
+                      <a:pathLst>
+                        <a:path w="151" h="165">
+                          <a:moveTo>
+                            <a:pt x="112" y="110"/>
+                          </a:moveTo>
+                          <a:cubicBezTo>
+                            <a:pt x="134" y="82"/>
+                            <a:pt x="151" y="41"/>
+                            <a:pt x="145" y="0"/>
+                          </a:cubicBezTo>
+                          <a:cubicBezTo>
+                            <a:pt x="109" y="3"/>
+                            <a:pt x="66" y="26"/>
+                            <a:pt x="41" y="56"/>
+                          </a:cubicBezTo>
+                          <a:cubicBezTo>
+                            <a:pt x="18" y="83"/>
+                            <a:pt x="0" y="124"/>
+                            <a:pt x="7" y="164"/>
+                          </a:cubicBezTo>
+                          <a:cubicBezTo>
+                            <a:pt x="47" y="165"/>
+                            <a:pt x="88" y="141"/>
+                            <a:pt x="112" y="110"/>
+                          </a:cubicBezTo>
+                          <a:close/>
+                        </a:path>
+                      </a:pathLst>
+                    </a:custGeom>
+                    <a:solidFill>
+                      <a:schemeClr val="bg1"/>
+                    </a:solidFill>
+                    <a:ln>
+                      <a:noFill/>
+                    </a:ln>
+                    <a:extLst>
+                      <a:ext uri="{91240B29-F687-4f45-9708-019B960494DF}">
+                        <a14:hiddenLine xmlns:a14="http://schemas.microsoft.com/office/drawing/2010/main" w="9525">
+                          <a:solidFill>
+                            <a:srgbClr val="000000"/>
+                          </a:solidFill>
+                          <a:round/>
+                          <a:headEnd/>
+                          <a:tailEnd/>
+                        </a14:hiddenLine>
+                      </a:ext>
+                    </a:extLst>
+                  </p:spPr>
+                  <p:txBody>
+                    <a:bodyPr vert="horz" wrap="square" lIns="91440" tIns="45720" rIns="91440" bIns="45720" numCol="1" anchor="t" anchorCtr="0" compatLnSpc="1">
+                      <a:prstTxWarp prst="textNoShape">
+                        <a:avLst/>
+                      </a:prstTxWarp>
+                    </a:bodyPr>
+                    <a:lstStyle/>
+                    <a:p>
+                      <a:endParaRPr lang="en-US"/>
+                    </a:p>
+                  </p:txBody>
+                </p:sp>
+              </p:grpSp>
+            </p:grpSp>
+            <p:grpSp>
+              <p:nvGrpSpPr>
+                <p:cNvPr id="7" name="Group 6"/>
+                <p:cNvGrpSpPr/>
                 <p:nvPr/>
               </p:nvGrpSpPr>
               <p:grpSpPr>
                 <a:xfrm>
                   <a:off x="1584442" y="2540453"/>
                   <a:ext cx="450067" cy="786384"/>
-                  <a:chOff x="692152" y="3629546"/>
-                  <a:chExt cx="768348" cy="1342504"/>
+                  <a:chOff x="1584442" y="2540453"/>
+                  <a:chExt cx="450067" cy="786384"/>
                 </a:xfrm>
               </p:grpSpPr>
-              <p:sp>
-                <p:nvSpPr>
-                  <p:cNvPr id="27" name="Rectangle 26"/>
-                  <p:cNvSpPr/>
+              <p:grpSp>
+                <p:nvGrpSpPr>
+                  <p:cNvPr id="26" name="Group 25"/>
+                  <p:cNvGrpSpPr>
+                    <a:grpSpLocks noChangeAspect="1"/>
+                  </p:cNvGrpSpPr>
                   <p:nvPr/>
-                </p:nvSpPr>
-                <p:spPr>
+                </p:nvGrpSpPr>
+                <p:grpSpPr>
                   <a:xfrm>
-                    <a:off x="692152" y="3629546"/>
-                    <a:ext cx="768348" cy="1342504"/>
+                    <a:off x="1584442" y="2540453"/>
+                    <a:ext cx="450067" cy="786384"/>
+                    <a:chOff x="692152" y="3629546"/>
+                    <a:chExt cx="768348" cy="1342504"/>
                   </a:xfrm>
-                  <a:prstGeom prst="rect">
-                    <a:avLst/>
-                  </a:prstGeom>
-                  <a:solidFill>
-                    <a:schemeClr val="bg1">
-                      <a:lumMod val="50000"/>
-                    </a:schemeClr>
-                  </a:solidFill>
-                  <a:ln>
-                    <a:noFill/>
-                  </a:ln>
-                </p:spPr>
-                <p:style>
-                  <a:lnRef idx="2">
-                    <a:schemeClr val="accent1">
-                      <a:shade val="50000"/>
-                    </a:schemeClr>
-                  </a:lnRef>
-                  <a:fillRef idx="1">
-                    <a:schemeClr val="accent1"/>
-                  </a:fillRef>
-                  <a:effectRef idx="0">
-                    <a:schemeClr val="accent1"/>
-                  </a:effectRef>
-                  <a:fontRef idx="minor">
-                    <a:schemeClr val="lt1"/>
-                  </a:fontRef>
-                </p:style>
-                <p:txBody>
-                  <a:bodyPr rtlCol="0" anchor="ctr"/>
-                  <a:lstStyle/>
-                  <a:p>
-                    <a:pPr algn="ctr"/>
-                    <a:endParaRPr lang="en-US" dirty="0">
-                      <a:solidFill>
-                        <a:schemeClr val="bg1"/>
-                      </a:solidFill>
-                    </a:endParaRPr>
-                  </a:p>
-                </p:txBody>
-              </p:sp>
-              <p:sp>
-                <p:nvSpPr>
-                  <p:cNvPr id="29" name="Rectangle 28"/>
-                  <p:cNvSpPr/>
-                  <p:nvPr/>
-                </p:nvSpPr>
-                <p:spPr>
-                  <a:xfrm>
-                    <a:off x="746127" y="3727971"/>
-                    <a:ext cx="660398" cy="1078979"/>
-                  </a:xfrm>
-                  <a:prstGeom prst="rect">
-                    <a:avLst/>
-                  </a:prstGeom>
-                  <a:solidFill>
-                    <a:schemeClr val="bg1">
-                      <a:lumMod val="65000"/>
-                    </a:schemeClr>
-                  </a:solidFill>
-                  <a:ln>
-                    <a:noFill/>
-                  </a:ln>
-                </p:spPr>
-                <p:style>
-                  <a:lnRef idx="2">
-                    <a:schemeClr val="accent1">
-                      <a:shade val="50000"/>
-                    </a:schemeClr>
-                  </a:lnRef>
-                  <a:fillRef idx="1">
-                    <a:schemeClr val="accent1"/>
-                  </a:fillRef>
-                  <a:effectRef idx="0">
-                    <a:schemeClr val="accent1"/>
-                  </a:effectRef>
-                  <a:fontRef idx="minor">
-                    <a:schemeClr val="lt1"/>
-                  </a:fontRef>
-                </p:style>
-                <p:txBody>
-                  <a:bodyPr rtlCol="0" anchor="ctr"/>
-                  <a:lstStyle/>
-                  <a:p>
-                    <a:pPr algn="ctr"/>
-                    <a:endParaRPr lang="en-US" dirty="0">
-                      <a:solidFill>
-                        <a:schemeClr val="bg1"/>
-                      </a:solidFill>
-                    </a:endParaRPr>
-                  </a:p>
-                </p:txBody>
-              </p:sp>
-              <p:sp>
-                <p:nvSpPr>
-                  <p:cNvPr id="30" name="Oval 29"/>
-                  <p:cNvSpPr/>
-                  <p:nvPr/>
-                </p:nvSpPr>
-                <p:spPr>
-                  <a:xfrm>
-                    <a:off x="1025526" y="4841875"/>
-                    <a:ext cx="101600" cy="101600"/>
-                  </a:xfrm>
-                  <a:prstGeom prst="ellipse">
-                    <a:avLst/>
-                  </a:prstGeom>
-                  <a:solidFill>
-                    <a:schemeClr val="bg1">
-                      <a:lumMod val="65000"/>
-                    </a:schemeClr>
-                  </a:solidFill>
-                  <a:ln>
-                    <a:noFill/>
-                  </a:ln>
-                </p:spPr>
-                <p:style>
-                  <a:lnRef idx="2">
-                    <a:schemeClr val="accent1">
-                      <a:shade val="50000"/>
-                    </a:schemeClr>
-                  </a:lnRef>
-                  <a:fillRef idx="1">
-                    <a:schemeClr val="accent1"/>
-                  </a:fillRef>
-                  <a:effectRef idx="0">
-                    <a:schemeClr val="accent1"/>
-                  </a:effectRef>
-                  <a:fontRef idx="minor">
-                    <a:schemeClr val="lt1"/>
-                  </a:fontRef>
-                </p:style>
-                <p:txBody>
-                  <a:bodyPr rtlCol="0" anchor="ctr"/>
-                  <a:lstStyle/>
-                  <a:p>
-                    <a:pPr algn="ctr"/>
-                    <a:endParaRPr lang="en-US" dirty="0">
-                      <a:solidFill>
-                        <a:schemeClr val="bg1"/>
-                      </a:solidFill>
-                    </a:endParaRPr>
-                  </a:p>
-                </p:txBody>
-              </p:sp>
-              <p:sp>
-                <p:nvSpPr>
-                  <p:cNvPr id="31" name="Oval 30"/>
-                  <p:cNvSpPr/>
-                  <p:nvPr/>
-                </p:nvSpPr>
-                <p:spPr>
-                  <a:xfrm>
-                    <a:off x="1185467" y="3655899"/>
-                    <a:ext cx="45719" cy="45719"/>
-                  </a:xfrm>
-                  <a:prstGeom prst="ellipse">
-                    <a:avLst/>
-                  </a:prstGeom>
-                  <a:solidFill>
-                    <a:schemeClr val="bg1">
-                      <a:lumMod val="65000"/>
-                    </a:schemeClr>
-                  </a:solidFill>
-                  <a:ln>
-                    <a:noFill/>
-                  </a:ln>
-                </p:spPr>
-                <p:style>
-                  <a:lnRef idx="2">
-                    <a:schemeClr val="accent1">
-                      <a:shade val="50000"/>
-                    </a:schemeClr>
-                  </a:lnRef>
-                  <a:fillRef idx="1">
-                    <a:schemeClr val="accent1"/>
-                  </a:fillRef>
-                  <a:effectRef idx="0">
-                    <a:schemeClr val="accent1"/>
-                  </a:effectRef>
-                  <a:fontRef idx="minor">
-                    <a:schemeClr val="lt1"/>
-                  </a:fontRef>
-                </p:style>
-                <p:txBody>
-                  <a:bodyPr rtlCol="0" anchor="ctr"/>
-                  <a:lstStyle/>
-                  <a:p>
-                    <a:pPr algn="ctr"/>
-                    <a:endParaRPr lang="en-US" dirty="0">
-                      <a:solidFill>
-                        <a:schemeClr val="bg1"/>
-                      </a:solidFill>
-                    </a:endParaRPr>
-                  </a:p>
-                </p:txBody>
-              </p:sp>
-              <p:cxnSp>
-                <p:nvCxnSpPr>
-                  <p:cNvPr id="32" name="Straight Connector 31"/>
-                  <p:cNvCxnSpPr/>
-                  <p:nvPr/>
-                </p:nvCxnSpPr>
-                <p:spPr>
-                  <a:xfrm>
-                    <a:off x="1016795" y="3676650"/>
-                    <a:ext cx="89296" cy="0"/>
-                  </a:xfrm>
-                  <a:prstGeom prst="line">
-                    <a:avLst/>
-                  </a:prstGeom>
-                  <a:ln w="19050">
+                </p:grpSpPr>
+                <p:sp>
+                  <p:nvSpPr>
+                    <p:cNvPr id="27" name="Rectangle 26"/>
+                    <p:cNvSpPr/>
+                    <p:nvPr/>
+                  </p:nvSpPr>
+                  <p:spPr>
+                    <a:xfrm>
+                      <a:off x="692152" y="3629546"/>
+                      <a:ext cx="768348" cy="1342504"/>
+                    </a:xfrm>
+                    <a:prstGeom prst="rect">
+                      <a:avLst/>
+                    </a:prstGeom>
+                    <a:solidFill>
+                      <a:schemeClr val="bg1">
+                        <a:lumMod val="50000"/>
+                      </a:schemeClr>
+                    </a:solidFill>
+                    <a:ln>
+                      <a:noFill/>
+                    </a:ln>
+                  </p:spPr>
+                  <p:style>
+                    <a:lnRef idx="2">
+                      <a:schemeClr val="accent1">
+                        <a:shade val="50000"/>
+                      </a:schemeClr>
+                    </a:lnRef>
+                    <a:fillRef idx="1">
+                      <a:schemeClr val="accent1"/>
+                    </a:fillRef>
+                    <a:effectRef idx="0">
+                      <a:schemeClr val="accent1"/>
+                    </a:effectRef>
+                    <a:fontRef idx="minor">
+                      <a:schemeClr val="lt1"/>
+                    </a:fontRef>
+                  </p:style>
+                  <p:txBody>
+                    <a:bodyPr rtlCol="0" anchor="ctr"/>
+                    <a:lstStyle/>
+                    <a:p>
+                      <a:pPr algn="ctr"/>
+                      <a:endParaRPr lang="en-US" dirty="0">
+                        <a:solidFill>
+                          <a:schemeClr val="bg1"/>
+                        </a:solidFill>
+                      </a:endParaRPr>
+                    </a:p>
+                  </p:txBody>
+                </p:sp>
+                <p:sp>
+                  <p:nvSpPr>
+                    <p:cNvPr id="29" name="Rectangle 28"/>
+                    <p:cNvSpPr/>
+                    <p:nvPr/>
+                  </p:nvSpPr>
+                  <p:spPr>
+                    <a:xfrm>
+                      <a:off x="746127" y="3727971"/>
+                      <a:ext cx="660398" cy="1078979"/>
+                    </a:xfrm>
+                    <a:prstGeom prst="rect">
+                      <a:avLst/>
+                    </a:prstGeom>
                     <a:solidFill>
                       <a:schemeClr val="bg1">
                         <a:lumMod val="65000"/>
                       </a:schemeClr>
                     </a:solidFill>
-                  </a:ln>
-                </p:spPr>
-                <p:style>
-                  <a:lnRef idx="1">
-                    <a:schemeClr val="accent1"/>
-                  </a:lnRef>
-                  <a:fillRef idx="0">
-                    <a:schemeClr val="accent1"/>
-                  </a:fillRef>
-                  <a:effectRef idx="0">
-                    <a:schemeClr val="accent1"/>
-                  </a:effectRef>
-                  <a:fontRef idx="minor">
-                    <a:schemeClr val="tx1"/>
-                  </a:fontRef>
-                </p:style>
-              </p:cxnSp>
-            </p:grpSp>
-            <p:grpSp>
-              <p:nvGrpSpPr>
-                <p:cNvPr id="33" name="Group 32"/>
-                <p:cNvGrpSpPr>
-                  <a:grpSpLocks noChangeAspect="1"/>
-                </p:cNvGrpSpPr>
-                <p:nvPr/>
-              </p:nvGrpSpPr>
-              <p:grpSpPr>
-                <a:xfrm>
-                  <a:off x="1584442" y="3583025"/>
-                  <a:ext cx="450067" cy="786384"/>
-                  <a:chOff x="692152" y="3629546"/>
-                  <a:chExt cx="768348" cy="1342504"/>
-                </a:xfrm>
-              </p:grpSpPr>
-              <p:sp>
-                <p:nvSpPr>
-                  <p:cNvPr id="34" name="Rectangle 33"/>
-                  <p:cNvSpPr/>
-                  <p:nvPr/>
-                </p:nvSpPr>
-                <p:spPr>
-                  <a:xfrm>
-                    <a:off x="692152" y="3629546"/>
-                    <a:ext cx="768348" cy="1342504"/>
-                  </a:xfrm>
-                  <a:prstGeom prst="rect">
-                    <a:avLst/>
-                  </a:prstGeom>
-                  <a:solidFill>
-                    <a:schemeClr val="bg1">
-                      <a:lumMod val="50000"/>
-                    </a:schemeClr>
-                  </a:solidFill>
-                  <a:ln>
-                    <a:noFill/>
-                  </a:ln>
-                </p:spPr>
-                <p:style>
-                  <a:lnRef idx="2">
-                    <a:schemeClr val="accent1">
-                      <a:shade val="50000"/>
-                    </a:schemeClr>
-                  </a:lnRef>
-                  <a:fillRef idx="1">
-                    <a:schemeClr val="accent1"/>
-                  </a:fillRef>
-                  <a:effectRef idx="0">
-                    <a:schemeClr val="accent1"/>
-                  </a:effectRef>
-                  <a:fontRef idx="minor">
-                    <a:schemeClr val="lt1"/>
-                  </a:fontRef>
-                </p:style>
-                <p:txBody>
-                  <a:bodyPr rtlCol="0" anchor="ctr"/>
-                  <a:lstStyle/>
-                  <a:p>
-                    <a:pPr algn="ctr"/>
-                    <a:endParaRPr lang="en-US" dirty="0">
-                      <a:solidFill>
-                        <a:schemeClr val="bg1"/>
-                      </a:solidFill>
-                    </a:endParaRPr>
-                  </a:p>
-                </p:txBody>
-              </p:sp>
-              <p:sp>
-                <p:nvSpPr>
-                  <p:cNvPr id="35" name="Rectangle 34"/>
-                  <p:cNvSpPr/>
-                  <p:nvPr/>
-                </p:nvSpPr>
-                <p:spPr>
-                  <a:xfrm>
-                    <a:off x="746127" y="3727971"/>
-                    <a:ext cx="660398" cy="1078979"/>
-                  </a:xfrm>
-                  <a:prstGeom prst="rect">
-                    <a:avLst/>
-                  </a:prstGeom>
-                  <a:solidFill>
-                    <a:schemeClr val="bg1">
-                      <a:lumMod val="65000"/>
-                    </a:schemeClr>
-                  </a:solidFill>
-                  <a:ln>
-                    <a:noFill/>
-                  </a:ln>
-                </p:spPr>
-                <p:style>
-                  <a:lnRef idx="2">
-                    <a:schemeClr val="accent1">
-                      <a:shade val="50000"/>
-                    </a:schemeClr>
-                  </a:lnRef>
-                  <a:fillRef idx="1">
-                    <a:schemeClr val="accent1"/>
-                  </a:fillRef>
-                  <a:effectRef idx="0">
-                    <a:schemeClr val="accent1"/>
-                  </a:effectRef>
-                  <a:fontRef idx="minor">
-                    <a:schemeClr val="lt1"/>
-                  </a:fontRef>
-                </p:style>
-                <p:txBody>
-                  <a:bodyPr rtlCol="0" anchor="ctr"/>
-                  <a:lstStyle/>
-                  <a:p>
-                    <a:pPr algn="ctr"/>
-                    <a:endParaRPr lang="en-US" dirty="0">
-                      <a:solidFill>
-                        <a:schemeClr val="bg1"/>
-                      </a:solidFill>
-                    </a:endParaRPr>
-                  </a:p>
-                </p:txBody>
-              </p:sp>
-              <p:sp>
-                <p:nvSpPr>
-                  <p:cNvPr id="36" name="Oval 35"/>
-                  <p:cNvSpPr/>
-                  <p:nvPr/>
-                </p:nvSpPr>
-                <p:spPr>
-                  <a:xfrm>
-                    <a:off x="1025526" y="4841875"/>
-                    <a:ext cx="101600" cy="101600"/>
-                  </a:xfrm>
-                  <a:prstGeom prst="ellipse">
-                    <a:avLst/>
-                  </a:prstGeom>
-                  <a:solidFill>
-                    <a:schemeClr val="bg1">
-                      <a:lumMod val="65000"/>
-                    </a:schemeClr>
-                  </a:solidFill>
-                  <a:ln>
-                    <a:noFill/>
-                  </a:ln>
-                </p:spPr>
-                <p:style>
-                  <a:lnRef idx="2">
-                    <a:schemeClr val="accent1">
-                      <a:shade val="50000"/>
-                    </a:schemeClr>
-                  </a:lnRef>
-                  <a:fillRef idx="1">
-                    <a:schemeClr val="accent1"/>
-                  </a:fillRef>
-                  <a:effectRef idx="0">
-                    <a:schemeClr val="accent1"/>
-                  </a:effectRef>
-                  <a:fontRef idx="minor">
-                    <a:schemeClr val="lt1"/>
-                  </a:fontRef>
-                </p:style>
-                <p:txBody>
-                  <a:bodyPr rtlCol="0" anchor="ctr"/>
-                  <a:lstStyle/>
-                  <a:p>
-                    <a:pPr algn="ctr"/>
-                    <a:endParaRPr lang="en-US" dirty="0">
-                      <a:solidFill>
-                        <a:schemeClr val="bg1"/>
-                      </a:solidFill>
-                    </a:endParaRPr>
-                  </a:p>
-                </p:txBody>
-              </p:sp>
-              <p:sp>
-                <p:nvSpPr>
-                  <p:cNvPr id="37" name="Oval 36"/>
-                  <p:cNvSpPr/>
-                  <p:nvPr/>
-                </p:nvSpPr>
-                <p:spPr>
-                  <a:xfrm>
-                    <a:off x="1185467" y="3655899"/>
-                    <a:ext cx="45719" cy="45719"/>
-                  </a:xfrm>
-                  <a:prstGeom prst="ellipse">
-                    <a:avLst/>
-                  </a:prstGeom>
-                  <a:solidFill>
-                    <a:schemeClr val="bg1">
-                      <a:lumMod val="65000"/>
-                    </a:schemeClr>
-                  </a:solidFill>
-                  <a:ln>
-                    <a:noFill/>
-                  </a:ln>
-                </p:spPr>
-                <p:style>
-                  <a:lnRef idx="2">
-                    <a:schemeClr val="accent1">
-                      <a:shade val="50000"/>
-                    </a:schemeClr>
-                  </a:lnRef>
-                  <a:fillRef idx="1">
-                    <a:schemeClr val="accent1"/>
-                  </a:fillRef>
-                  <a:effectRef idx="0">
-                    <a:schemeClr val="accent1"/>
-                  </a:effectRef>
-                  <a:fontRef idx="minor">
-                    <a:schemeClr val="lt1"/>
-                  </a:fontRef>
-                </p:style>
-                <p:txBody>
-                  <a:bodyPr rtlCol="0" anchor="ctr"/>
-                  <a:lstStyle/>
-                  <a:p>
-                    <a:pPr algn="ctr"/>
-                    <a:endParaRPr lang="en-US" dirty="0">
-                      <a:solidFill>
-                        <a:schemeClr val="bg1"/>
-                      </a:solidFill>
-                    </a:endParaRPr>
-                  </a:p>
-                </p:txBody>
-              </p:sp>
-              <p:cxnSp>
-                <p:nvCxnSpPr>
-                  <p:cNvPr id="38" name="Straight Connector 37"/>
-                  <p:cNvCxnSpPr/>
-                  <p:nvPr/>
-                </p:nvCxnSpPr>
-                <p:spPr>
-                  <a:xfrm>
-                    <a:off x="1016795" y="3676650"/>
-                    <a:ext cx="89296" cy="0"/>
-                  </a:xfrm>
-                  <a:prstGeom prst="line">
-                    <a:avLst/>
-                  </a:prstGeom>
-                  <a:ln w="19050">
+                    <a:ln>
+                      <a:noFill/>
+                    </a:ln>
+                  </p:spPr>
+                  <p:style>
+                    <a:lnRef idx="2">
+                      <a:schemeClr val="accent1">
+                        <a:shade val="50000"/>
+                      </a:schemeClr>
+                    </a:lnRef>
+                    <a:fillRef idx="1">
+                      <a:schemeClr val="accent1"/>
+                    </a:fillRef>
+                    <a:effectRef idx="0">
+                      <a:schemeClr val="accent1"/>
+                    </a:effectRef>
+                    <a:fontRef idx="minor">
+                      <a:schemeClr val="lt1"/>
+                    </a:fontRef>
+                  </p:style>
+                  <p:txBody>
+                    <a:bodyPr rtlCol="0" anchor="ctr"/>
+                    <a:lstStyle/>
+                    <a:p>
+                      <a:pPr algn="ctr"/>
+                      <a:endParaRPr lang="en-US" dirty="0">
+                        <a:solidFill>
+                          <a:schemeClr val="bg1"/>
+                        </a:solidFill>
+                      </a:endParaRPr>
+                    </a:p>
+                  </p:txBody>
+                </p:sp>
+                <p:sp>
+                  <p:nvSpPr>
+                    <p:cNvPr id="30" name="Oval 29"/>
+                    <p:cNvSpPr/>
+                    <p:nvPr/>
+                  </p:nvSpPr>
+                  <p:spPr>
+                    <a:xfrm>
+                      <a:off x="1025526" y="4841875"/>
+                      <a:ext cx="101600" cy="101600"/>
+                    </a:xfrm>
+                    <a:prstGeom prst="ellipse">
+                      <a:avLst/>
+                    </a:prstGeom>
                     <a:solidFill>
                       <a:schemeClr val="bg1">
                         <a:lumMod val="65000"/>
                       </a:schemeClr>
                     </a:solidFill>
-                  </a:ln>
-                </p:spPr>
-                <p:style>
-                  <a:lnRef idx="1">
-                    <a:schemeClr val="accent1"/>
-                  </a:lnRef>
-                  <a:fillRef idx="0">
-                    <a:schemeClr val="accent1"/>
-                  </a:fillRef>
-                  <a:effectRef idx="0">
-                    <a:schemeClr val="accent1"/>
-                  </a:effectRef>
-                  <a:fontRef idx="minor">
-                    <a:schemeClr val="tx1"/>
-                  </a:fontRef>
-                </p:style>
-              </p:cxnSp>
-            </p:grpSp>
-            <p:grpSp>
-              <p:nvGrpSpPr>
-                <p:cNvPr id="39" name="Group 38"/>
-                <p:cNvGrpSpPr>
-                  <a:grpSpLocks noChangeAspect="1"/>
-                </p:cNvGrpSpPr>
-                <p:nvPr/>
-              </p:nvGrpSpPr>
-              <p:grpSpPr>
-                <a:xfrm>
-                  <a:off x="1584442" y="4625597"/>
-                  <a:ext cx="450067" cy="786384"/>
-                  <a:chOff x="692152" y="3629546"/>
-                  <a:chExt cx="768348" cy="1342504"/>
-                </a:xfrm>
-              </p:grpSpPr>
-              <p:sp>
-                <p:nvSpPr>
-                  <p:cNvPr id="40" name="Rectangle 39"/>
-                  <p:cNvSpPr/>
-                  <p:nvPr/>
-                </p:nvSpPr>
-                <p:spPr>
-                  <a:xfrm>
-                    <a:off x="692152" y="3629546"/>
-                    <a:ext cx="768348" cy="1342504"/>
-                  </a:xfrm>
-                  <a:prstGeom prst="rect">
-                    <a:avLst/>
-                  </a:prstGeom>
-                  <a:solidFill>
-                    <a:schemeClr val="bg1">
-                      <a:lumMod val="50000"/>
-                    </a:schemeClr>
-                  </a:solidFill>
-                  <a:ln>
-                    <a:noFill/>
-                  </a:ln>
-                </p:spPr>
-                <p:style>
-                  <a:lnRef idx="2">
-                    <a:schemeClr val="accent1">
-                      <a:shade val="50000"/>
-                    </a:schemeClr>
-                  </a:lnRef>
-                  <a:fillRef idx="1">
-                    <a:schemeClr val="accent1"/>
-                  </a:fillRef>
-                  <a:effectRef idx="0">
-                    <a:schemeClr val="accent1"/>
-                  </a:effectRef>
-                  <a:fontRef idx="minor">
-                    <a:schemeClr val="lt1"/>
-                  </a:fontRef>
-                </p:style>
-                <p:txBody>
-                  <a:bodyPr rtlCol="0" anchor="ctr"/>
-                  <a:lstStyle/>
-                  <a:p>
-                    <a:pPr algn="ctr"/>
-                    <a:endParaRPr lang="en-US" dirty="0">
-                      <a:solidFill>
-                        <a:schemeClr val="bg1"/>
-                      </a:solidFill>
-                    </a:endParaRPr>
-                  </a:p>
-                </p:txBody>
-              </p:sp>
-              <p:sp>
-                <p:nvSpPr>
-                  <p:cNvPr id="41" name="Rectangle 40"/>
-                  <p:cNvSpPr/>
-                  <p:nvPr/>
-                </p:nvSpPr>
-                <p:spPr>
-                  <a:xfrm>
-                    <a:off x="746127" y="3727971"/>
-                    <a:ext cx="660398" cy="1078979"/>
-                  </a:xfrm>
-                  <a:prstGeom prst="rect">
-                    <a:avLst/>
-                  </a:prstGeom>
-                  <a:solidFill>
-                    <a:schemeClr val="bg1">
-                      <a:lumMod val="65000"/>
-                    </a:schemeClr>
-                  </a:solidFill>
-                  <a:ln>
-                    <a:noFill/>
-                  </a:ln>
-                </p:spPr>
-                <p:style>
-                  <a:lnRef idx="2">
-                    <a:schemeClr val="accent1">
-                      <a:shade val="50000"/>
-                    </a:schemeClr>
-                  </a:lnRef>
-                  <a:fillRef idx="1">
-                    <a:schemeClr val="accent1"/>
-                  </a:fillRef>
-                  <a:effectRef idx="0">
-                    <a:schemeClr val="accent1"/>
-                  </a:effectRef>
-                  <a:fontRef idx="minor">
-                    <a:schemeClr val="lt1"/>
-                  </a:fontRef>
-                </p:style>
-                <p:txBody>
-                  <a:bodyPr rtlCol="0" anchor="ctr"/>
-                  <a:lstStyle/>
-                  <a:p>
-                    <a:pPr algn="ctr"/>
-                    <a:endParaRPr lang="en-US" dirty="0">
-                      <a:solidFill>
-                        <a:schemeClr val="bg1"/>
-                      </a:solidFill>
-                    </a:endParaRPr>
-                  </a:p>
-                </p:txBody>
-              </p:sp>
-              <p:sp>
-                <p:nvSpPr>
-                  <p:cNvPr id="42" name="Oval 41"/>
-                  <p:cNvSpPr/>
-                  <p:nvPr/>
-                </p:nvSpPr>
-                <p:spPr>
-                  <a:xfrm>
-                    <a:off x="1025526" y="4841875"/>
-                    <a:ext cx="101600" cy="101600"/>
-                  </a:xfrm>
-                  <a:prstGeom prst="ellipse">
-                    <a:avLst/>
-                  </a:prstGeom>
-                  <a:solidFill>
-                    <a:schemeClr val="bg1">
-                      <a:lumMod val="65000"/>
-                    </a:schemeClr>
-                  </a:solidFill>
-                  <a:ln>
-                    <a:noFill/>
-                  </a:ln>
-                </p:spPr>
-                <p:style>
-                  <a:lnRef idx="2">
-                    <a:schemeClr val="accent1">
-                      <a:shade val="50000"/>
-                    </a:schemeClr>
-                  </a:lnRef>
-                  <a:fillRef idx="1">
-                    <a:schemeClr val="accent1"/>
-                  </a:fillRef>
-                  <a:effectRef idx="0">
-                    <a:schemeClr val="accent1"/>
-                  </a:effectRef>
-                  <a:fontRef idx="minor">
-                    <a:schemeClr val="lt1"/>
-                  </a:fontRef>
-                </p:style>
-                <p:txBody>
-                  <a:bodyPr rtlCol="0" anchor="ctr"/>
-                  <a:lstStyle/>
-                  <a:p>
-                    <a:pPr algn="ctr"/>
-                    <a:endParaRPr lang="en-US" dirty="0">
-                      <a:solidFill>
-                        <a:schemeClr val="bg1"/>
-                      </a:solidFill>
-                    </a:endParaRPr>
-                  </a:p>
-                </p:txBody>
-              </p:sp>
-              <p:sp>
-                <p:nvSpPr>
-                  <p:cNvPr id="43" name="Oval 42"/>
-                  <p:cNvSpPr/>
-                  <p:nvPr/>
-                </p:nvSpPr>
-                <p:spPr>
-                  <a:xfrm>
-                    <a:off x="1185467" y="3655899"/>
-                    <a:ext cx="45719" cy="45719"/>
-                  </a:xfrm>
-                  <a:prstGeom prst="ellipse">
-                    <a:avLst/>
-                  </a:prstGeom>
-                  <a:solidFill>
-                    <a:schemeClr val="bg1">
-                      <a:lumMod val="65000"/>
-                    </a:schemeClr>
-                  </a:solidFill>
-                  <a:ln>
-                    <a:noFill/>
-                  </a:ln>
-                </p:spPr>
-                <p:style>
-                  <a:lnRef idx="2">
-                    <a:schemeClr val="accent1">
-                      <a:shade val="50000"/>
-                    </a:schemeClr>
-                  </a:lnRef>
-                  <a:fillRef idx="1">
-                    <a:schemeClr val="accent1"/>
-                  </a:fillRef>
-                  <a:effectRef idx="0">
-                    <a:schemeClr val="accent1"/>
-                  </a:effectRef>
-                  <a:fontRef idx="minor">
-                    <a:schemeClr val="lt1"/>
-                  </a:fontRef>
-                </p:style>
-                <p:txBody>
-                  <a:bodyPr rtlCol="0" anchor="ctr"/>
-                  <a:lstStyle/>
-                  <a:p>
-                    <a:pPr algn="ctr"/>
-                    <a:endParaRPr lang="en-US" dirty="0">
-                      <a:solidFill>
-                        <a:schemeClr val="bg1"/>
-                      </a:solidFill>
-                    </a:endParaRPr>
-                  </a:p>
-                </p:txBody>
-              </p:sp>
-              <p:cxnSp>
-                <p:nvCxnSpPr>
-                  <p:cNvPr id="44" name="Straight Connector 43"/>
-                  <p:cNvCxnSpPr/>
-                  <p:nvPr/>
-                </p:nvCxnSpPr>
-                <p:spPr>
-                  <a:xfrm>
-                    <a:off x="1016795" y="3676650"/>
-                    <a:ext cx="89296" cy="0"/>
-                  </a:xfrm>
-                  <a:prstGeom prst="line">
-                    <a:avLst/>
-                  </a:prstGeom>
-                  <a:ln w="19050">
+                    <a:ln>
+                      <a:noFill/>
+                    </a:ln>
+                  </p:spPr>
+                  <p:style>
+                    <a:lnRef idx="2">
+                      <a:schemeClr val="accent1">
+                        <a:shade val="50000"/>
+                      </a:schemeClr>
+                    </a:lnRef>
+                    <a:fillRef idx="1">
+                      <a:schemeClr val="accent1"/>
+                    </a:fillRef>
+                    <a:effectRef idx="0">
+                      <a:schemeClr val="accent1"/>
+                    </a:effectRef>
+                    <a:fontRef idx="minor">
+                      <a:schemeClr val="lt1"/>
+                    </a:fontRef>
+                  </p:style>
+                  <p:txBody>
+                    <a:bodyPr rtlCol="0" anchor="ctr"/>
+                    <a:lstStyle/>
+                    <a:p>
+                      <a:pPr algn="ctr"/>
+                      <a:endParaRPr lang="en-US" dirty="0">
+                        <a:solidFill>
+                          <a:schemeClr val="bg1"/>
+                        </a:solidFill>
+                      </a:endParaRPr>
+                    </a:p>
+                  </p:txBody>
+                </p:sp>
+                <p:sp>
+                  <p:nvSpPr>
+                    <p:cNvPr id="31" name="Oval 30"/>
+                    <p:cNvSpPr/>
+                    <p:nvPr/>
+                  </p:nvSpPr>
+                  <p:spPr>
+                    <a:xfrm>
+                      <a:off x="1185467" y="3655899"/>
+                      <a:ext cx="45719" cy="45719"/>
+                    </a:xfrm>
+                    <a:prstGeom prst="ellipse">
+                      <a:avLst/>
+                    </a:prstGeom>
                     <a:solidFill>
                       <a:schemeClr val="bg1">
                         <a:lumMod val="65000"/>
                       </a:schemeClr>
                     </a:solidFill>
-                  </a:ln>
-                </p:spPr>
-                <p:style>
-                  <a:lnRef idx="1">
-                    <a:schemeClr val="accent1"/>
-                  </a:lnRef>
-                  <a:fillRef idx="0">
-                    <a:schemeClr val="accent1"/>
-                  </a:fillRef>
-                  <a:effectRef idx="0">
-                    <a:schemeClr val="accent1"/>
-                  </a:effectRef>
-                  <a:fontRef idx="minor">
-                    <a:schemeClr val="tx1"/>
-                  </a:fontRef>
-                </p:style>
-              </p:cxnSp>
+                    <a:ln>
+                      <a:noFill/>
+                    </a:ln>
+                  </p:spPr>
+                  <p:style>
+                    <a:lnRef idx="2">
+                      <a:schemeClr val="accent1">
+                        <a:shade val="50000"/>
+                      </a:schemeClr>
+                    </a:lnRef>
+                    <a:fillRef idx="1">
+                      <a:schemeClr val="accent1"/>
+                    </a:fillRef>
+                    <a:effectRef idx="0">
+                      <a:schemeClr val="accent1"/>
+                    </a:effectRef>
+                    <a:fontRef idx="minor">
+                      <a:schemeClr val="lt1"/>
+                    </a:fontRef>
+                  </p:style>
+                  <p:txBody>
+                    <a:bodyPr rtlCol="0" anchor="ctr"/>
+                    <a:lstStyle/>
+                    <a:p>
+                      <a:pPr algn="ctr"/>
+                      <a:endParaRPr lang="en-US" dirty="0">
+                        <a:solidFill>
+                          <a:schemeClr val="bg1"/>
+                        </a:solidFill>
+                      </a:endParaRPr>
+                    </a:p>
+                  </p:txBody>
+                </p:sp>
+                <p:cxnSp>
+                  <p:nvCxnSpPr>
+                    <p:cNvPr id="32" name="Straight Connector 31"/>
+                    <p:cNvCxnSpPr/>
+                    <p:nvPr/>
+                  </p:nvCxnSpPr>
+                  <p:spPr>
+                    <a:xfrm>
+                      <a:off x="1016795" y="3676650"/>
+                      <a:ext cx="89296" cy="0"/>
+                    </a:xfrm>
+                    <a:prstGeom prst="line">
+                      <a:avLst/>
+                    </a:prstGeom>
+                    <a:ln w="19050">
+                      <a:solidFill>
+                        <a:schemeClr val="bg1">
+                          <a:lumMod val="65000"/>
+                        </a:schemeClr>
+                      </a:solidFill>
+                    </a:ln>
+                  </p:spPr>
+                  <p:style>
+                    <a:lnRef idx="1">
+                      <a:schemeClr val="accent1"/>
+                    </a:lnRef>
+                    <a:fillRef idx="0">
+                      <a:schemeClr val="accent1"/>
+                    </a:fillRef>
+                    <a:effectRef idx="0">
+                      <a:schemeClr val="accent1"/>
+                    </a:effectRef>
+                    <a:fontRef idx="minor">
+                      <a:schemeClr val="tx1"/>
+                    </a:fontRef>
+                  </p:style>
+                </p:cxnSp>
+              </p:grpSp>
+              <p:grpSp>
+                <p:nvGrpSpPr>
+                  <p:cNvPr id="71" name="Group 70"/>
+                  <p:cNvGrpSpPr>
+                    <a:grpSpLocks noChangeAspect="1"/>
+                  </p:cNvGrpSpPr>
+                  <p:nvPr/>
+                </p:nvGrpSpPr>
+                <p:grpSpPr>
+                  <a:xfrm>
+                    <a:off x="1680620" y="2804607"/>
+                    <a:ext cx="257711" cy="258077"/>
+                    <a:chOff x="7267155" y="5165403"/>
+                    <a:chExt cx="299052" cy="299486"/>
+                  </a:xfrm>
+                </p:grpSpPr>
+                <p:sp>
+                  <p:nvSpPr>
+                    <p:cNvPr id="72" name="Freeform 19"/>
+                    <p:cNvSpPr>
+                      <a:spLocks/>
+                    </p:cNvSpPr>
+                    <p:nvPr/>
+                  </p:nvSpPr>
+                  <p:spPr bwMode="auto">
+                    <a:xfrm>
+                      <a:off x="7404076" y="5165403"/>
+                      <a:ext cx="162131" cy="143223"/>
+                    </a:xfrm>
+                    <a:custGeom>
+                      <a:avLst/>
+                      <a:gdLst>
+                        <a:gd name="T0" fmla="*/ 0 w 911"/>
+                        <a:gd name="T1" fmla="*/ 136 h 807"/>
+                        <a:gd name="T2" fmla="*/ 911 w 911"/>
+                        <a:gd name="T3" fmla="*/ 0 h 807"/>
+                        <a:gd name="T4" fmla="*/ 911 w 911"/>
+                        <a:gd name="T5" fmla="*/ 13 h 807"/>
+                        <a:gd name="T6" fmla="*/ 911 w 911"/>
+                        <a:gd name="T7" fmla="*/ 801 h 807"/>
+                        <a:gd name="T8" fmla="*/ 0 w 911"/>
+                        <a:gd name="T9" fmla="*/ 807 h 807"/>
+                        <a:gd name="T10" fmla="*/ 0 w 911"/>
+                        <a:gd name="T11" fmla="*/ 136 h 807"/>
+                        <a:gd name="T12" fmla="*/ 0 w 911"/>
+                        <a:gd name="T13" fmla="*/ 136 h 807"/>
+                      </a:gdLst>
+                      <a:ahLst/>
+                      <a:cxnLst>
+                        <a:cxn ang="0">
+                          <a:pos x="T0" y="T1"/>
+                        </a:cxn>
+                        <a:cxn ang="0">
+                          <a:pos x="T2" y="T3"/>
+                        </a:cxn>
+                        <a:cxn ang="0">
+                          <a:pos x="T4" y="T5"/>
+                        </a:cxn>
+                        <a:cxn ang="0">
+                          <a:pos x="T6" y="T7"/>
+                        </a:cxn>
+                        <a:cxn ang="0">
+                          <a:pos x="T8" y="T9"/>
+                        </a:cxn>
+                        <a:cxn ang="0">
+                          <a:pos x="T10" y="T11"/>
+                        </a:cxn>
+                        <a:cxn ang="0">
+                          <a:pos x="T12" y="T13"/>
+                        </a:cxn>
+                      </a:cxnLst>
+                      <a:rect l="0" t="0" r="r" b="b"/>
+                      <a:pathLst>
+                        <a:path w="911" h="807">
+                          <a:moveTo>
+                            <a:pt x="0" y="136"/>
+                          </a:moveTo>
+                          <a:cubicBezTo>
+                            <a:pt x="302" y="87"/>
+                            <a:pt x="610" y="44"/>
+                            <a:pt x="911" y="0"/>
+                          </a:cubicBezTo>
+                          <a:cubicBezTo>
+                            <a:pt x="911" y="13"/>
+                            <a:pt x="911" y="13"/>
+                            <a:pt x="911" y="13"/>
+                          </a:cubicBezTo>
+                          <a:cubicBezTo>
+                            <a:pt x="911" y="801"/>
+                            <a:pt x="911" y="801"/>
+                            <a:pt x="911" y="801"/>
+                          </a:cubicBezTo>
+                          <a:cubicBezTo>
+                            <a:pt x="610" y="801"/>
+                            <a:pt x="302" y="807"/>
+                            <a:pt x="0" y="807"/>
+                          </a:cubicBezTo>
+                          <a:cubicBezTo>
+                            <a:pt x="0" y="585"/>
+                            <a:pt x="0" y="358"/>
+                            <a:pt x="0" y="136"/>
+                          </a:cubicBezTo>
+                          <a:cubicBezTo>
+                            <a:pt x="0" y="136"/>
+                            <a:pt x="0" y="136"/>
+                            <a:pt x="0" y="136"/>
+                          </a:cubicBezTo>
+                          <a:close/>
+                        </a:path>
+                      </a:pathLst>
+                    </a:custGeom>
+                    <a:solidFill>
+                      <a:schemeClr val="bg1"/>
+                    </a:solidFill>
+                    <a:ln>
+                      <a:noFill/>
+                    </a:ln>
+                    <a:extLst>
+                      <a:ext uri="{91240B29-F687-4f45-9708-019B960494DF}">
+                        <a14:hiddenLine xmlns:a14="http://schemas.microsoft.com/office/drawing/2010/main" w="9525">
+                          <a:solidFill>
+                            <a:srgbClr val="000000"/>
+                          </a:solidFill>
+                          <a:round/>
+                          <a:headEnd/>
+                          <a:tailEnd/>
+                        </a14:hiddenLine>
+                      </a:ext>
+                    </a:extLst>
+                  </p:spPr>
+                  <p:txBody>
+                    <a:bodyPr vert="horz" wrap="square" lIns="91440" tIns="45720" rIns="91440" bIns="45720" numCol="1" anchor="t" anchorCtr="0" compatLnSpc="1">
+                      <a:prstTxWarp prst="textNoShape">
+                        <a:avLst/>
+                      </a:prstTxWarp>
+                    </a:bodyPr>
+                    <a:lstStyle/>
+                    <a:p>
+                      <a:endParaRPr lang="en-US"/>
+                    </a:p>
+                  </p:txBody>
+                </p:sp>
+                <p:sp>
+                  <p:nvSpPr>
+                    <p:cNvPr id="73" name="Freeform 20"/>
+                    <p:cNvSpPr>
+                      <a:spLocks/>
+                    </p:cNvSpPr>
+                    <p:nvPr/>
+                  </p:nvSpPr>
+                  <p:spPr bwMode="auto">
+                    <a:xfrm>
+                      <a:off x="7267155" y="5191700"/>
+                      <a:ext cx="122577" cy="118012"/>
+                    </a:xfrm>
+                    <a:custGeom>
+                      <a:avLst/>
+                      <a:gdLst>
+                        <a:gd name="T0" fmla="*/ 0 w 689"/>
+                        <a:gd name="T1" fmla="*/ 93 h 665"/>
+                        <a:gd name="T2" fmla="*/ 689 w 689"/>
+                        <a:gd name="T3" fmla="*/ 0 h 665"/>
+                        <a:gd name="T4" fmla="*/ 689 w 689"/>
+                        <a:gd name="T5" fmla="*/ 659 h 665"/>
+                        <a:gd name="T6" fmla="*/ 0 w 689"/>
+                        <a:gd name="T7" fmla="*/ 665 h 665"/>
+                        <a:gd name="T8" fmla="*/ 0 w 689"/>
+                        <a:gd name="T9" fmla="*/ 93 h 665"/>
+                        <a:gd name="T10" fmla="*/ 0 w 689"/>
+                        <a:gd name="T11" fmla="*/ 93 h 665"/>
+                      </a:gdLst>
+                      <a:ahLst/>
+                      <a:cxnLst>
+                        <a:cxn ang="0">
+                          <a:pos x="T0" y="T1"/>
+                        </a:cxn>
+                        <a:cxn ang="0">
+                          <a:pos x="T2" y="T3"/>
+                        </a:cxn>
+                        <a:cxn ang="0">
+                          <a:pos x="T4" y="T5"/>
+                        </a:cxn>
+                        <a:cxn ang="0">
+                          <a:pos x="T6" y="T7"/>
+                        </a:cxn>
+                        <a:cxn ang="0">
+                          <a:pos x="T8" y="T9"/>
+                        </a:cxn>
+                        <a:cxn ang="0">
+                          <a:pos x="T10" y="T11"/>
+                        </a:cxn>
+                      </a:cxnLst>
+                      <a:rect l="0" t="0" r="r" b="b"/>
+                      <a:pathLst>
+                        <a:path w="689" h="665">
+                          <a:moveTo>
+                            <a:pt x="0" y="93"/>
+                          </a:moveTo>
+                          <a:cubicBezTo>
+                            <a:pt x="227" y="56"/>
+                            <a:pt x="455" y="25"/>
+                            <a:pt x="689" y="0"/>
+                          </a:cubicBezTo>
+                          <a:cubicBezTo>
+                            <a:pt x="689" y="222"/>
+                            <a:pt x="689" y="437"/>
+                            <a:pt x="689" y="659"/>
+                          </a:cubicBezTo>
+                          <a:cubicBezTo>
+                            <a:pt x="455" y="659"/>
+                            <a:pt x="227" y="665"/>
+                            <a:pt x="0" y="665"/>
+                          </a:cubicBezTo>
+                          <a:cubicBezTo>
+                            <a:pt x="0" y="93"/>
+                            <a:pt x="0" y="93"/>
+                            <a:pt x="0" y="93"/>
+                          </a:cubicBezTo>
+                          <a:cubicBezTo>
+                            <a:pt x="0" y="93"/>
+                            <a:pt x="0" y="93"/>
+                            <a:pt x="0" y="93"/>
+                          </a:cubicBezTo>
+                          <a:close/>
+                        </a:path>
+                      </a:pathLst>
+                    </a:custGeom>
+                    <a:solidFill>
+                      <a:schemeClr val="bg1"/>
+                    </a:solidFill>
+                    <a:ln>
+                      <a:noFill/>
+                    </a:ln>
+                    <a:extLst>
+                      <a:ext uri="{91240B29-F687-4f45-9708-019B960494DF}">
+                        <a14:hiddenLine xmlns:a14="http://schemas.microsoft.com/office/drawing/2010/main" w="9525">
+                          <a:solidFill>
+                            <a:srgbClr val="000000"/>
+                          </a:solidFill>
+                          <a:round/>
+                          <a:headEnd/>
+                          <a:tailEnd/>
+                        </a14:hiddenLine>
+                      </a:ext>
+                    </a:extLst>
+                  </p:spPr>
+                  <p:txBody>
+                    <a:bodyPr vert="horz" wrap="square" lIns="91440" tIns="45720" rIns="91440" bIns="45720" numCol="1" anchor="t" anchorCtr="0" compatLnSpc="1">
+                      <a:prstTxWarp prst="textNoShape">
+                        <a:avLst/>
+                      </a:prstTxWarp>
+                    </a:bodyPr>
+                    <a:lstStyle/>
+                    <a:p>
+                      <a:endParaRPr lang="en-US"/>
+                    </a:p>
+                  </p:txBody>
+                </p:sp>
+                <p:sp>
+                  <p:nvSpPr>
+                    <p:cNvPr id="74" name="Freeform 21"/>
+                    <p:cNvSpPr>
+                      <a:spLocks/>
+                    </p:cNvSpPr>
+                    <p:nvPr/>
+                  </p:nvSpPr>
+                  <p:spPr bwMode="auto">
+                    <a:xfrm>
+                      <a:off x="7267155" y="5321666"/>
+                      <a:ext cx="122577" cy="118012"/>
+                    </a:xfrm>
+                    <a:custGeom>
+                      <a:avLst/>
+                      <a:gdLst>
+                        <a:gd name="T0" fmla="*/ 0 w 689"/>
+                        <a:gd name="T1" fmla="*/ 0 h 665"/>
+                        <a:gd name="T2" fmla="*/ 689 w 689"/>
+                        <a:gd name="T3" fmla="*/ 0 h 665"/>
+                        <a:gd name="T4" fmla="*/ 689 w 689"/>
+                        <a:gd name="T5" fmla="*/ 665 h 665"/>
+                        <a:gd name="T6" fmla="*/ 0 w 689"/>
+                        <a:gd name="T7" fmla="*/ 573 h 665"/>
+                        <a:gd name="T8" fmla="*/ 0 w 689"/>
+                        <a:gd name="T9" fmla="*/ 0 h 665"/>
+                      </a:gdLst>
+                      <a:ahLst/>
+                      <a:cxnLst>
+                        <a:cxn ang="0">
+                          <a:pos x="T0" y="T1"/>
+                        </a:cxn>
+                        <a:cxn ang="0">
+                          <a:pos x="T2" y="T3"/>
+                        </a:cxn>
+                        <a:cxn ang="0">
+                          <a:pos x="T4" y="T5"/>
+                        </a:cxn>
+                        <a:cxn ang="0">
+                          <a:pos x="T6" y="T7"/>
+                        </a:cxn>
+                        <a:cxn ang="0">
+                          <a:pos x="T8" y="T9"/>
+                        </a:cxn>
+                      </a:cxnLst>
+                      <a:rect l="0" t="0" r="r" b="b"/>
+                      <a:pathLst>
+                        <a:path w="689" h="665">
+                          <a:moveTo>
+                            <a:pt x="0" y="0"/>
+                          </a:moveTo>
+                          <a:cubicBezTo>
+                            <a:pt x="227" y="0"/>
+                            <a:pt x="455" y="6"/>
+                            <a:pt x="689" y="0"/>
+                          </a:cubicBezTo>
+                          <a:cubicBezTo>
+                            <a:pt x="689" y="222"/>
+                            <a:pt x="689" y="443"/>
+                            <a:pt x="689" y="665"/>
+                          </a:cubicBezTo>
+                          <a:cubicBezTo>
+                            <a:pt x="455" y="634"/>
+                            <a:pt x="227" y="603"/>
+                            <a:pt x="0" y="573"/>
+                          </a:cubicBezTo>
+                          <a:lnTo>
+                            <a:pt x="0" y="0"/>
+                          </a:lnTo>
+                          <a:close/>
+                        </a:path>
+                      </a:pathLst>
+                    </a:custGeom>
+                    <a:solidFill>
+                      <a:schemeClr val="bg1"/>
+                    </a:solidFill>
+                    <a:ln>
+                      <a:noFill/>
+                    </a:ln>
+                    <a:extLst>
+                      <a:ext uri="{91240B29-F687-4f45-9708-019B960494DF}">
+                        <a14:hiddenLine xmlns:a14="http://schemas.microsoft.com/office/drawing/2010/main" w="9525">
+                          <a:solidFill>
+                            <a:srgbClr val="000000"/>
+                          </a:solidFill>
+                          <a:round/>
+                          <a:headEnd/>
+                          <a:tailEnd/>
+                        </a14:hiddenLine>
+                      </a:ext>
+                    </a:extLst>
+                  </p:spPr>
+                  <p:txBody>
+                    <a:bodyPr vert="horz" wrap="square" lIns="91440" tIns="45720" rIns="91440" bIns="45720" numCol="1" anchor="t" anchorCtr="0" compatLnSpc="1">
+                      <a:prstTxWarp prst="textNoShape">
+                        <a:avLst/>
+                      </a:prstTxWarp>
+                    </a:bodyPr>
+                    <a:lstStyle/>
+                    <a:p>
+                      <a:endParaRPr lang="en-US"/>
+                    </a:p>
+                  </p:txBody>
+                </p:sp>
+                <p:sp>
+                  <p:nvSpPr>
+                    <p:cNvPr id="75" name="Freeform 22"/>
+                    <p:cNvSpPr>
+                      <a:spLocks/>
+                    </p:cNvSpPr>
+                    <p:nvPr/>
+                  </p:nvSpPr>
+                  <p:spPr bwMode="auto">
+                    <a:xfrm>
+                      <a:off x="7404076" y="5322753"/>
+                      <a:ext cx="162131" cy="142136"/>
+                    </a:xfrm>
+                    <a:custGeom>
+                      <a:avLst/>
+                      <a:gdLst>
+                        <a:gd name="T0" fmla="*/ 0 w 911"/>
+                        <a:gd name="T1" fmla="*/ 0 h 801"/>
+                        <a:gd name="T2" fmla="*/ 911 w 911"/>
+                        <a:gd name="T3" fmla="*/ 0 h 801"/>
+                        <a:gd name="T4" fmla="*/ 911 w 911"/>
+                        <a:gd name="T5" fmla="*/ 764 h 801"/>
+                        <a:gd name="T6" fmla="*/ 911 w 911"/>
+                        <a:gd name="T7" fmla="*/ 801 h 801"/>
+                        <a:gd name="T8" fmla="*/ 0 w 911"/>
+                        <a:gd name="T9" fmla="*/ 671 h 801"/>
+                        <a:gd name="T10" fmla="*/ 0 w 911"/>
+                        <a:gd name="T11" fmla="*/ 0 h 801"/>
+                      </a:gdLst>
+                      <a:ahLst/>
+                      <a:cxnLst>
+                        <a:cxn ang="0">
+                          <a:pos x="T0" y="T1"/>
+                        </a:cxn>
+                        <a:cxn ang="0">
+                          <a:pos x="T2" y="T3"/>
+                        </a:cxn>
+                        <a:cxn ang="0">
+                          <a:pos x="T4" y="T5"/>
+                        </a:cxn>
+                        <a:cxn ang="0">
+                          <a:pos x="T6" y="T7"/>
+                        </a:cxn>
+                        <a:cxn ang="0">
+                          <a:pos x="T8" y="T9"/>
+                        </a:cxn>
+                        <a:cxn ang="0">
+                          <a:pos x="T10" y="T11"/>
+                        </a:cxn>
+                      </a:cxnLst>
+                      <a:rect l="0" t="0" r="r" b="b"/>
+                      <a:pathLst>
+                        <a:path w="911" h="801">
+                          <a:moveTo>
+                            <a:pt x="0" y="0"/>
+                          </a:moveTo>
+                          <a:cubicBezTo>
+                            <a:pt x="302" y="0"/>
+                            <a:pt x="610" y="0"/>
+                            <a:pt x="911" y="0"/>
+                          </a:cubicBezTo>
+                          <a:cubicBezTo>
+                            <a:pt x="911" y="764"/>
+                            <a:pt x="911" y="764"/>
+                            <a:pt x="911" y="764"/>
+                          </a:cubicBezTo>
+                          <a:cubicBezTo>
+                            <a:pt x="911" y="801"/>
+                            <a:pt x="911" y="801"/>
+                            <a:pt x="911" y="801"/>
+                          </a:cubicBezTo>
+                          <a:cubicBezTo>
+                            <a:pt x="610" y="751"/>
+                            <a:pt x="302" y="714"/>
+                            <a:pt x="0" y="671"/>
+                          </a:cubicBezTo>
+                          <a:cubicBezTo>
+                            <a:pt x="0" y="450"/>
+                            <a:pt x="0" y="228"/>
+                            <a:pt x="0" y="0"/>
+                          </a:cubicBezTo>
+                          <a:close/>
+                        </a:path>
+                      </a:pathLst>
+                    </a:custGeom>
+                    <a:solidFill>
+                      <a:schemeClr val="bg1"/>
+                    </a:solidFill>
+                    <a:ln>
+                      <a:noFill/>
+                    </a:ln>
+                    <a:extLst>
+                      <a:ext uri="{91240B29-F687-4f45-9708-019B960494DF}">
+                        <a14:hiddenLine xmlns:a14="http://schemas.microsoft.com/office/drawing/2010/main" w="9525">
+                          <a:solidFill>
+                            <a:srgbClr val="000000"/>
+                          </a:solidFill>
+                          <a:round/>
+                          <a:headEnd/>
+                          <a:tailEnd/>
+                        </a14:hiddenLine>
+                      </a:ext>
+                    </a:extLst>
+                  </p:spPr>
+                  <p:txBody>
+                    <a:bodyPr vert="horz" wrap="square" lIns="91440" tIns="45720" rIns="91440" bIns="45720" numCol="1" anchor="t" anchorCtr="0" compatLnSpc="1">
+                      <a:prstTxWarp prst="textNoShape">
+                        <a:avLst/>
+                      </a:prstTxWarp>
+                    </a:bodyPr>
+                    <a:lstStyle/>
+                    <a:p>
+                      <a:endParaRPr lang="en-US"/>
+                    </a:p>
+                  </p:txBody>
+                </p:sp>
+              </p:grpSp>
             </p:grpSp>
           </p:grpSp>
         </p:grpSp>
@@ -19468,7 +21752,7 @@
         </p:blipFill>
         <p:spPr>
           <a:xfrm>
-            <a:off x="1889703" y="1825625"/>
+            <a:off x="1889704" y="2042325"/>
             <a:ext cx="8290049" cy="4351338"/>
           </a:xfrm>
           <a:prstGeom prst="rect">
@@ -20139,7 +22423,7 @@
   <a:extraClrSchemeLst/>
   <a:extLst>
     <a:ext uri="{05A4C25C-085E-4340-85A3-A5531E510DB2}">
-      <thm15:themeFamily xmlns="" xmlns:thm15="http://schemas.microsoft.com/office/thememl/2012/main" name="Office Theme" id="{62F939B6-93AF-4DB8-9C6B-D6C7DFDC589F}" vid="{4A3C46E8-61CC-4603-A589-7422A47A8E4A}"/>
+      <thm15:themeFamily xmlns:thm15="http://schemas.microsoft.com/office/thememl/2012/main" xmlns="" name="Office Theme" id="{62F939B6-93AF-4DB8-9C6B-D6C7DFDC589F}" vid="{4A3C46E8-61CC-4603-A589-7422A47A8E4A}"/>
     </a:ext>
   </a:extLst>
 </a:theme>
@@ -20434,7 +22718,7 @@
   <a:extraClrSchemeLst/>
   <a:extLst>
     <a:ext uri="{05A4C25C-085E-4340-85A3-A5531E510DB2}">
-      <thm15:themeFamily xmlns="" xmlns:thm15="http://schemas.microsoft.com/office/thememl/2012/main" name="Office Theme" id="{62F939B6-93AF-4DB8-9C6B-D6C7DFDC589F}" vid="{4A3C46E8-61CC-4603-A589-7422A47A8E4A}"/>
+      <thm15:themeFamily xmlns:thm15="http://schemas.microsoft.com/office/thememl/2012/main" xmlns="" name="Office Theme" id="{62F939B6-93AF-4DB8-9C6B-D6C7DFDC589F}" vid="{4A3C46E8-61CC-4603-A589-7422A47A8E4A}"/>
     </a:ext>
   </a:extLst>
 </a:theme>

--- a/Complimentary Course Content/Module3/Lessons/Module3_Lesson12 Mobile Apps with Microsoft Azure App Service.pptx
+++ b/Complimentary Course Content/Module3/Lessons/Module3_Lesson12 Mobile Apps with Microsoft Azure App Service.pptx
@@ -131,7 +131,7 @@
   </p:defaultTextStyle>
   <p:extLst>
     <p:ext uri="{EFAFB233-063F-42B5-8137-9DF3F51BA10A}">
-      <p15:sldGuideLst xmlns:p15="http://schemas.microsoft.com/office/powerpoint/2012/main" xmlns="">
+      <p15:sldGuideLst xmlns="" xmlns:p15="http://schemas.microsoft.com/office/powerpoint/2012/main">
         <p15:guide id="1" orient="horz" pos="2160">
           <p15:clr>
             <a:srgbClr val="A4A3A4"/>
@@ -239,7 +239,7 @@
           <a:p>
             <a:fld id="{49B60EF2-7028-489F-85D8-FE86CD7CF2A0}" type="datetimeFigureOut">
               <a:rPr lang="en-US" smtClean="0"/>
-              <a:t>6/30/16</a:t>
+              <a:t>7/7/16</a:t>
             </a:fld>
             <a:endParaRPr lang="en-US"/>
           </a:p>
@@ -1015,7 +1015,15 @@
             </a:pPr>
             <a:r>
               <a:rPr lang="en-US" baseline="0" dirty="0"/>
-              <a:t>Push notification capabilities include connecting to Apple, Google, Windows, Windows Phone, Amazon and Baidu</a:t>
+              <a:t>Push notification capabilities include connecting to Apple, Google, Windows, </a:t>
+            </a:r>
+            <a:r>
+              <a:rPr lang="en-US" baseline="0" dirty="0" smtClean="0"/>
+              <a:t>Amazon </a:t>
+            </a:r>
+            <a:r>
+              <a:rPr lang="en-US" baseline="0" dirty="0"/>
+              <a:t>and Baidu</a:t>
             </a:r>
           </a:p>
           <a:p>
@@ -1468,7 +1476,25 @@
               <a:rPr lang="en-US" baseline="0" dirty="0">
                 <a:effectLst/>
               </a:rPr>
-              <a:t>, Android, Kindle, Windows Phone, Windows Server)</a:t>
+              <a:t>, Android, Kindle</a:t>
+            </a:r>
+            <a:r>
+              <a:rPr lang="en-US" baseline="0">
+                <a:effectLst/>
+              </a:rPr>
+              <a:t>, </a:t>
+            </a:r>
+            <a:r>
+              <a:rPr lang="en-US" baseline="0" smtClean="0">
+                <a:effectLst/>
+              </a:rPr>
+              <a:t>Windows, </a:t>
+            </a:r>
+            <a:r>
+              <a:rPr lang="en-US" baseline="0" dirty="0">
+                <a:effectLst/>
+              </a:rPr>
+              <a:t>Windows Server)</a:t>
             </a:r>
           </a:p>
           <a:p>
@@ -3537,19 +3563,11 @@
             </a:r>
             <a:r>
               <a:rPr lang="en-US" dirty="0"/>
-              <a:t>Azure App Service (</a:t>
-            </a:r>
-            <a:r>
-              <a:rPr lang="en-US"/>
-              <a:t>others</a:t>
-            </a:r>
-            <a:r>
-              <a:rPr lang="en-US" baseline="0"/>
-              <a:t> types </a:t>
+              <a:t>Azure App Service (others</a:t>
             </a:r>
             <a:r>
               <a:rPr lang="en-US" baseline="0" dirty="0"/>
-              <a:t>include Web Apps, API Apps, and Logic Apps)</a:t>
+              <a:t> types include Web Apps, API Apps, and Logic Apps)</a:t>
             </a:r>
             <a:r>
               <a:rPr lang="en-US" dirty="0"/>
@@ -3665,7 +3683,19 @@
               <a:rPr lang="en-US" baseline="0" dirty="0">
                 <a:effectLst/>
               </a:rPr>
-              <a:t>Push Notifications (using services built into Android, iOS, Windows Phone, and more)</a:t>
+              <a:t>Push Notifications (using services built into Android, iOS, </a:t>
+            </a:r>
+            <a:r>
+              <a:rPr lang="en-US" baseline="0" dirty="0" smtClean="0">
+                <a:effectLst/>
+              </a:rPr>
+              <a:t>Windows, </a:t>
+            </a:r>
+            <a:r>
+              <a:rPr lang="en-US" baseline="0" dirty="0">
+                <a:effectLst/>
+              </a:rPr>
+              <a:t>and more)</a:t>
             </a:r>
             <a:br>
               <a:rPr lang="en-US" baseline="0" dirty="0">
@@ -4509,7 +4539,7 @@
           <a:p>
             <a:fld id="{0459C166-16D3-4A25-A2F8-C51E0E346B22}" type="datetimeFigureOut">
               <a:rPr lang="en-US" smtClean="0"/>
-              <a:t>6/30/16</a:t>
+              <a:t>7/7/16</a:t>
             </a:fld>
             <a:endParaRPr lang="en-US"/>
           </a:p>
@@ -4873,7 +4903,7 @@
           <a:p>
             <a:fld id="{0459C166-16D3-4A25-A2F8-C51E0E346B22}" type="datetimeFigureOut">
               <a:rPr lang="en-US" smtClean="0"/>
-              <a:t>6/30/16</a:t>
+              <a:t>7/7/16</a:t>
             </a:fld>
             <a:endParaRPr lang="en-US"/>
           </a:p>
@@ -4990,7 +5020,7 @@
           <a:p>
             <a:fld id="{0459C166-16D3-4A25-A2F8-C51E0E346B22}" type="datetimeFigureOut">
               <a:rPr lang="en-US" smtClean="0"/>
-              <a:t>6/30/16</a:t>
+              <a:t>7/7/16</a:t>
             </a:fld>
             <a:endParaRPr lang="en-US"/>
           </a:p>
@@ -5289,7 +5319,7 @@
           <a:p>
             <a:fld id="{0459C166-16D3-4A25-A2F8-C51E0E346B22}" type="datetimeFigureOut">
               <a:rPr lang="en-US" smtClean="0"/>
-              <a:t>6/30/16</a:t>
+              <a:t>7/7/16</a:t>
             </a:fld>
             <a:endParaRPr lang="en-US"/>
           </a:p>
@@ -5681,7 +5711,7 @@
           <a:p>
             <a:fld id="{0459C166-16D3-4A25-A2F8-C51E0E346B22}" type="datetimeFigureOut">
               <a:rPr lang="en-US" smtClean="0"/>
-              <a:t>6/30/16</a:t>
+              <a:t>7/7/16</a:t>
             </a:fld>
             <a:endParaRPr lang="en-US"/>
           </a:p>
@@ -6969,7 +6999,7 @@
           <a:p>
             <a:fld id="{0459C166-16D3-4A25-A2F8-C51E0E346B22}" type="datetimeFigureOut">
               <a:rPr lang="en-US" smtClean="0"/>
-              <a:t>6/30/16</a:t>
+              <a:t>7/7/16</a:t>
             </a:fld>
             <a:endParaRPr lang="en-US"/>
           </a:p>
@@ -7233,7 +7263,7 @@
             <a:fld id="{0459C166-16D3-4A25-A2F8-C51E0E346B22}" type="datetimeFigureOut">
               <a:rPr lang="en-US" smtClean="0"/>
               <a:pPr/>
-              <a:t>6/30/16</a:t>
+              <a:t>7/7/16</a:t>
             </a:fld>
             <a:endParaRPr lang="en-US"/>
           </a:p>
@@ -7549,7 +7579,7 @@
           <a:p>
             <a:fld id="{0459C166-16D3-4A25-A2F8-C51E0E346B22}" type="datetimeFigureOut">
               <a:rPr lang="en-US" smtClean="0"/>
-              <a:t>6/30/16</a:t>
+              <a:t>7/7/16</a:t>
             </a:fld>
             <a:endParaRPr lang="en-US"/>
           </a:p>
@@ -8123,7 +8153,7 @@
           <a:p>
             <a:fld id="{0459C166-16D3-4A25-A2F8-C51E0E346B22}" type="datetimeFigureOut">
               <a:rPr lang="en-US" smtClean="0"/>
-              <a:t>6/30/16</a:t>
+              <a:t>7/7/16</a:t>
             </a:fld>
             <a:endParaRPr lang="en-US"/>
           </a:p>
@@ -9263,7 +9293,7 @@
           <a:p>
             <a:fld id="{0459C166-16D3-4A25-A2F8-C51E0E346B22}" type="datetimeFigureOut">
               <a:rPr lang="en-US" smtClean="0"/>
-              <a:t>6/30/16</a:t>
+              <a:t>7/7/16</a:t>
             </a:fld>
             <a:endParaRPr lang="en-US"/>
           </a:p>
@@ -9474,7 +9504,7 @@
           <a:p>
             <a:fld id="{0459C166-16D3-4A25-A2F8-C51E0E346B22}" type="datetimeFigureOut">
               <a:rPr lang="en-US" smtClean="0"/>
-              <a:t>6/30/16</a:t>
+              <a:t>7/7/16</a:t>
             </a:fld>
             <a:endParaRPr lang="en-US"/>
           </a:p>
@@ -10092,6 +10122,13 @@
   <p:clrMapOvr>
     <a:masterClrMapping/>
   </p:clrMapOvr>
+  <p:timing>
+    <p:tnLst>
+      <p:par>
+        <p:cTn xmlns:p14="http://schemas.microsoft.com/office/powerpoint/2010/main" id="1" dur="indefinite" restart="never" nodeType="tmRoot"/>
+      </p:par>
+    </p:tnLst>
+  </p:timing>
 </p:sld>
 </file>
 
@@ -10373,6 +10410,13 @@
   <p:clrMapOvr>
     <a:masterClrMapping/>
   </p:clrMapOvr>
+  <p:timing>
+    <p:tnLst>
+      <p:par>
+        <p:cTn xmlns:p14="http://schemas.microsoft.com/office/powerpoint/2010/main" id="1" dur="indefinite" restart="never" nodeType="tmRoot"/>
+      </p:par>
+    </p:tnLst>
+  </p:timing>
 </p:sld>
 </file>
 
@@ -11355,337 +11399,20 @@
   <p:clrMapOvr>
     <a:masterClrMapping/>
   </p:clrMapOvr>
-  <mc:AlternateContent xmlns:mc="http://schemas.openxmlformats.org/markup-compatibility/2006" xmlns:p14="http://schemas.microsoft.com/office/powerpoint/2010/main">
-    <mc:Choice Requires="p14">
-      <p:transition spd="med" p14:dur="700">
-        <p:fade/>
-      </p:transition>
+  <mc:AlternateContent xmlns:mc="http://schemas.openxmlformats.org/markup-compatibility/2006">
+    <mc:Choice xmlns:p14="http://schemas.microsoft.com/office/powerpoint/2010/main" Requires="p14">
+      <p:transition p14:dur="0"/>
     </mc:Choice>
-    <mc:Fallback xmlns="">
-      <p:transition xmlns:p14="http://schemas.microsoft.com/office/powerpoint/2010/main" spd="med">
-        <p:fade/>
-      </p:transition>
+    <mc:Fallback>
+      <p:transition xmlns:p14="http://schemas.microsoft.com/office/powerpoint/2010/main"/>
     </mc:Fallback>
   </mc:AlternateContent>
   <p:timing>
     <p:tnLst>
       <p:par>
-        <p:cTn xmlns:p14="http://schemas.microsoft.com/office/powerpoint/2010/main" id="1" dur="indefinite" restart="never" nodeType="tmRoot">
-          <p:childTnLst>
-            <p:seq concurrent="1" nextAc="seek">
-              <p:cTn id="2" dur="indefinite" nodeType="mainSeq">
-                <p:childTnLst>
-                  <p:par>
-                    <p:cTn id="3" fill="hold">
-                      <p:stCondLst>
-                        <p:cond delay="indefinite"/>
-                      </p:stCondLst>
-                      <p:childTnLst>
-                        <p:par>
-                          <p:cTn id="4" fill="hold">
-                            <p:stCondLst>
-                              <p:cond delay="0"/>
-                            </p:stCondLst>
-                            <p:childTnLst>
-                              <p:par>
-                                <p:cTn id="5" presetID="10" presetClass="entr" presetSubtype="0" fill="hold" grpId="0" nodeType="clickEffect">
-                                  <p:stCondLst>
-                                    <p:cond delay="0"/>
-                                  </p:stCondLst>
-                                  <p:childTnLst>
-                                    <p:set>
-                                      <p:cBhvr>
-                                        <p:cTn id="6" dur="1" fill="hold">
-                                          <p:stCondLst>
-                                            <p:cond delay="0"/>
-                                          </p:stCondLst>
-                                        </p:cTn>
-                                        <p:tgtEl>
-                                          <p:spTgt spid="7"/>
-                                        </p:tgtEl>
-                                        <p:attrNameLst>
-                                          <p:attrName>style.visibility</p:attrName>
-                                        </p:attrNameLst>
-                                      </p:cBhvr>
-                                      <p:to>
-                                        <p:strVal val="visible"/>
-                                      </p:to>
-                                    </p:set>
-                                    <p:animEffect transition="in" filter="fade">
-                                      <p:cBhvr>
-                                        <p:cTn id="7" dur="500"/>
-                                        <p:tgtEl>
-                                          <p:spTgt spid="7"/>
-                                        </p:tgtEl>
-                                      </p:cBhvr>
-                                    </p:animEffect>
-                                  </p:childTnLst>
-                                </p:cTn>
-                              </p:par>
-                            </p:childTnLst>
-                          </p:cTn>
-                        </p:par>
-                        <p:par>
-                          <p:cTn id="8" fill="hold">
-                            <p:stCondLst>
-                              <p:cond delay="500"/>
-                            </p:stCondLst>
-                            <p:childTnLst>
-                              <p:par>
-                                <p:cTn id="9" presetID="10" presetClass="entr" presetSubtype="0" fill="hold" grpId="0" nodeType="afterEffect">
-                                  <p:stCondLst>
-                                    <p:cond delay="0"/>
-                                  </p:stCondLst>
-                                  <p:childTnLst>
-                                    <p:set>
-                                      <p:cBhvr>
-                                        <p:cTn id="10" dur="1" fill="hold">
-                                          <p:stCondLst>
-                                            <p:cond delay="0"/>
-                                          </p:stCondLst>
-                                        </p:cTn>
-                                        <p:tgtEl>
-                                          <p:spTgt spid="9"/>
-                                        </p:tgtEl>
-                                        <p:attrNameLst>
-                                          <p:attrName>style.visibility</p:attrName>
-                                        </p:attrNameLst>
-                                      </p:cBhvr>
-                                      <p:to>
-                                        <p:strVal val="visible"/>
-                                      </p:to>
-                                    </p:set>
-                                    <p:animEffect transition="in" filter="fade">
-                                      <p:cBhvr>
-                                        <p:cTn id="11" dur="500"/>
-                                        <p:tgtEl>
-                                          <p:spTgt spid="9"/>
-                                        </p:tgtEl>
-                                      </p:cBhvr>
-                                    </p:animEffect>
-                                  </p:childTnLst>
-                                </p:cTn>
-                              </p:par>
-                            </p:childTnLst>
-                          </p:cTn>
-                        </p:par>
-                        <p:par>
-                          <p:cTn id="12" fill="hold">
-                            <p:stCondLst>
-                              <p:cond delay="1000"/>
-                            </p:stCondLst>
-                            <p:childTnLst>
-                              <p:par>
-                                <p:cTn id="13" presetID="10" presetClass="entr" presetSubtype="0" fill="hold" grpId="0" nodeType="afterEffect">
-                                  <p:stCondLst>
-                                    <p:cond delay="0"/>
-                                  </p:stCondLst>
-                                  <p:childTnLst>
-                                    <p:set>
-                                      <p:cBhvr>
-                                        <p:cTn id="14" dur="1" fill="hold">
-                                          <p:stCondLst>
-                                            <p:cond delay="0"/>
-                                          </p:stCondLst>
-                                        </p:cTn>
-                                        <p:tgtEl>
-                                          <p:spTgt spid="10"/>
-                                        </p:tgtEl>
-                                        <p:attrNameLst>
-                                          <p:attrName>style.visibility</p:attrName>
-                                        </p:attrNameLst>
-                                      </p:cBhvr>
-                                      <p:to>
-                                        <p:strVal val="visible"/>
-                                      </p:to>
-                                    </p:set>
-                                    <p:animEffect transition="in" filter="fade">
-                                      <p:cBhvr>
-                                        <p:cTn id="15" dur="500"/>
-                                        <p:tgtEl>
-                                          <p:spTgt spid="10"/>
-                                        </p:tgtEl>
-                                      </p:cBhvr>
-                                    </p:animEffect>
-                                  </p:childTnLst>
-                                </p:cTn>
-                              </p:par>
-                            </p:childTnLst>
-                          </p:cTn>
-                        </p:par>
-                        <p:par>
-                          <p:cTn id="16" fill="hold">
-                            <p:stCondLst>
-                              <p:cond delay="1500"/>
-                            </p:stCondLst>
-                            <p:childTnLst>
-                              <p:par>
-                                <p:cTn id="17" presetID="10" presetClass="entr" presetSubtype="0" fill="hold" grpId="0" nodeType="afterEffect">
-                                  <p:stCondLst>
-                                    <p:cond delay="0"/>
-                                  </p:stCondLst>
-                                  <p:childTnLst>
-                                    <p:set>
-                                      <p:cBhvr>
-                                        <p:cTn id="18" dur="1" fill="hold">
-                                          <p:stCondLst>
-                                            <p:cond delay="0"/>
-                                          </p:stCondLst>
-                                        </p:cTn>
-                                        <p:tgtEl>
-                                          <p:spTgt spid="16"/>
-                                        </p:tgtEl>
-                                        <p:attrNameLst>
-                                          <p:attrName>style.visibility</p:attrName>
-                                        </p:attrNameLst>
-                                      </p:cBhvr>
-                                      <p:to>
-                                        <p:strVal val="visible"/>
-                                      </p:to>
-                                    </p:set>
-                                    <p:animEffect transition="in" filter="fade">
-                                      <p:cBhvr>
-                                        <p:cTn id="19" dur="500"/>
-                                        <p:tgtEl>
-                                          <p:spTgt spid="16"/>
-                                        </p:tgtEl>
-                                      </p:cBhvr>
-                                    </p:animEffect>
-                                  </p:childTnLst>
-                                </p:cTn>
-                              </p:par>
-                            </p:childTnLst>
-                          </p:cTn>
-                        </p:par>
-                      </p:childTnLst>
-                    </p:cTn>
-                  </p:par>
-                  <p:par>
-                    <p:cTn id="20" fill="hold">
-                      <p:stCondLst>
-                        <p:cond delay="indefinite"/>
-                      </p:stCondLst>
-                      <p:childTnLst>
-                        <p:par>
-                          <p:cTn id="21" fill="hold">
-                            <p:stCondLst>
-                              <p:cond delay="0"/>
-                            </p:stCondLst>
-                            <p:childTnLst>
-                              <p:par>
-                                <p:cTn id="22" presetID="10" presetClass="entr" presetSubtype="0" fill="hold" grpId="0" nodeType="clickEffect">
-                                  <p:stCondLst>
-                                    <p:cond delay="0"/>
-                                  </p:stCondLst>
-                                  <p:childTnLst>
-                                    <p:set>
-                                      <p:cBhvr>
-                                        <p:cTn id="23" dur="1" fill="hold">
-                                          <p:stCondLst>
-                                            <p:cond delay="0"/>
-                                          </p:stCondLst>
-                                        </p:cTn>
-                                        <p:tgtEl>
-                                          <p:spTgt spid="11"/>
-                                        </p:tgtEl>
-                                        <p:attrNameLst>
-                                          <p:attrName>style.visibility</p:attrName>
-                                        </p:attrNameLst>
-                                      </p:cBhvr>
-                                      <p:to>
-                                        <p:strVal val="visible"/>
-                                      </p:to>
-                                    </p:set>
-                                    <p:animEffect transition="in" filter="fade">
-                                      <p:cBhvr>
-                                        <p:cTn id="24" dur="500"/>
-                                        <p:tgtEl>
-                                          <p:spTgt spid="11"/>
-                                        </p:tgtEl>
-                                      </p:cBhvr>
-                                    </p:animEffect>
-                                  </p:childTnLst>
-                                </p:cTn>
-                              </p:par>
-                            </p:childTnLst>
-                          </p:cTn>
-                        </p:par>
-                      </p:childTnLst>
-                    </p:cTn>
-                  </p:par>
-                  <p:par>
-                    <p:cTn id="25" fill="hold">
-                      <p:stCondLst>
-                        <p:cond delay="indefinite"/>
-                      </p:stCondLst>
-                      <p:childTnLst>
-                        <p:par>
-                          <p:cTn id="26" fill="hold">
-                            <p:stCondLst>
-                              <p:cond delay="0"/>
-                            </p:stCondLst>
-                            <p:childTnLst>
-                              <p:par>
-                                <p:cTn id="27" presetID="1" presetClass="entr" presetSubtype="0" fill="hold" nodeType="clickEffect">
-                                  <p:stCondLst>
-                                    <p:cond delay="0"/>
-                                  </p:stCondLst>
-                                  <p:childTnLst>
-                                    <p:set>
-                                      <p:cBhvr>
-                                        <p:cTn id="28" dur="1" fill="hold">
-                                          <p:stCondLst>
-                                            <p:cond delay="0"/>
-                                          </p:stCondLst>
-                                        </p:cTn>
-                                        <p:tgtEl>
-                                          <p:spTgt spid="13"/>
-                                        </p:tgtEl>
-                                        <p:attrNameLst>
-                                          <p:attrName>style.visibility</p:attrName>
-                                        </p:attrNameLst>
-                                      </p:cBhvr>
-                                      <p:to>
-                                        <p:strVal val="visible"/>
-                                      </p:to>
-                                    </p:set>
-                                  </p:childTnLst>
-                                </p:cTn>
-                              </p:par>
-                            </p:childTnLst>
-                          </p:cTn>
-                        </p:par>
-                      </p:childTnLst>
-                    </p:cTn>
-                  </p:par>
-                </p:childTnLst>
-              </p:cTn>
-              <p:prevCondLst>
-                <p:cond evt="onPrev" delay="0">
-                  <p:tgtEl>
-                    <p:sldTgt/>
-                  </p:tgtEl>
-                </p:cond>
-              </p:prevCondLst>
-              <p:nextCondLst>
-                <p:cond evt="onNext" delay="0">
-                  <p:tgtEl>
-                    <p:sldTgt/>
-                  </p:tgtEl>
-                </p:cond>
-              </p:nextCondLst>
-            </p:seq>
-          </p:childTnLst>
-        </p:cTn>
+        <p:cTn xmlns:p14="http://schemas.microsoft.com/office/powerpoint/2010/main" id="1" dur="indefinite" restart="never" nodeType="tmRoot"/>
       </p:par>
     </p:tnLst>
-    <p:bldLst>
-      <p:bldP spid="7" grpId="0" animBg="1"/>
-      <p:bldP spid="9" grpId="0" animBg="1"/>
-      <p:bldP spid="10" grpId="0" animBg="1"/>
-      <p:bldP spid="11" grpId="0" animBg="1"/>
-      <p:bldP spid="16" grpId="0" animBg="1"/>
-    </p:bldLst>
   </p:timing>
 </p:sld>
 </file>
@@ -11775,16 +11502,10 @@
           <a:p>
             <a:pPr lvl="1"/>
             <a:r>
-              <a:rPr lang="en-US" sz="2800" dirty="0"/>
-              <a:t>Windows Phone</a:t>
-            </a:r>
-          </a:p>
-          <a:p>
-            <a:pPr lvl="1"/>
-            <a:r>
-              <a:rPr lang="en-US" sz="2800" dirty="0"/>
+              <a:rPr lang="en-US" sz="2800" dirty="0" smtClean="0"/>
               <a:t>Amazon</a:t>
             </a:r>
+            <a:endParaRPr lang="en-US" sz="2800" dirty="0"/>
           </a:p>
           <a:p>
             <a:pPr lvl="1"/>
@@ -11933,6 +11654,13 @@
   <p:clrMapOvr>
     <a:masterClrMapping/>
   </p:clrMapOvr>
+  <p:timing>
+    <p:tnLst>
+      <p:par>
+        <p:cTn xmlns:p14="http://schemas.microsoft.com/office/powerpoint/2010/main" id="1" dur="indefinite" restart="never" nodeType="tmRoot"/>
+      </p:par>
+    </p:tnLst>
+  </p:timing>
 </p:sld>
 </file>
 
@@ -15473,7 +15201,15 @@
             </a:r>
             <a:r>
               <a:rPr lang="en-US" sz="2000" dirty="0"/>
-              <a:t>, Android, Kindle, Windows Phone, Windows Store</a:t>
+              <a:t>, Android, Kindle, </a:t>
+            </a:r>
+            <a:r>
+              <a:rPr lang="en-US" sz="2000" dirty="0" smtClean="0"/>
+              <a:t>Windows, </a:t>
+            </a:r>
+            <a:r>
+              <a:rPr lang="en-US" sz="2000" dirty="0"/>
+              <a:t>Windows Store</a:t>
             </a:r>
           </a:p>
           <a:p>
@@ -15512,6 +15248,13 @@
       </p:transition>
     </mc:Fallback>
   </mc:AlternateContent>
+  <p:timing>
+    <p:tnLst>
+      <p:par>
+        <p:cTn xmlns:p14="http://schemas.microsoft.com/office/powerpoint/2010/main" id="1" dur="indefinite" restart="never" nodeType="tmRoot"/>
+      </p:par>
+    </p:tnLst>
+  </p:timing>
 </p:sld>
 </file>
 
@@ -16268,8 +16011,13 @@
           <a:p>
             <a:r>
               <a:rPr lang="en-US" dirty="0"/>
-              <a:t>Cloud-based mobile enterprise features</a:t>
-            </a:r>
+              <a:t>Cloud-based mobile </a:t>
+            </a:r>
+            <a:r>
+              <a:rPr lang="en-US" dirty="0" smtClean="0"/>
+              <a:t>features</a:t>
+            </a:r>
+            <a:endParaRPr lang="en-US" dirty="0"/>
           </a:p>
         </p:txBody>
       </p:sp>
@@ -22423,7 +22171,7 @@
   <a:extraClrSchemeLst/>
   <a:extLst>
     <a:ext uri="{05A4C25C-085E-4340-85A3-A5531E510DB2}">
-      <thm15:themeFamily xmlns:thm15="http://schemas.microsoft.com/office/thememl/2012/main" xmlns="" name="Office Theme" id="{62F939B6-93AF-4DB8-9C6B-D6C7DFDC589F}" vid="{4A3C46E8-61CC-4603-A589-7422A47A8E4A}"/>
+      <thm15:themeFamily xmlns="" xmlns:thm15="http://schemas.microsoft.com/office/thememl/2012/main" name="Office Theme" id="{62F939B6-93AF-4DB8-9C6B-D6C7DFDC589F}" vid="{4A3C46E8-61CC-4603-A589-7422A47A8E4A}"/>
     </a:ext>
   </a:extLst>
 </a:theme>
@@ -22718,7 +22466,7 @@
   <a:extraClrSchemeLst/>
   <a:extLst>
     <a:ext uri="{05A4C25C-085E-4340-85A3-A5531E510DB2}">
-      <thm15:themeFamily xmlns:thm15="http://schemas.microsoft.com/office/thememl/2012/main" xmlns="" name="Office Theme" id="{62F939B6-93AF-4DB8-9C6B-D6C7DFDC589F}" vid="{4A3C46E8-61CC-4603-A589-7422A47A8E4A}"/>
+      <thm15:themeFamily xmlns="" xmlns:thm15="http://schemas.microsoft.com/office/thememl/2012/main" name="Office Theme" id="{62F939B6-93AF-4DB8-9C6B-D6C7DFDC589F}" vid="{4A3C46E8-61CC-4603-A589-7422A47A8E4A}"/>
     </a:ext>
   </a:extLst>
 </a:theme>

--- a/Complimentary Course Content/Module3/Lessons/Module3_Lesson12 Mobile Apps with Microsoft Azure App Service.pptx
+++ b/Complimentary Course Content/Module3/Lessons/Module3_Lesson12 Mobile Apps with Microsoft Azure App Service.pptx
@@ -131,7 +131,7 @@
   </p:defaultTextStyle>
   <p:extLst>
     <p:ext uri="{EFAFB233-063F-42B5-8137-9DF3F51BA10A}">
-      <p15:sldGuideLst xmlns="" xmlns:p15="http://schemas.microsoft.com/office/powerpoint/2012/main">
+      <p15:sldGuideLst xmlns:p15="http://schemas.microsoft.com/office/powerpoint/2012/main" xmlns="">
         <p15:guide id="1" orient="horz" pos="2160">
           <p15:clr>
             <a:srgbClr val="A4A3A4"/>
@@ -239,7 +239,7 @@
           <a:p>
             <a:fld id="{49B60EF2-7028-489F-85D8-FE86CD7CF2A0}" type="datetimeFigureOut">
               <a:rPr lang="en-US" smtClean="0"/>
-              <a:t>7/7/16</a:t>
+              <a:t>7/12/16</a:t>
             </a:fld>
             <a:endParaRPr lang="en-US"/>
           </a:p>
@@ -2942,8 +2942,13 @@
             </a:pPr>
             <a:r>
               <a:rPr lang="en-US" b="1" baseline="0" dirty="0" smtClean="0"/>
-              <a:t>Notes:</a:t>
-            </a:r>
+              <a:t>Notes</a:t>
+            </a:r>
+            <a:r>
+              <a:rPr lang="en-US" b="1" baseline="0" dirty="0" smtClean="0"/>
+              <a:t>:</a:t>
+            </a:r>
+            <a:endParaRPr lang="en-US" b="1" baseline="0" dirty="0" smtClean="0"/>
           </a:p>
           <a:p>
             <a:pPr marL="171450" marR="0" lvl="0" indent="-171450" algn="l" defTabSz="914400" rtl="0" eaLnBrk="1" fontAlgn="auto" latinLnBrk="0" hangingPunct="1">
@@ -2965,7 +2970,81 @@
             </a:pPr>
             <a:r>
               <a:rPr lang="en-US" baseline="0" dirty="0" smtClean="0"/>
-              <a:t>You can add enterprise features to your app through App Service via a step-by-step, wizard-like setup process</a:t>
+              <a:t>The Module 3 Lesson 12 Lab should be completed at this time:</a:t>
+            </a:r>
+          </a:p>
+          <a:p>
+            <a:pPr marL="628650" marR="0" lvl="1" indent="-171450" algn="l" defTabSz="914400" rtl="0" eaLnBrk="1" fontAlgn="auto" latinLnBrk="0" hangingPunct="1">
+              <a:lnSpc>
+                <a:spcPct val="100000"/>
+              </a:lnSpc>
+              <a:spcBef>
+                <a:spcPts val="0"/>
+              </a:spcBef>
+              <a:spcAft>
+                <a:spcPts val="0"/>
+              </a:spcAft>
+              <a:buClrTx/>
+              <a:buSzTx/>
+              <a:buFont typeface="Arial" panose="020B0604020202020204" pitchFamily="34" charset="0"/>
+              <a:buChar char="•"/>
+              <a:tabLst/>
+              <a:defRPr/>
+            </a:pPr>
+            <a:r>
+              <a:rPr lang="en-US" baseline="0" dirty="0" smtClean="0"/>
+              <a:t>https://</a:t>
+            </a:r>
+            <a:r>
+              <a:rPr lang="en-US" baseline="0" dirty="0" err="1" smtClean="0"/>
+              <a:t>github.com</a:t>
+            </a:r>
+            <a:r>
+              <a:rPr lang="en-US" baseline="0" dirty="0" smtClean="0"/>
+              <a:t>/</a:t>
+            </a:r>
+            <a:r>
+              <a:rPr lang="en-US" baseline="0" dirty="0" err="1" smtClean="0"/>
+              <a:t>MSFTImagine</a:t>
+            </a:r>
+            <a:r>
+              <a:rPr lang="en-US" baseline="0" dirty="0" smtClean="0"/>
+              <a:t>/</a:t>
+            </a:r>
+            <a:r>
+              <a:rPr lang="en-US" baseline="0" dirty="0" err="1" smtClean="0"/>
+              <a:t>computerscience</a:t>
+            </a:r>
+            <a:r>
+              <a:rPr lang="en-US" baseline="0" dirty="0" smtClean="0"/>
+              <a:t>/tree/master/Complimentary%20Course%20Content/Module3/Labs</a:t>
+            </a:r>
+          </a:p>
+          <a:p>
+            <a:pPr marL="171450" marR="0" lvl="0" indent="-171450" algn="l" defTabSz="914400" rtl="0" eaLnBrk="1" fontAlgn="auto" latinLnBrk="0" hangingPunct="1">
+              <a:lnSpc>
+                <a:spcPct val="100000"/>
+              </a:lnSpc>
+              <a:spcBef>
+                <a:spcPts val="0"/>
+              </a:spcBef>
+              <a:spcAft>
+                <a:spcPts val="0"/>
+              </a:spcAft>
+              <a:buClrTx/>
+              <a:buSzTx/>
+              <a:buFont typeface="Arial" panose="020B0604020202020204" pitchFamily="34" charset="0"/>
+              <a:buChar char="•"/>
+              <a:tabLst/>
+              <a:defRPr/>
+            </a:pPr>
+            <a:r>
+              <a:rPr lang="en-US" baseline="0" dirty="0" smtClean="0"/>
+              <a:t>You </a:t>
+            </a:r>
+            <a:r>
+              <a:rPr lang="en-US" baseline="0" dirty="0" smtClean="0"/>
+              <a:t>can add enterprise features to your app through App Service via a step-by-step, wizard-like setup process</a:t>
             </a:r>
           </a:p>
           <a:p>
@@ -4539,7 +4618,7 @@
           <a:p>
             <a:fld id="{0459C166-16D3-4A25-A2F8-C51E0E346B22}" type="datetimeFigureOut">
               <a:rPr lang="en-US" smtClean="0"/>
-              <a:t>7/7/16</a:t>
+              <a:t>7/12/16</a:t>
             </a:fld>
             <a:endParaRPr lang="en-US"/>
           </a:p>
@@ -4903,7 +4982,7 @@
           <a:p>
             <a:fld id="{0459C166-16D3-4A25-A2F8-C51E0E346B22}" type="datetimeFigureOut">
               <a:rPr lang="en-US" smtClean="0"/>
-              <a:t>7/7/16</a:t>
+              <a:t>7/12/16</a:t>
             </a:fld>
             <a:endParaRPr lang="en-US"/>
           </a:p>
@@ -5020,7 +5099,7 @@
           <a:p>
             <a:fld id="{0459C166-16D3-4A25-A2F8-C51E0E346B22}" type="datetimeFigureOut">
               <a:rPr lang="en-US" smtClean="0"/>
-              <a:t>7/7/16</a:t>
+              <a:t>7/12/16</a:t>
             </a:fld>
             <a:endParaRPr lang="en-US"/>
           </a:p>
@@ -5319,7 +5398,7 @@
           <a:p>
             <a:fld id="{0459C166-16D3-4A25-A2F8-C51E0E346B22}" type="datetimeFigureOut">
               <a:rPr lang="en-US" smtClean="0"/>
-              <a:t>7/7/16</a:t>
+              <a:t>7/12/16</a:t>
             </a:fld>
             <a:endParaRPr lang="en-US"/>
           </a:p>
@@ -5711,7 +5790,7 @@
           <a:p>
             <a:fld id="{0459C166-16D3-4A25-A2F8-C51E0E346B22}" type="datetimeFigureOut">
               <a:rPr lang="en-US" smtClean="0"/>
-              <a:t>7/7/16</a:t>
+              <a:t>7/12/16</a:t>
             </a:fld>
             <a:endParaRPr lang="en-US"/>
           </a:p>
@@ -6999,7 +7078,7 @@
           <a:p>
             <a:fld id="{0459C166-16D3-4A25-A2F8-C51E0E346B22}" type="datetimeFigureOut">
               <a:rPr lang="en-US" smtClean="0"/>
-              <a:t>7/7/16</a:t>
+              <a:t>7/12/16</a:t>
             </a:fld>
             <a:endParaRPr lang="en-US"/>
           </a:p>
@@ -7263,7 +7342,7 @@
             <a:fld id="{0459C166-16D3-4A25-A2F8-C51E0E346B22}" type="datetimeFigureOut">
               <a:rPr lang="en-US" smtClean="0"/>
               <a:pPr/>
-              <a:t>7/7/16</a:t>
+              <a:t>7/12/16</a:t>
             </a:fld>
             <a:endParaRPr lang="en-US"/>
           </a:p>
@@ -7579,7 +7658,7 @@
           <a:p>
             <a:fld id="{0459C166-16D3-4A25-A2F8-C51E0E346B22}" type="datetimeFigureOut">
               <a:rPr lang="en-US" smtClean="0"/>
-              <a:t>7/7/16</a:t>
+              <a:t>7/12/16</a:t>
             </a:fld>
             <a:endParaRPr lang="en-US"/>
           </a:p>
@@ -8153,7 +8232,7 @@
           <a:p>
             <a:fld id="{0459C166-16D3-4A25-A2F8-C51E0E346B22}" type="datetimeFigureOut">
               <a:rPr lang="en-US" smtClean="0"/>
-              <a:t>7/7/16</a:t>
+              <a:t>7/12/16</a:t>
             </a:fld>
             <a:endParaRPr lang="en-US"/>
           </a:p>
@@ -9293,7 +9372,7 @@
           <a:p>
             <a:fld id="{0459C166-16D3-4A25-A2F8-C51E0E346B22}" type="datetimeFigureOut">
               <a:rPr lang="en-US" smtClean="0"/>
-              <a:t>7/7/16</a:t>
+              <a:t>7/12/16</a:t>
             </a:fld>
             <a:endParaRPr lang="en-US"/>
           </a:p>
@@ -9504,7 +9583,7 @@
           <a:p>
             <a:fld id="{0459C166-16D3-4A25-A2F8-C51E0E346B22}" type="datetimeFigureOut">
               <a:rPr lang="en-US" smtClean="0"/>
-              <a:t>7/7/16</a:t>
+              <a:t>7/12/16</a:t>
             </a:fld>
             <a:endParaRPr lang="en-US"/>
           </a:p>
@@ -11399,11 +11478,11 @@
   <p:clrMapOvr>
     <a:masterClrMapping/>
   </p:clrMapOvr>
-  <mc:AlternateContent xmlns:mc="http://schemas.openxmlformats.org/markup-compatibility/2006">
-    <mc:Choice xmlns:p14="http://schemas.microsoft.com/office/powerpoint/2010/main" Requires="p14">
+  <mc:AlternateContent xmlns:mc="http://schemas.openxmlformats.org/markup-compatibility/2006" xmlns:p14="http://schemas.microsoft.com/office/powerpoint/2010/main">
+    <mc:Choice Requires="p14">
       <p:transition p14:dur="0"/>
     </mc:Choice>
-    <mc:Fallback>
+    <mc:Fallback xmlns="">
       <p:transition xmlns:p14="http://schemas.microsoft.com/office/powerpoint/2010/main"/>
     </mc:Fallback>
   </mc:AlternateContent>
@@ -22171,7 +22250,7 @@
   <a:extraClrSchemeLst/>
   <a:extLst>
     <a:ext uri="{05A4C25C-085E-4340-85A3-A5531E510DB2}">
-      <thm15:themeFamily xmlns="" xmlns:thm15="http://schemas.microsoft.com/office/thememl/2012/main" name="Office Theme" id="{62F939B6-93AF-4DB8-9C6B-D6C7DFDC589F}" vid="{4A3C46E8-61CC-4603-A589-7422A47A8E4A}"/>
+      <thm15:themeFamily xmlns:thm15="http://schemas.microsoft.com/office/thememl/2012/main" xmlns="" name="Office Theme" id="{62F939B6-93AF-4DB8-9C6B-D6C7DFDC589F}" vid="{4A3C46E8-61CC-4603-A589-7422A47A8E4A}"/>
     </a:ext>
   </a:extLst>
 </a:theme>
@@ -22466,7 +22545,7 @@
   <a:extraClrSchemeLst/>
   <a:extLst>
     <a:ext uri="{05A4C25C-085E-4340-85A3-A5531E510DB2}">
-      <thm15:themeFamily xmlns="" xmlns:thm15="http://schemas.microsoft.com/office/thememl/2012/main" name="Office Theme" id="{62F939B6-93AF-4DB8-9C6B-D6C7DFDC589F}" vid="{4A3C46E8-61CC-4603-A589-7422A47A8E4A}"/>
+      <thm15:themeFamily xmlns:thm15="http://schemas.microsoft.com/office/thememl/2012/main" xmlns="" name="Office Theme" id="{62F939B6-93AF-4DB8-9C6B-D6C7DFDC589F}" vid="{4A3C46E8-61CC-4603-A589-7422A47A8E4A}"/>
     </a:ext>
   </a:extLst>
 </a:theme>

--- a/Complimentary Course Content/Module3/Lessons/Module3_Lesson12 Mobile Apps with Microsoft Azure App Service.pptx
+++ b/Complimentary Course Content/Module3/Lessons/Module3_Lesson12 Mobile Apps with Microsoft Azure App Service.pptx
@@ -131,7 +131,7 @@
   </p:defaultTextStyle>
   <p:extLst>
     <p:ext uri="{EFAFB233-063F-42B5-8137-9DF3F51BA10A}">
-      <p15:sldGuideLst xmlns:p15="http://schemas.microsoft.com/office/powerpoint/2012/main" xmlns="">
+      <p15:sldGuideLst xmlns:p15="http://schemas.microsoft.com/office/powerpoint/2012/main">
         <p15:guide id="1" orient="horz" pos="2160">
           <p15:clr>
             <a:srgbClr val="A4A3A4"/>
@@ -239,7 +239,7 @@
           <a:p>
             <a:fld id="{49B60EF2-7028-489F-85D8-FE86CD7CF2A0}" type="datetimeFigureOut">
               <a:rPr lang="en-US" smtClean="0"/>
-              <a:t>7/12/16</a:t>
+              <a:t>9/9/16</a:t>
             </a:fld>
             <a:endParaRPr lang="en-US"/>
           </a:p>
@@ -550,6 +550,117 @@
           <a:bodyPr/>
           <a:lstStyle/>
           <a:p>
+            <a:r>
+              <a:rPr lang="en-US" sz="1200" b="0" i="0" kern="1200" dirty="0" smtClean="0">
+                <a:solidFill>
+                  <a:schemeClr val="tx1"/>
+                </a:solidFill>
+                <a:effectLst/>
+                <a:latin typeface="+mn-lt"/>
+                <a:ea typeface="+mn-ea"/>
+                <a:cs typeface="+mn-cs"/>
+              </a:rPr>
+              <a:t>Images and excerpts from </a:t>
+            </a:r>
+            <a:r>
+              <a:rPr lang="en-US" sz="1200" b="0" i="1" kern="1200" dirty="0" err="1" smtClean="0">
+                <a:solidFill>
+                  <a:schemeClr val="tx1"/>
+                </a:solidFill>
+                <a:effectLst/>
+                <a:latin typeface="+mn-lt"/>
+                <a:ea typeface="+mn-ea"/>
+                <a:cs typeface="+mn-cs"/>
+              </a:rPr>
+              <a:t>Xamarin</a:t>
+            </a:r>
+            <a:r>
+              <a:rPr lang="en-US" sz="1200" b="0" i="1" kern="1200" dirty="0" smtClean="0">
+                <a:solidFill>
+                  <a:schemeClr val="tx1"/>
+                </a:solidFill>
+                <a:effectLst/>
+                <a:latin typeface="+mn-lt"/>
+                <a:ea typeface="+mn-ea"/>
+                <a:cs typeface="+mn-cs"/>
+              </a:rPr>
+              <a:t> Mobile Application Development </a:t>
+            </a:r>
+            <a:r>
+              <a:rPr lang="en-US" sz="1200" b="0" i="0" kern="1200" dirty="0" smtClean="0">
+                <a:solidFill>
+                  <a:schemeClr val="tx1"/>
+                </a:solidFill>
+                <a:effectLst/>
+                <a:latin typeface="+mn-lt"/>
+                <a:ea typeface="+mn-ea"/>
+                <a:cs typeface="+mn-cs"/>
+              </a:rPr>
+              <a:t>by Dan Hermes, published by </a:t>
+            </a:r>
+            <a:r>
+              <a:rPr lang="en-US" sz="1200" b="0" i="0" kern="1200" dirty="0" err="1" smtClean="0">
+                <a:solidFill>
+                  <a:schemeClr val="tx1"/>
+                </a:solidFill>
+                <a:effectLst/>
+                <a:latin typeface="+mn-lt"/>
+                <a:ea typeface="+mn-ea"/>
+                <a:cs typeface="+mn-cs"/>
+              </a:rPr>
+              <a:t>Apress</a:t>
+            </a:r>
+            <a:r>
+              <a:rPr lang="en-US" sz="1200" b="0" i="0" kern="1200" dirty="0" smtClean="0">
+                <a:solidFill>
+                  <a:schemeClr val="tx1"/>
+                </a:solidFill>
+                <a:effectLst/>
+                <a:latin typeface="+mn-lt"/>
+                <a:ea typeface="+mn-ea"/>
+                <a:cs typeface="+mn-cs"/>
+              </a:rPr>
+              <a:t>  </a:t>
+            </a:r>
+          </a:p>
+          <a:p>
+            <a:r>
+              <a:rPr lang="en-US" sz="1200" b="0" i="0" kern="1200" dirty="0" smtClean="0">
+                <a:solidFill>
+                  <a:schemeClr val="tx1"/>
+                </a:solidFill>
+                <a:effectLst/>
+                <a:latin typeface="+mn-lt"/>
+                <a:ea typeface="+mn-ea"/>
+                <a:cs typeface="+mn-cs"/>
+                <a:hlinkClick r:id="rId3"/>
+              </a:rPr>
+              <a:t>http://www.mobilecsharpcafe.com/xamarin</a:t>
+            </a:r>
+            <a:r>
+              <a:rPr lang="en-US" sz="1200" b="0" i="0" kern="1200" smtClean="0">
+                <a:solidFill>
+                  <a:schemeClr val="tx1"/>
+                </a:solidFill>
+                <a:effectLst/>
+                <a:latin typeface="+mn-lt"/>
+                <a:ea typeface="+mn-ea"/>
+                <a:cs typeface="+mn-cs"/>
+                <a:hlinkClick r:id="rId3"/>
+              </a:rPr>
+              <a:t>-book/</a:t>
+            </a:r>
+            <a:endParaRPr lang="en-US" sz="1200" b="0" i="0" kern="1200" smtClean="0">
+              <a:solidFill>
+                <a:schemeClr val="tx1"/>
+              </a:solidFill>
+              <a:effectLst/>
+              <a:latin typeface="+mn-lt"/>
+              <a:ea typeface="+mn-ea"/>
+              <a:cs typeface="+mn-cs"/>
+            </a:endParaRPr>
+          </a:p>
+          <a:p>
             <a:endParaRPr lang="en-US" dirty="0"/>
           </a:p>
         </p:txBody>
@@ -2942,13 +3053,8 @@
             </a:pPr>
             <a:r>
               <a:rPr lang="en-US" b="1" baseline="0" dirty="0" smtClean="0"/>
-              <a:t>Notes</a:t>
-            </a:r>
-            <a:r>
-              <a:rPr lang="en-US" b="1" baseline="0" dirty="0" smtClean="0"/>
-              <a:t>:</a:t>
-            </a:r>
-            <a:endParaRPr lang="en-US" b="1" baseline="0" dirty="0" smtClean="0"/>
+              <a:t>Notes:</a:t>
+            </a:r>
           </a:p>
           <a:p>
             <a:pPr marL="171450" marR="0" lvl="0" indent="-171450" algn="l" defTabSz="914400" rtl="0" eaLnBrk="1" fontAlgn="auto" latinLnBrk="0" hangingPunct="1">
@@ -3040,11 +3146,7 @@
             </a:pPr>
             <a:r>
               <a:rPr lang="en-US" baseline="0" dirty="0" smtClean="0"/>
-              <a:t>You </a:t>
-            </a:r>
-            <a:r>
-              <a:rPr lang="en-US" baseline="0" dirty="0" smtClean="0"/>
-              <a:t>can add enterprise features to your app through App Service via a step-by-step, wizard-like setup process</a:t>
+              <a:t>You can add enterprise features to your app through App Service via a step-by-step, wizard-like setup process</a:t>
             </a:r>
           </a:p>
           <a:p>
@@ -4618,7 +4720,7 @@
           <a:p>
             <a:fld id="{0459C166-16D3-4A25-A2F8-C51E0E346B22}" type="datetimeFigureOut">
               <a:rPr lang="en-US" smtClean="0"/>
-              <a:t>7/12/16</a:t>
+              <a:t>9/9/16</a:t>
             </a:fld>
             <a:endParaRPr lang="en-US"/>
           </a:p>
@@ -4982,7 +5084,7 @@
           <a:p>
             <a:fld id="{0459C166-16D3-4A25-A2F8-C51E0E346B22}" type="datetimeFigureOut">
               <a:rPr lang="en-US" smtClean="0"/>
-              <a:t>7/12/16</a:t>
+              <a:t>9/9/16</a:t>
             </a:fld>
             <a:endParaRPr lang="en-US"/>
           </a:p>
@@ -5099,7 +5201,7 @@
           <a:p>
             <a:fld id="{0459C166-16D3-4A25-A2F8-C51E0E346B22}" type="datetimeFigureOut">
               <a:rPr lang="en-US" smtClean="0"/>
-              <a:t>7/12/16</a:t>
+              <a:t>9/9/16</a:t>
             </a:fld>
             <a:endParaRPr lang="en-US"/>
           </a:p>
@@ -5398,7 +5500,7 @@
           <a:p>
             <a:fld id="{0459C166-16D3-4A25-A2F8-C51E0E346B22}" type="datetimeFigureOut">
               <a:rPr lang="en-US" smtClean="0"/>
-              <a:t>7/12/16</a:t>
+              <a:t>9/9/16</a:t>
             </a:fld>
             <a:endParaRPr lang="en-US"/>
           </a:p>
@@ -5790,7 +5892,7 @@
           <a:p>
             <a:fld id="{0459C166-16D3-4A25-A2F8-C51E0E346B22}" type="datetimeFigureOut">
               <a:rPr lang="en-US" smtClean="0"/>
-              <a:t>7/12/16</a:t>
+              <a:t>9/9/16</a:t>
             </a:fld>
             <a:endParaRPr lang="en-US"/>
           </a:p>
@@ -7078,7 +7180,7 @@
           <a:p>
             <a:fld id="{0459C166-16D3-4A25-A2F8-C51E0E346B22}" type="datetimeFigureOut">
               <a:rPr lang="en-US" smtClean="0"/>
-              <a:t>7/12/16</a:t>
+              <a:t>9/9/16</a:t>
             </a:fld>
             <a:endParaRPr lang="en-US"/>
           </a:p>
@@ -7342,7 +7444,7 @@
             <a:fld id="{0459C166-16D3-4A25-A2F8-C51E0E346B22}" type="datetimeFigureOut">
               <a:rPr lang="en-US" smtClean="0"/>
               <a:pPr/>
-              <a:t>7/12/16</a:t>
+              <a:t>9/9/16</a:t>
             </a:fld>
             <a:endParaRPr lang="en-US"/>
           </a:p>
@@ -7658,7 +7760,7 @@
           <a:p>
             <a:fld id="{0459C166-16D3-4A25-A2F8-C51E0E346B22}" type="datetimeFigureOut">
               <a:rPr lang="en-US" smtClean="0"/>
-              <a:t>7/12/16</a:t>
+              <a:t>9/9/16</a:t>
             </a:fld>
             <a:endParaRPr lang="en-US"/>
           </a:p>
@@ -8232,7 +8334,7 @@
           <a:p>
             <a:fld id="{0459C166-16D3-4A25-A2F8-C51E0E346B22}" type="datetimeFigureOut">
               <a:rPr lang="en-US" smtClean="0"/>
-              <a:t>7/12/16</a:t>
+              <a:t>9/9/16</a:t>
             </a:fld>
             <a:endParaRPr lang="en-US"/>
           </a:p>
@@ -9372,7 +9474,7 @@
           <a:p>
             <a:fld id="{0459C166-16D3-4A25-A2F8-C51E0E346B22}" type="datetimeFigureOut">
               <a:rPr lang="en-US" smtClean="0"/>
-              <a:t>7/12/16</a:t>
+              <a:t>9/9/16</a:t>
             </a:fld>
             <a:endParaRPr lang="en-US"/>
           </a:p>
@@ -9583,7 +9685,7 @@
           <a:p>
             <a:fld id="{0459C166-16D3-4A25-A2F8-C51E0E346B22}" type="datetimeFigureOut">
               <a:rPr lang="en-US" smtClean="0"/>
-              <a:t>7/12/16</a:t>
+              <a:t>9/9/16</a:t>
             </a:fld>
             <a:endParaRPr lang="en-US"/>
           </a:p>
@@ -10204,7 +10306,7 @@
   <p:timing>
     <p:tnLst>
       <p:par>
-        <p:cTn xmlns:p14="http://schemas.microsoft.com/office/powerpoint/2010/main" id="1" dur="indefinite" restart="never" nodeType="tmRoot"/>
+        <p:cTn id="1" dur="indefinite" restart="never" nodeType="tmRoot"/>
       </p:par>
     </p:tnLst>
   </p:timing>
@@ -10492,7 +10594,7 @@
   <p:timing>
     <p:tnLst>
       <p:par>
-        <p:cTn xmlns:p14="http://schemas.microsoft.com/office/powerpoint/2010/main" id="1" dur="indefinite" restart="never" nodeType="tmRoot"/>
+        <p:cTn id="1" dur="indefinite" restart="never" nodeType="tmRoot"/>
       </p:par>
     </p:tnLst>
   </p:timing>
@@ -11489,7 +11591,7 @@
   <p:timing>
     <p:tnLst>
       <p:par>
-        <p:cTn xmlns:p14="http://schemas.microsoft.com/office/powerpoint/2010/main" id="1" dur="indefinite" restart="never" nodeType="tmRoot"/>
+        <p:cTn id="1" dur="indefinite" restart="never" nodeType="tmRoot"/>
       </p:par>
     </p:tnLst>
   </p:timing>
@@ -11736,7 +11838,7 @@
   <p:timing>
     <p:tnLst>
       <p:par>
-        <p:cTn xmlns:p14="http://schemas.microsoft.com/office/powerpoint/2010/main" id="1" dur="indefinite" restart="never" nodeType="tmRoot"/>
+        <p:cTn id="1" dur="indefinite" restart="never" nodeType="tmRoot"/>
       </p:par>
     </p:tnLst>
   </p:timing>
@@ -13116,7 +13218,7 @@
                 </a:ln>
                 <a:extLst>
                   <a:ext uri="{91240B29-F687-4f45-9708-019B960494DF}">
-                    <a14:hiddenLine xmlns:a14="http://schemas.microsoft.com/office/drawing/2010/main" w="9525">
+                    <a14:hiddenLine xmlns:a14="http://schemas.microsoft.com/office/drawing/2010/main" xmlns="" w="9525">
                       <a:solidFill>
                         <a:srgbClr val="000000"/>
                       </a:solidFill>
@@ -13340,7 +13442,7 @@
                 </a:ln>
                 <a:extLst>
                   <a:ext uri="{91240B29-F687-4f45-9708-019B960494DF}">
-                    <a14:hiddenLine xmlns:a14="http://schemas.microsoft.com/office/drawing/2010/main" w="9525">
+                    <a14:hiddenLine xmlns:a14="http://schemas.microsoft.com/office/drawing/2010/main" xmlns="" w="9525">
                       <a:solidFill>
                         <a:srgbClr val="000000"/>
                       </a:solidFill>
@@ -13634,7 +13736,7 @@
                 </a:ln>
                 <a:extLst>
                   <a:ext uri="{91240B29-F687-4f45-9708-019B960494DF}">
-                    <a14:hiddenLine xmlns:a14="http://schemas.microsoft.com/office/drawing/2010/main" w="9525">
+                    <a14:hiddenLine xmlns:a14="http://schemas.microsoft.com/office/drawing/2010/main" xmlns="" w="9525">
                       <a:solidFill>
                         <a:srgbClr val="000000"/>
                       </a:solidFill>
@@ -13829,7 +13931,7 @@
                 </a:ln>
                 <a:extLst>
                   <a:ext uri="{91240B29-F687-4f45-9708-019B960494DF}">
-                    <a14:hiddenLine xmlns:a14="http://schemas.microsoft.com/office/drawing/2010/main" w="9525">
+                    <a14:hiddenLine xmlns:a14="http://schemas.microsoft.com/office/drawing/2010/main" xmlns="" w="9525">
                       <a:solidFill>
                         <a:srgbClr val="000000"/>
                       </a:solidFill>
@@ -14053,7 +14155,7 @@
                 </a:ln>
                 <a:extLst>
                   <a:ext uri="{91240B29-F687-4f45-9708-019B960494DF}">
-                    <a14:hiddenLine xmlns:a14="http://schemas.microsoft.com/office/drawing/2010/main" w="9525">
+                    <a14:hiddenLine xmlns:a14="http://schemas.microsoft.com/office/drawing/2010/main" xmlns="" w="9525">
                       <a:solidFill>
                         <a:srgbClr val="000000"/>
                       </a:solidFill>
@@ -14347,7 +14449,7 @@
                 </a:ln>
                 <a:extLst>
                   <a:ext uri="{91240B29-F687-4f45-9708-019B960494DF}">
-                    <a14:hiddenLine xmlns:a14="http://schemas.microsoft.com/office/drawing/2010/main" w="9525">
+                    <a14:hiddenLine xmlns:a14="http://schemas.microsoft.com/office/drawing/2010/main" xmlns="" w="9525">
                       <a:solidFill>
                         <a:srgbClr val="000000"/>
                       </a:solidFill>
@@ -14540,7 +14642,7 @@
                 </a:ln>
                 <a:extLst>
                   <a:ext uri="{91240B29-F687-4f45-9708-019B960494DF}">
-                    <a14:hiddenLine xmlns:a14="http://schemas.microsoft.com/office/drawing/2010/main" w="9525">
+                    <a14:hiddenLine xmlns:a14="http://schemas.microsoft.com/office/drawing/2010/main" xmlns="" w="9525">
                       <a:solidFill>
                         <a:srgbClr val="000000"/>
                       </a:solidFill>
@@ -14646,7 +14748,7 @@
                 </a:ln>
                 <a:extLst>
                   <a:ext uri="{91240B29-F687-4f45-9708-019B960494DF}">
-                    <a14:hiddenLine xmlns:a14="http://schemas.microsoft.com/office/drawing/2010/main" w="9525">
+                    <a14:hiddenLine xmlns:a14="http://schemas.microsoft.com/office/drawing/2010/main" xmlns="" w="9525">
                       <a:solidFill>
                         <a:srgbClr val="000000"/>
                       </a:solidFill>
@@ -14789,7 +14891,7 @@
                 </a:ln>
                 <a:extLst>
                   <a:ext uri="{91240B29-F687-4f45-9708-019B960494DF}">
-                    <a14:hiddenLine xmlns:a14="http://schemas.microsoft.com/office/drawing/2010/main" w="9525">
+                    <a14:hiddenLine xmlns:a14="http://schemas.microsoft.com/office/drawing/2010/main" xmlns="" w="9525">
                       <a:solidFill>
                         <a:srgbClr val="000000"/>
                       </a:solidFill>
@@ -14905,7 +15007,7 @@
                 </a:ln>
                 <a:extLst>
                   <a:ext uri="{91240B29-F687-4f45-9708-019B960494DF}">
-                    <a14:hiddenLine xmlns:a14="http://schemas.microsoft.com/office/drawing/2010/main" w="9525">
+                    <a14:hiddenLine xmlns:a14="http://schemas.microsoft.com/office/drawing/2010/main" xmlns="" w="9525">
                       <a:solidFill>
                         <a:srgbClr val="000000"/>
                       </a:solidFill>
@@ -15009,7 +15111,7 @@
                 </a:ln>
                 <a:extLst>
                   <a:ext uri="{91240B29-F687-4f45-9708-019B960494DF}">
-                    <a14:hiddenLine xmlns:a14="http://schemas.microsoft.com/office/drawing/2010/main" w="9525">
+                    <a14:hiddenLine xmlns:a14="http://schemas.microsoft.com/office/drawing/2010/main" xmlns="" w="9525">
                       <a:solidFill>
                         <a:srgbClr val="000000"/>
                       </a:solidFill>
@@ -15125,7 +15227,7 @@
                 </a:ln>
                 <a:extLst>
                   <a:ext uri="{91240B29-F687-4f45-9708-019B960494DF}">
-                    <a14:hiddenLine xmlns:a14="http://schemas.microsoft.com/office/drawing/2010/main" w="9525">
+                    <a14:hiddenLine xmlns:a14="http://schemas.microsoft.com/office/drawing/2010/main" xmlns="" w="9525">
                       <a:solidFill>
                         <a:srgbClr val="000000"/>
                       </a:solidFill>
@@ -15176,7 +15278,7 @@
   <p:timing>
     <p:tnLst>
       <p:par>
-        <p:cTn xmlns:p14="http://schemas.microsoft.com/office/powerpoint/2010/main" id="1" dur="indefinite" restart="never" nodeType="tmRoot"/>
+        <p:cTn id="1" dur="indefinite" restart="never" nodeType="tmRoot"/>
       </p:par>
     </p:tnLst>
   </p:timing>
@@ -15330,7 +15432,7 @@
   <p:timing>
     <p:tnLst>
       <p:par>
-        <p:cTn xmlns:p14="http://schemas.microsoft.com/office/powerpoint/2010/main" id="1" dur="indefinite" restart="never" nodeType="tmRoot"/>
+        <p:cTn id="1" dur="indefinite" restart="never" nodeType="tmRoot"/>
       </p:par>
     </p:tnLst>
   </p:timing>
@@ -15576,7 +15678,7 @@
   <p:timing>
     <p:tnLst>
       <p:par>
-        <p:cTn xmlns:p14="http://schemas.microsoft.com/office/powerpoint/2010/main" id="1" dur="indefinite" restart="never" nodeType="tmRoot"/>
+        <p:cTn id="1" dur="indefinite" restart="never" nodeType="tmRoot"/>
       </p:par>
     </p:tnLst>
   </p:timing>
@@ -15818,7 +15920,7 @@
   <p:timing>
     <p:tnLst>
       <p:par>
-        <p:cTn xmlns:p14="http://schemas.microsoft.com/office/powerpoint/2010/main" id="1" dur="indefinite" restart="never" nodeType="tmRoot"/>
+        <p:cTn id="1" dur="indefinite" restart="never" nodeType="tmRoot"/>
       </p:par>
     </p:tnLst>
   </p:timing>
@@ -16015,7 +16117,7 @@
   <p:timing>
     <p:tnLst>
       <p:par>
-        <p:cTn xmlns:p14="http://schemas.microsoft.com/office/powerpoint/2010/main" id="1" dur="indefinite" restart="never" nodeType="tmRoot"/>
+        <p:cTn id="1" dur="indefinite" restart="never" nodeType="tmRoot"/>
       </p:par>
     </p:tnLst>
   </p:timing>
@@ -16219,7 +16321,7 @@
   <p:timing>
     <p:tnLst>
       <p:par>
-        <p:cTn xmlns:p14="http://schemas.microsoft.com/office/powerpoint/2010/main" id="1" dur="indefinite" restart="never" nodeType="tmRoot"/>
+        <p:cTn id="1" dur="indefinite" restart="never" nodeType="tmRoot"/>
       </p:par>
     </p:tnLst>
   </p:timing>
@@ -18898,7 +19000,7 @@
                     </a:ln>
                     <a:extLst>
                       <a:ext uri="{91240B29-F687-4f45-9708-019B960494DF}">
-                        <a14:hiddenLine xmlns:a14="http://schemas.microsoft.com/office/drawing/2010/main" w="9525">
+                        <a14:hiddenLine xmlns:a14="http://schemas.microsoft.com/office/drawing/2010/main" xmlns="" w="9525">
                           <a:solidFill>
                             <a:srgbClr val="000000"/>
                           </a:solidFill>
@@ -19122,7 +19224,7 @@
                     </a:ln>
                     <a:extLst>
                       <a:ext uri="{91240B29-F687-4f45-9708-019B960494DF}">
-                        <a14:hiddenLine xmlns:a14="http://schemas.microsoft.com/office/drawing/2010/main" w="9525">
+                        <a14:hiddenLine xmlns:a14="http://schemas.microsoft.com/office/drawing/2010/main" xmlns="" w="9525">
                           <a:solidFill>
                             <a:srgbClr val="000000"/>
                           </a:solidFill>
@@ -19416,7 +19518,7 @@
                     </a:ln>
                     <a:extLst>
                       <a:ext uri="{91240B29-F687-4f45-9708-019B960494DF}">
-                        <a14:hiddenLine xmlns:a14="http://schemas.microsoft.com/office/drawing/2010/main" w="9525">
+                        <a14:hiddenLine xmlns:a14="http://schemas.microsoft.com/office/drawing/2010/main" xmlns="" w="9525">
                           <a:solidFill>
                             <a:srgbClr val="000000"/>
                           </a:solidFill>
@@ -19611,7 +19713,7 @@
                     </a:ln>
                     <a:extLst>
                       <a:ext uri="{91240B29-F687-4f45-9708-019B960494DF}">
-                        <a14:hiddenLine xmlns:a14="http://schemas.microsoft.com/office/drawing/2010/main" w="9525">
+                        <a14:hiddenLine xmlns:a14="http://schemas.microsoft.com/office/drawing/2010/main" xmlns="" w="9525">
                           <a:solidFill>
                             <a:srgbClr val="000000"/>
                           </a:solidFill>
@@ -19835,7 +19937,7 @@
                     </a:ln>
                     <a:extLst>
                       <a:ext uri="{91240B29-F687-4f45-9708-019B960494DF}">
-                        <a14:hiddenLine xmlns:a14="http://schemas.microsoft.com/office/drawing/2010/main" w="9525">
+                        <a14:hiddenLine xmlns:a14="http://schemas.microsoft.com/office/drawing/2010/main" xmlns="" w="9525">
                           <a:solidFill>
                             <a:srgbClr val="000000"/>
                           </a:solidFill>
@@ -20129,7 +20231,7 @@
                     </a:ln>
                     <a:extLst>
                       <a:ext uri="{91240B29-F687-4f45-9708-019B960494DF}">
-                        <a14:hiddenLine xmlns:a14="http://schemas.microsoft.com/office/drawing/2010/main" w="9525">
+                        <a14:hiddenLine xmlns:a14="http://schemas.microsoft.com/office/drawing/2010/main" xmlns="" w="9525">
                           <a:solidFill>
                             <a:srgbClr val="000000"/>
                           </a:solidFill>
@@ -20599,7 +20701,7 @@
                     </a:ln>
                     <a:extLst>
                       <a:ext uri="{91240B29-F687-4f45-9708-019B960494DF}">
-                        <a14:hiddenLine xmlns:a14="http://schemas.microsoft.com/office/drawing/2010/main" w="9525">
+                        <a14:hiddenLine xmlns:a14="http://schemas.microsoft.com/office/drawing/2010/main" xmlns="" w="9525">
                           <a:solidFill>
                             <a:srgbClr val="000000"/>
                           </a:solidFill>
@@ -20705,7 +20807,7 @@
                     </a:ln>
                     <a:extLst>
                       <a:ext uri="{91240B29-F687-4f45-9708-019B960494DF}">
-                        <a14:hiddenLine xmlns:a14="http://schemas.microsoft.com/office/drawing/2010/main" w="9525">
+                        <a14:hiddenLine xmlns:a14="http://schemas.microsoft.com/office/drawing/2010/main" xmlns="" w="9525">
                           <a:solidFill>
                             <a:srgbClr val="000000"/>
                           </a:solidFill>
@@ -21125,7 +21227,7 @@
                     </a:ln>
                     <a:extLst>
                       <a:ext uri="{91240B29-F687-4f45-9708-019B960494DF}">
-                        <a14:hiddenLine xmlns:a14="http://schemas.microsoft.com/office/drawing/2010/main" w="9525">
+                        <a14:hiddenLine xmlns:a14="http://schemas.microsoft.com/office/drawing/2010/main" xmlns="" w="9525">
                           <a:solidFill>
                             <a:srgbClr val="000000"/>
                           </a:solidFill>
@@ -21241,7 +21343,7 @@
                     </a:ln>
                     <a:extLst>
                       <a:ext uri="{91240B29-F687-4f45-9708-019B960494DF}">
-                        <a14:hiddenLine xmlns:a14="http://schemas.microsoft.com/office/drawing/2010/main" w="9525">
+                        <a14:hiddenLine xmlns:a14="http://schemas.microsoft.com/office/drawing/2010/main" xmlns="" w="9525">
                           <a:solidFill>
                             <a:srgbClr val="000000"/>
                           </a:solidFill>
@@ -21345,7 +21447,7 @@
                     </a:ln>
                     <a:extLst>
                       <a:ext uri="{91240B29-F687-4f45-9708-019B960494DF}">
-                        <a14:hiddenLine xmlns:a14="http://schemas.microsoft.com/office/drawing/2010/main" w="9525">
+                        <a14:hiddenLine xmlns:a14="http://schemas.microsoft.com/office/drawing/2010/main" xmlns="" w="9525">
                           <a:solidFill>
                             <a:srgbClr val="000000"/>
                           </a:solidFill>
@@ -21461,7 +21563,7 @@
                     </a:ln>
                     <a:extLst>
                       <a:ext uri="{91240B29-F687-4f45-9708-019B960494DF}">
-                        <a14:hiddenLine xmlns:a14="http://schemas.microsoft.com/office/drawing/2010/main" w="9525">
+                        <a14:hiddenLine xmlns:a14="http://schemas.microsoft.com/office/drawing/2010/main" xmlns="" w="9525">
                           <a:solidFill>
                             <a:srgbClr val="000000"/>
                           </a:solidFill>
@@ -21502,7 +21604,7 @@
   <p:timing>
     <p:tnLst>
       <p:par>
-        <p:cTn xmlns:p14="http://schemas.microsoft.com/office/powerpoint/2010/main" id="1" dur="indefinite" restart="never" nodeType="tmRoot"/>
+        <p:cTn id="1" dur="indefinite" restart="never" nodeType="tmRoot"/>
       </p:par>
     </p:tnLst>
   </p:timing>
@@ -22250,7 +22352,7 @@
   <a:extraClrSchemeLst/>
   <a:extLst>
     <a:ext uri="{05A4C25C-085E-4340-85A3-A5531E510DB2}">
-      <thm15:themeFamily xmlns:thm15="http://schemas.microsoft.com/office/thememl/2012/main" xmlns="" name="Office Theme" id="{62F939B6-93AF-4DB8-9C6B-D6C7DFDC589F}" vid="{4A3C46E8-61CC-4603-A589-7422A47A8E4A}"/>
+      <thm15:themeFamily xmlns:thm15="http://schemas.microsoft.com/office/thememl/2012/main" name="Office Theme" id="{62F939B6-93AF-4DB8-9C6B-D6C7DFDC589F}" vid="{4A3C46E8-61CC-4603-A589-7422A47A8E4A}"/>
     </a:ext>
   </a:extLst>
 </a:theme>
@@ -22545,7 +22647,7 @@
   <a:extraClrSchemeLst/>
   <a:extLst>
     <a:ext uri="{05A4C25C-085E-4340-85A3-A5531E510DB2}">
-      <thm15:themeFamily xmlns:thm15="http://schemas.microsoft.com/office/thememl/2012/main" xmlns="" name="Office Theme" id="{62F939B6-93AF-4DB8-9C6B-D6C7DFDC589F}" vid="{4A3C46E8-61CC-4603-A589-7422A47A8E4A}"/>
+      <thm15:themeFamily xmlns:thm15="http://schemas.microsoft.com/office/thememl/2012/main" name="Office Theme" id="{62F939B6-93AF-4DB8-9C6B-D6C7DFDC589F}" vid="{4A3C46E8-61CC-4603-A589-7422A47A8E4A}"/>
     </a:ext>
   </a:extLst>
 </a:theme>
